--- a/6_k近邻法.pptx
+++ b/6_k近邻法.pptx
@@ -31,9 +31,11 @@
     <p:sldId id="282" r:id="rId25"/>
     <p:sldId id="283" r:id="rId26"/>
     <p:sldId id="284" r:id="rId27"/>
-    <p:sldId id="260" r:id="rId28"/>
-    <p:sldId id="261" r:id="rId29"/>
-    <p:sldId id="262" r:id="rId30"/>
+    <p:sldId id="285" r:id="rId28"/>
+    <p:sldId id="286" r:id="rId29"/>
+    <p:sldId id="260" r:id="rId30"/>
+    <p:sldId id="261" r:id="rId31"/>
+    <p:sldId id="262" r:id="rId32"/>
   </p:sldIdLst>
   <p:sldSz cx="12192000" cy="6858000"/>
   <p:notesSz cx="6858000" cy="9144000"/>
@@ -8660,6 +8662,310 @@
           <p:cNvPr id="2" name="标题 1">
             <a:extLst>
               <a:ext uri="{FF2B5EF4-FFF2-40B4-BE49-F238E27FC236}">
+                <a16:creationId xmlns:a16="http://schemas.microsoft.com/office/drawing/2014/main" id="{33634532-E1F1-48EB-A80F-FFEF5DFE3845}"/>
+              </a:ext>
+            </a:extLst>
+          </p:cNvPr>
+          <p:cNvSpPr>
+            <a:spLocks noGrp="1"/>
+          </p:cNvSpPr>
+          <p:nvPr>
+            <p:ph type="title"/>
+          </p:nvPr>
+        </p:nvSpPr>
+        <p:spPr/>
+        <p:txBody>
+          <a:bodyPr/>
+          <a:lstStyle/>
+          <a:p>
+            <a:r>
+              <a:rPr lang="zh-CN" altLang="en-US"/>
+              <a:t>选最佳的</a:t>
+            </a:r>
+            <a:r>
+              <a:rPr lang="en-US" altLang="zh-CN"/>
+              <a:t>K</a:t>
+            </a:r>
+            <a:r>
+              <a:rPr lang="zh-CN" altLang="en-US"/>
+              <a:t>值</a:t>
+            </a:r>
+          </a:p>
+        </p:txBody>
+      </p:sp>
+      <p:sp>
+        <p:nvSpPr>
+          <p:cNvPr id="3" name="内容占位符 2">
+            <a:extLst>
+              <a:ext uri="{FF2B5EF4-FFF2-40B4-BE49-F238E27FC236}">
+                <a16:creationId xmlns:a16="http://schemas.microsoft.com/office/drawing/2014/main" id="{5FDDAF5D-4080-43D2-A62C-DB44239368CD}"/>
+              </a:ext>
+            </a:extLst>
+          </p:cNvPr>
+          <p:cNvSpPr>
+            <a:spLocks noGrp="1"/>
+          </p:cNvSpPr>
+          <p:nvPr>
+            <p:ph idx="1"/>
+          </p:nvPr>
+        </p:nvSpPr>
+        <p:spPr/>
+        <p:txBody>
+          <a:bodyPr>
+            <a:normAutofit/>
+          </a:bodyPr>
+          <a:lstStyle/>
+          <a:p>
+            <a:r>
+              <a:rPr lang="en-US" altLang="zh-CN" sz="2000"/>
+              <a:t>K</a:t>
+            </a:r>
+            <a:r>
+              <a:rPr lang="zh-CN" altLang="en-US" sz="2000"/>
+              <a:t>太大太小都不好</a:t>
+            </a:r>
+            <a:endParaRPr lang="en-US" altLang="zh-CN" sz="2000"/>
+          </a:p>
+          <a:p>
+            <a:endParaRPr lang="en-US" altLang="zh-CN" sz="2000"/>
+          </a:p>
+          <a:p>
+            <a:r>
+              <a:rPr lang="en-US" altLang="zh-CN" sz="2000"/>
+              <a:t>Bagging 1-NN</a:t>
+            </a:r>
+            <a:r>
+              <a:rPr lang="zh-CN" altLang="en-US" sz="2000"/>
+              <a:t>一般已经比较好</a:t>
+            </a:r>
+            <a:endParaRPr lang="en-US" altLang="zh-CN" sz="2000"/>
+          </a:p>
+          <a:p>
+            <a:endParaRPr lang="en-US" altLang="zh-CN" sz="2000"/>
+          </a:p>
+          <a:p>
+            <a:r>
+              <a:rPr lang="zh-CN" altLang="en-US" sz="2000"/>
+              <a:t>可以在</a:t>
+            </a:r>
+            <a:r>
+              <a:rPr lang="en-US" altLang="zh-CN" sz="2000"/>
+              <a:t>bagging</a:t>
+            </a:r>
+            <a:r>
+              <a:rPr lang="zh-CN" altLang="en-US" sz="2000"/>
+              <a:t>的时候减少采样量，</a:t>
+            </a:r>
+            <a:endParaRPr lang="en-US" altLang="zh-CN" sz="2000"/>
+          </a:p>
+          <a:p>
+            <a:r>
+              <a:rPr lang="zh-CN" altLang="en-US" sz="2000"/>
+              <a:t>使得</a:t>
+            </a:r>
+            <a:r>
+              <a:rPr lang="en-US" altLang="zh-CN" sz="2000"/>
+              <a:t>1-NN</a:t>
+            </a:r>
+            <a:r>
+              <a:rPr lang="zh-CN" altLang="en-US" sz="2000"/>
+              <a:t>和</a:t>
+            </a:r>
+            <a:r>
+              <a:rPr lang="en-US" altLang="zh-CN" sz="2000"/>
+              <a:t>k-NN</a:t>
+            </a:r>
+            <a:r>
+              <a:rPr lang="zh-CN" altLang="en-US" sz="2000"/>
+              <a:t>接近</a:t>
+            </a:r>
+            <a:endParaRPr lang="en-US" altLang="zh-CN" sz="2000"/>
+          </a:p>
+          <a:p>
+            <a:endParaRPr lang="en-US" altLang="zh-CN" sz="2000"/>
+          </a:p>
+          <a:p>
+            <a:r>
+              <a:rPr lang="zh-CN" altLang="en-US" sz="2000"/>
+              <a:t>可以使用</a:t>
+            </a:r>
+            <a:r>
+              <a:rPr lang="en-US" altLang="zh-CN" sz="2000"/>
+              <a:t>leave one out</a:t>
+            </a:r>
+            <a:r>
+              <a:rPr lang="zh-CN" altLang="en-US" sz="2000"/>
+              <a:t>来选择最佳</a:t>
+            </a:r>
+            <a:r>
+              <a:rPr lang="en-US" altLang="zh-CN" sz="2000"/>
+              <a:t>K</a:t>
+            </a:r>
+          </a:p>
+          <a:p>
+            <a:endParaRPr lang="zh-CN" altLang="en-US" sz="2000"/>
+          </a:p>
+        </p:txBody>
+      </p:sp>
+      <p:pic>
+        <p:nvPicPr>
+          <p:cNvPr id="4" name="图片 3">
+            <a:extLst>
+              <a:ext uri="{FF2B5EF4-FFF2-40B4-BE49-F238E27FC236}">
+                <a16:creationId xmlns:a16="http://schemas.microsoft.com/office/drawing/2014/main" id="{1B567C4D-6EFD-4868-A232-686FADA9F412}"/>
+              </a:ext>
+            </a:extLst>
+          </p:cNvPr>
+          <p:cNvPicPr>
+            <a:picLocks noChangeAspect="1"/>
+          </p:cNvPicPr>
+          <p:nvPr/>
+        </p:nvPicPr>
+        <p:blipFill>
+          <a:blip r:embed="rId2"/>
+          <a:stretch>
+            <a:fillRect/>
+          </a:stretch>
+        </p:blipFill>
+        <p:spPr>
+          <a:xfrm>
+            <a:off x="5390828" y="1781093"/>
+            <a:ext cx="6768655" cy="5045102"/>
+          </a:xfrm>
+          <a:prstGeom prst="rect">
+            <a:avLst/>
+          </a:prstGeom>
+        </p:spPr>
+      </p:pic>
+    </p:spTree>
+    <p:extLst>
+      <p:ext uri="{BB962C8B-B14F-4D97-AF65-F5344CB8AC3E}">
+        <p14:creationId xmlns:p14="http://schemas.microsoft.com/office/powerpoint/2010/main" val="575053555"/>
+      </p:ext>
+    </p:extLst>
+  </p:cSld>
+  <p:clrMapOvr>
+    <a:masterClrMapping/>
+  </p:clrMapOvr>
+</p:sld>
+</file>
+
+<file path=ppt/slides/slide28.xml><?xml version="1.0" encoding="utf-8"?>
+<p:sld xmlns:a="http://schemas.openxmlformats.org/drawingml/2006/main" xmlns:r="http://schemas.openxmlformats.org/officeDocument/2006/relationships" xmlns:p="http://schemas.openxmlformats.org/presentationml/2006/main">
+  <p:cSld>
+    <p:spTree>
+      <p:nvGrpSpPr>
+        <p:cNvPr id="1" name=""/>
+        <p:cNvGrpSpPr/>
+        <p:nvPr/>
+      </p:nvGrpSpPr>
+      <p:grpSpPr>
+        <a:xfrm>
+          <a:off x="0" y="0"/>
+          <a:ext cx="0" cy="0"/>
+          <a:chOff x="0" y="0"/>
+          <a:chExt cx="0" cy="0"/>
+        </a:xfrm>
+      </p:grpSpPr>
+      <p:sp>
+        <p:nvSpPr>
+          <p:cNvPr id="2" name="标题 1">
+            <a:extLst>
+              <a:ext uri="{FF2B5EF4-FFF2-40B4-BE49-F238E27FC236}">
+                <a16:creationId xmlns:a16="http://schemas.microsoft.com/office/drawing/2014/main" id="{0D40C9E0-0B4C-4E5A-B280-6AEE76C5495F}"/>
+              </a:ext>
+            </a:extLst>
+          </p:cNvPr>
+          <p:cNvSpPr>
+            <a:spLocks noGrp="1"/>
+          </p:cNvSpPr>
+          <p:nvPr>
+            <p:ph type="title"/>
+          </p:nvPr>
+        </p:nvSpPr>
+        <p:spPr/>
+        <p:txBody>
+          <a:bodyPr/>
+          <a:lstStyle/>
+          <a:p>
+            <a:r>
+              <a:rPr lang="en-US" altLang="zh-CN"/>
+              <a:t>Leave one out (LOO)</a:t>
+            </a:r>
+            <a:endParaRPr lang="zh-CN" altLang="en-US"/>
+          </a:p>
+        </p:txBody>
+      </p:sp>
+      <p:pic>
+        <p:nvPicPr>
+          <p:cNvPr id="5" name="内容占位符 4">
+            <a:extLst>
+              <a:ext uri="{FF2B5EF4-FFF2-40B4-BE49-F238E27FC236}">
+                <a16:creationId xmlns:a16="http://schemas.microsoft.com/office/drawing/2014/main" id="{3F80C594-1920-4AF0-940D-F9CD62B2A5C0}"/>
+              </a:ext>
+            </a:extLst>
+          </p:cNvPr>
+          <p:cNvPicPr>
+            <a:picLocks noGrp="1" noChangeAspect="1"/>
+          </p:cNvPicPr>
+          <p:nvPr>
+            <p:ph idx="1"/>
+          </p:nvPr>
+        </p:nvPicPr>
+        <p:blipFill>
+          <a:blip r:embed="rId2">
+            <a:extLst>
+              <a:ext uri="{28A0092B-C50C-407E-A947-70E740481C1C}">
+                <a14:useLocalDpi xmlns:a14="http://schemas.microsoft.com/office/drawing/2010/main" val="0"/>
+              </a:ext>
+            </a:extLst>
+          </a:blip>
+          <a:stretch>
+            <a:fillRect/>
+          </a:stretch>
+        </p:blipFill>
+        <p:spPr>
+          <a:xfrm>
+            <a:off x="683811" y="2008748"/>
+            <a:ext cx="7513982" cy="4672786"/>
+          </a:xfrm>
+        </p:spPr>
+      </p:pic>
+    </p:spTree>
+    <p:extLst>
+      <p:ext uri="{BB962C8B-B14F-4D97-AF65-F5344CB8AC3E}">
+        <p14:creationId xmlns:p14="http://schemas.microsoft.com/office/powerpoint/2010/main" val="1773153525"/>
+      </p:ext>
+    </p:extLst>
+  </p:cSld>
+  <p:clrMapOvr>
+    <a:masterClrMapping/>
+  </p:clrMapOvr>
+</p:sld>
+</file>
+
+<file path=ppt/slides/slide29.xml><?xml version="1.0" encoding="utf-8"?>
+<p:sld xmlns:a="http://schemas.openxmlformats.org/drawingml/2006/main" xmlns:r="http://schemas.openxmlformats.org/officeDocument/2006/relationships" xmlns:p="http://schemas.openxmlformats.org/presentationml/2006/main">
+  <p:cSld>
+    <p:spTree>
+      <p:nvGrpSpPr>
+        <p:cNvPr id="1" name=""/>
+        <p:cNvGrpSpPr/>
+        <p:nvPr/>
+      </p:nvGrpSpPr>
+      <p:grpSpPr>
+        <a:xfrm>
+          <a:off x="0" y="0"/>
+          <a:ext cx="0" cy="0"/>
+          <a:chOff x="0" y="0"/>
+          <a:chExt cx="0" cy="0"/>
+        </a:xfrm>
+      </p:grpSpPr>
+      <p:sp>
+        <p:nvSpPr>
+          <p:cNvPr id="2" name="标题 1">
+            <a:extLst>
+              <a:ext uri="{FF2B5EF4-FFF2-40B4-BE49-F238E27FC236}">
                 <a16:creationId xmlns:a16="http://schemas.microsoft.com/office/drawing/2014/main" id="{3197A5A4-90C7-4304-830E-A0019279616C}"/>
               </a:ext>
             </a:extLst>
@@ -8811,276 +9117,6 @@
 </p:sld>
 </file>
 
-<file path=ppt/slides/slide28.xml><?xml version="1.0" encoding="utf-8"?>
-<p:sld xmlns:a="http://schemas.openxmlformats.org/drawingml/2006/main" xmlns:r="http://schemas.openxmlformats.org/officeDocument/2006/relationships" xmlns:p="http://schemas.openxmlformats.org/presentationml/2006/main">
-  <p:cSld>
-    <p:spTree>
-      <p:nvGrpSpPr>
-        <p:cNvPr id="1" name=""/>
-        <p:cNvGrpSpPr/>
-        <p:nvPr/>
-      </p:nvGrpSpPr>
-      <p:grpSpPr>
-        <a:xfrm>
-          <a:off x="0" y="0"/>
-          <a:ext cx="0" cy="0"/>
-          <a:chOff x="0" y="0"/>
-          <a:chExt cx="0" cy="0"/>
-        </a:xfrm>
-      </p:grpSpPr>
-      <p:sp>
-        <p:nvSpPr>
-          <p:cNvPr id="2" name="标题 1">
-            <a:extLst>
-              <a:ext uri="{FF2B5EF4-FFF2-40B4-BE49-F238E27FC236}">
-                <a16:creationId xmlns:a16="http://schemas.microsoft.com/office/drawing/2014/main" id="{606DC340-AA73-4F3B-B9D7-966D3F2588D5}"/>
-              </a:ext>
-            </a:extLst>
-          </p:cNvPr>
-          <p:cNvSpPr>
-            <a:spLocks noGrp="1"/>
-          </p:cNvSpPr>
-          <p:nvPr>
-            <p:ph type="title"/>
-          </p:nvPr>
-        </p:nvSpPr>
-        <p:spPr/>
-        <p:txBody>
-          <a:bodyPr/>
-          <a:lstStyle/>
-          <a:p>
-            <a:r>
-              <a:rPr lang="zh-CN" altLang="en-US"/>
-              <a:t>高级</a:t>
-            </a:r>
-            <a:r>
-              <a:rPr lang="en-US" altLang="zh-CN"/>
-              <a:t>k-NN</a:t>
-            </a:r>
-            <a:r>
-              <a:rPr lang="zh-CN" altLang="en-US"/>
-              <a:t>嵌入实验</a:t>
-            </a:r>
-          </a:p>
-        </p:txBody>
-      </p:sp>
-      <p:sp>
-        <p:nvSpPr>
-          <p:cNvPr id="3" name="内容占位符 2">
-            <a:extLst>
-              <a:ext uri="{FF2B5EF4-FFF2-40B4-BE49-F238E27FC236}">
-                <a16:creationId xmlns:a16="http://schemas.microsoft.com/office/drawing/2014/main" id="{13F50BED-04DE-4C5E-92DA-C6F5F6ECB3C8}"/>
-              </a:ext>
-            </a:extLst>
-          </p:cNvPr>
-          <p:cNvSpPr>
-            <a:spLocks noGrp="1"/>
-          </p:cNvSpPr>
-          <p:nvPr>
-            <p:ph idx="1"/>
-          </p:nvPr>
-        </p:nvSpPr>
-        <p:spPr/>
-        <p:txBody>
-          <a:bodyPr>
-            <a:normAutofit/>
-          </a:bodyPr>
-          <a:lstStyle/>
-          <a:p>
-            <a:r>
-              <a:rPr lang="zh-CN" altLang="en-US" sz="2800"/>
-              <a:t>每个人只提供手机的两位尾号，并没有泄露过多隐私。</a:t>
-            </a:r>
-            <a:endParaRPr lang="en-US" altLang="zh-CN" sz="2800"/>
-          </a:p>
-          <a:p>
-            <a:r>
-              <a:rPr lang="zh-CN" altLang="en-US" sz="2800"/>
-              <a:t>我们已经可以为每个人进行矩阵编码了</a:t>
-            </a:r>
-            <a:endParaRPr lang="en-US" altLang="zh-CN" sz="2800"/>
-          </a:p>
-          <a:p>
-            <a:r>
-              <a:rPr lang="zh-CN" altLang="en-US" sz="2800"/>
-              <a:t>计算两个人的相似度：</a:t>
-            </a:r>
-            <a:endParaRPr lang="en-US" altLang="zh-CN" sz="2800"/>
-          </a:p>
-          <a:p>
-            <a:r>
-              <a:rPr lang="en-US" altLang="zh-CN" sz="2800"/>
-              <a:t>JaccardIndex(set 1, set 2) = |intersection| / |union|</a:t>
-            </a:r>
-          </a:p>
-          <a:p>
-            <a:r>
-              <a:rPr lang="zh-CN" altLang="en-US" sz="2800"/>
-              <a:t>相似度高的人可以交朋友哦！下节课做实验</a:t>
-            </a:r>
-            <a:endParaRPr lang="en-US" altLang="zh-CN" sz="2800"/>
-          </a:p>
-        </p:txBody>
-      </p:sp>
-    </p:spTree>
-    <p:extLst>
-      <p:ext uri="{BB962C8B-B14F-4D97-AF65-F5344CB8AC3E}">
-        <p14:creationId xmlns:p14="http://schemas.microsoft.com/office/powerpoint/2010/main" val="477746342"/>
-      </p:ext>
-    </p:extLst>
-  </p:cSld>
-  <p:clrMapOvr>
-    <a:masterClrMapping/>
-  </p:clrMapOvr>
-</p:sld>
-</file>
-
-<file path=ppt/slides/slide29.xml><?xml version="1.0" encoding="utf-8"?>
-<p:sld xmlns:a="http://schemas.openxmlformats.org/drawingml/2006/main" xmlns:r="http://schemas.openxmlformats.org/officeDocument/2006/relationships" xmlns:p="http://schemas.openxmlformats.org/presentationml/2006/main">
-  <p:cSld>
-    <p:spTree>
-      <p:nvGrpSpPr>
-        <p:cNvPr id="1" name=""/>
-        <p:cNvGrpSpPr/>
-        <p:nvPr/>
-      </p:nvGrpSpPr>
-      <p:grpSpPr>
-        <a:xfrm>
-          <a:off x="0" y="0"/>
-          <a:ext cx="0" cy="0"/>
-          <a:chOff x="0" y="0"/>
-          <a:chExt cx="0" cy="0"/>
-        </a:xfrm>
-      </p:grpSpPr>
-      <p:sp>
-        <p:nvSpPr>
-          <p:cNvPr id="2" name="标题 1">
-            <a:extLst>
-              <a:ext uri="{FF2B5EF4-FFF2-40B4-BE49-F238E27FC236}">
-                <a16:creationId xmlns:a16="http://schemas.microsoft.com/office/drawing/2014/main" id="{29C56CC7-D6A6-4233-9D1D-781B862E2FC9}"/>
-              </a:ext>
-            </a:extLst>
-          </p:cNvPr>
-          <p:cNvSpPr>
-            <a:spLocks noGrp="1"/>
-          </p:cNvSpPr>
-          <p:nvPr>
-            <p:ph type="title"/>
-          </p:nvPr>
-        </p:nvSpPr>
-        <p:spPr/>
-        <p:txBody>
-          <a:bodyPr/>
-          <a:lstStyle/>
-          <a:p>
-            <a:r>
-              <a:rPr lang="zh-CN" altLang="en-US"/>
-              <a:t>高级</a:t>
-            </a:r>
-            <a:r>
-              <a:rPr lang="en-US" altLang="zh-CN"/>
-              <a:t>k-NN</a:t>
-            </a:r>
-            <a:r>
-              <a:rPr lang="zh-CN" altLang="en-US"/>
-              <a:t>嵌入实验</a:t>
-            </a:r>
-          </a:p>
-        </p:txBody>
-      </p:sp>
-      <p:sp>
-        <p:nvSpPr>
-          <p:cNvPr id="3" name="内容占位符 2">
-            <a:extLst>
-              <a:ext uri="{FF2B5EF4-FFF2-40B4-BE49-F238E27FC236}">
-                <a16:creationId xmlns:a16="http://schemas.microsoft.com/office/drawing/2014/main" id="{75BA1377-7EFB-49A4-98DF-9CAEF2DBC80B}"/>
-              </a:ext>
-            </a:extLst>
-          </p:cNvPr>
-          <p:cNvSpPr>
-            <a:spLocks noGrp="1"/>
-          </p:cNvSpPr>
-          <p:nvPr>
-            <p:ph idx="1"/>
-          </p:nvPr>
-        </p:nvSpPr>
-        <p:spPr/>
-        <p:txBody>
-          <a:bodyPr>
-            <a:normAutofit/>
-          </a:bodyPr>
-          <a:lstStyle/>
-          <a:p>
-            <a:r>
-              <a:rPr lang="zh-CN" altLang="en-US" sz="2400"/>
-              <a:t>马克思</a:t>
-            </a:r>
-            <a:r>
-              <a:rPr lang="en-US" altLang="zh-CN" sz="2400"/>
-              <a:t>《</a:t>
-            </a:r>
-            <a:r>
-              <a:rPr lang="zh-CN" altLang="en-US" sz="2400"/>
-              <a:t>关于费尔巴哈的提纲</a:t>
-            </a:r>
-            <a:r>
-              <a:rPr lang="en-US" altLang="zh-CN" sz="2400"/>
-              <a:t>》 :</a:t>
-            </a:r>
-          </a:p>
-          <a:p>
-            <a:pPr lvl="1"/>
-            <a:r>
-              <a:rPr lang="zh-CN" altLang="en-US" sz="2000"/>
-              <a:t>费尔巴哈把宗教的本质归结于人的本质。但是，人的本质并不是单个人所固有的抽象物。在其现实性上，它是一切社会关系的总和。</a:t>
-            </a:r>
-            <a:endParaRPr lang="en-US" altLang="zh-CN" sz="2400"/>
-          </a:p>
-          <a:p>
-            <a:endParaRPr lang="en-US" altLang="zh-CN" sz="2400"/>
-          </a:p>
-          <a:p>
-            <a:r>
-              <a:rPr lang="zh-CN" altLang="en-US" sz="2400"/>
-              <a:t>交友要慎重，不要以为自己可以不受朋友影响。</a:t>
-            </a:r>
-            <a:endParaRPr lang="en-US" altLang="zh-CN" sz="2400"/>
-          </a:p>
-          <a:p>
-            <a:r>
-              <a:rPr lang="zh-CN" altLang="en-US" sz="2400"/>
-              <a:t>你是谁？看看你的朋友们就知道了。</a:t>
-            </a:r>
-            <a:endParaRPr lang="en-US" altLang="zh-CN" sz="2400"/>
-          </a:p>
-          <a:p>
-            <a:r>
-              <a:rPr lang="zh-CN" altLang="en-US" sz="2400"/>
-              <a:t>你以前的朋友们是过去的你，你现在的朋友们是现在的你。</a:t>
-            </a:r>
-            <a:endParaRPr lang="en-US" altLang="zh-CN" sz="2400"/>
-          </a:p>
-          <a:p>
-            <a:r>
-              <a:rPr lang="zh-CN" altLang="en-US" sz="2400"/>
-              <a:t>丢了一个朋友你就变了，加了一个朋友你也变了。</a:t>
-            </a:r>
-          </a:p>
-        </p:txBody>
-      </p:sp>
-    </p:spTree>
-    <p:extLst>
-      <p:ext uri="{BB962C8B-B14F-4D97-AF65-F5344CB8AC3E}">
-        <p14:creationId xmlns:p14="http://schemas.microsoft.com/office/powerpoint/2010/main" val="3263618123"/>
-      </p:ext>
-    </p:extLst>
-  </p:cSld>
-  <p:clrMapOvr>
-    <a:masterClrMapping/>
-  </p:clrMapOvr>
-</p:sld>
-</file>
-
 <file path=ppt/slides/slide3.xml><?xml version="1.0" encoding="utf-8"?>
 <p:sld xmlns:a="http://schemas.openxmlformats.org/drawingml/2006/main" xmlns:r="http://schemas.openxmlformats.org/officeDocument/2006/relationships" xmlns:p="http://schemas.openxmlformats.org/presentationml/2006/main">
   <p:cSld>
@@ -9212,6 +9248,276 @@
     <p:extLst>
       <p:ext uri="{BB962C8B-B14F-4D97-AF65-F5344CB8AC3E}">
         <p14:creationId xmlns:p14="http://schemas.microsoft.com/office/powerpoint/2010/main" val="2290678023"/>
+      </p:ext>
+    </p:extLst>
+  </p:cSld>
+  <p:clrMapOvr>
+    <a:masterClrMapping/>
+  </p:clrMapOvr>
+</p:sld>
+</file>
+
+<file path=ppt/slides/slide30.xml><?xml version="1.0" encoding="utf-8"?>
+<p:sld xmlns:a="http://schemas.openxmlformats.org/drawingml/2006/main" xmlns:r="http://schemas.openxmlformats.org/officeDocument/2006/relationships" xmlns:p="http://schemas.openxmlformats.org/presentationml/2006/main">
+  <p:cSld>
+    <p:spTree>
+      <p:nvGrpSpPr>
+        <p:cNvPr id="1" name=""/>
+        <p:cNvGrpSpPr/>
+        <p:nvPr/>
+      </p:nvGrpSpPr>
+      <p:grpSpPr>
+        <a:xfrm>
+          <a:off x="0" y="0"/>
+          <a:ext cx="0" cy="0"/>
+          <a:chOff x="0" y="0"/>
+          <a:chExt cx="0" cy="0"/>
+        </a:xfrm>
+      </p:grpSpPr>
+      <p:sp>
+        <p:nvSpPr>
+          <p:cNvPr id="2" name="标题 1">
+            <a:extLst>
+              <a:ext uri="{FF2B5EF4-FFF2-40B4-BE49-F238E27FC236}">
+                <a16:creationId xmlns:a16="http://schemas.microsoft.com/office/drawing/2014/main" id="{606DC340-AA73-4F3B-B9D7-966D3F2588D5}"/>
+              </a:ext>
+            </a:extLst>
+          </p:cNvPr>
+          <p:cNvSpPr>
+            <a:spLocks noGrp="1"/>
+          </p:cNvSpPr>
+          <p:nvPr>
+            <p:ph type="title"/>
+          </p:nvPr>
+        </p:nvSpPr>
+        <p:spPr/>
+        <p:txBody>
+          <a:bodyPr/>
+          <a:lstStyle/>
+          <a:p>
+            <a:r>
+              <a:rPr lang="zh-CN" altLang="en-US"/>
+              <a:t>高级</a:t>
+            </a:r>
+            <a:r>
+              <a:rPr lang="en-US" altLang="zh-CN"/>
+              <a:t>k-NN</a:t>
+            </a:r>
+            <a:r>
+              <a:rPr lang="zh-CN" altLang="en-US"/>
+              <a:t>嵌入实验</a:t>
+            </a:r>
+          </a:p>
+        </p:txBody>
+      </p:sp>
+      <p:sp>
+        <p:nvSpPr>
+          <p:cNvPr id="3" name="内容占位符 2">
+            <a:extLst>
+              <a:ext uri="{FF2B5EF4-FFF2-40B4-BE49-F238E27FC236}">
+                <a16:creationId xmlns:a16="http://schemas.microsoft.com/office/drawing/2014/main" id="{13F50BED-04DE-4C5E-92DA-C6F5F6ECB3C8}"/>
+              </a:ext>
+            </a:extLst>
+          </p:cNvPr>
+          <p:cNvSpPr>
+            <a:spLocks noGrp="1"/>
+          </p:cNvSpPr>
+          <p:nvPr>
+            <p:ph idx="1"/>
+          </p:nvPr>
+        </p:nvSpPr>
+        <p:spPr/>
+        <p:txBody>
+          <a:bodyPr>
+            <a:normAutofit/>
+          </a:bodyPr>
+          <a:lstStyle/>
+          <a:p>
+            <a:r>
+              <a:rPr lang="zh-CN" altLang="en-US" sz="2800"/>
+              <a:t>每个人只提供手机的两位尾号，并没有泄露过多隐私。</a:t>
+            </a:r>
+            <a:endParaRPr lang="en-US" altLang="zh-CN" sz="2800"/>
+          </a:p>
+          <a:p>
+            <a:r>
+              <a:rPr lang="zh-CN" altLang="en-US" sz="2800"/>
+              <a:t>我们已经可以为每个人进行矩阵编码了</a:t>
+            </a:r>
+            <a:endParaRPr lang="en-US" altLang="zh-CN" sz="2800"/>
+          </a:p>
+          <a:p>
+            <a:r>
+              <a:rPr lang="zh-CN" altLang="en-US" sz="2800"/>
+              <a:t>计算两个人的相似度：</a:t>
+            </a:r>
+            <a:endParaRPr lang="en-US" altLang="zh-CN" sz="2800"/>
+          </a:p>
+          <a:p>
+            <a:r>
+              <a:rPr lang="en-US" altLang="zh-CN" sz="2800"/>
+              <a:t>JaccardIndex(set 1, set 2) = |intersection| / |union|</a:t>
+            </a:r>
+          </a:p>
+          <a:p>
+            <a:r>
+              <a:rPr lang="zh-CN" altLang="en-US" sz="2800"/>
+              <a:t>相似度高的人可以交朋友哦！下节课做实验</a:t>
+            </a:r>
+            <a:endParaRPr lang="en-US" altLang="zh-CN" sz="2800"/>
+          </a:p>
+        </p:txBody>
+      </p:sp>
+    </p:spTree>
+    <p:extLst>
+      <p:ext uri="{BB962C8B-B14F-4D97-AF65-F5344CB8AC3E}">
+        <p14:creationId xmlns:p14="http://schemas.microsoft.com/office/powerpoint/2010/main" val="477746342"/>
+      </p:ext>
+    </p:extLst>
+  </p:cSld>
+  <p:clrMapOvr>
+    <a:masterClrMapping/>
+  </p:clrMapOvr>
+</p:sld>
+</file>
+
+<file path=ppt/slides/slide31.xml><?xml version="1.0" encoding="utf-8"?>
+<p:sld xmlns:a="http://schemas.openxmlformats.org/drawingml/2006/main" xmlns:r="http://schemas.openxmlformats.org/officeDocument/2006/relationships" xmlns:p="http://schemas.openxmlformats.org/presentationml/2006/main">
+  <p:cSld>
+    <p:spTree>
+      <p:nvGrpSpPr>
+        <p:cNvPr id="1" name=""/>
+        <p:cNvGrpSpPr/>
+        <p:nvPr/>
+      </p:nvGrpSpPr>
+      <p:grpSpPr>
+        <a:xfrm>
+          <a:off x="0" y="0"/>
+          <a:ext cx="0" cy="0"/>
+          <a:chOff x="0" y="0"/>
+          <a:chExt cx="0" cy="0"/>
+        </a:xfrm>
+      </p:grpSpPr>
+      <p:sp>
+        <p:nvSpPr>
+          <p:cNvPr id="2" name="标题 1">
+            <a:extLst>
+              <a:ext uri="{FF2B5EF4-FFF2-40B4-BE49-F238E27FC236}">
+                <a16:creationId xmlns:a16="http://schemas.microsoft.com/office/drawing/2014/main" id="{29C56CC7-D6A6-4233-9D1D-781B862E2FC9}"/>
+              </a:ext>
+            </a:extLst>
+          </p:cNvPr>
+          <p:cNvSpPr>
+            <a:spLocks noGrp="1"/>
+          </p:cNvSpPr>
+          <p:nvPr>
+            <p:ph type="title"/>
+          </p:nvPr>
+        </p:nvSpPr>
+        <p:spPr/>
+        <p:txBody>
+          <a:bodyPr/>
+          <a:lstStyle/>
+          <a:p>
+            <a:r>
+              <a:rPr lang="zh-CN" altLang="en-US"/>
+              <a:t>高级</a:t>
+            </a:r>
+            <a:r>
+              <a:rPr lang="en-US" altLang="zh-CN"/>
+              <a:t>k-NN</a:t>
+            </a:r>
+            <a:r>
+              <a:rPr lang="zh-CN" altLang="en-US"/>
+              <a:t>嵌入实验</a:t>
+            </a:r>
+          </a:p>
+        </p:txBody>
+      </p:sp>
+      <p:sp>
+        <p:nvSpPr>
+          <p:cNvPr id="3" name="内容占位符 2">
+            <a:extLst>
+              <a:ext uri="{FF2B5EF4-FFF2-40B4-BE49-F238E27FC236}">
+                <a16:creationId xmlns:a16="http://schemas.microsoft.com/office/drawing/2014/main" id="{75BA1377-7EFB-49A4-98DF-9CAEF2DBC80B}"/>
+              </a:ext>
+            </a:extLst>
+          </p:cNvPr>
+          <p:cNvSpPr>
+            <a:spLocks noGrp="1"/>
+          </p:cNvSpPr>
+          <p:nvPr>
+            <p:ph idx="1"/>
+          </p:nvPr>
+        </p:nvSpPr>
+        <p:spPr/>
+        <p:txBody>
+          <a:bodyPr>
+            <a:normAutofit/>
+          </a:bodyPr>
+          <a:lstStyle/>
+          <a:p>
+            <a:r>
+              <a:rPr lang="zh-CN" altLang="en-US" sz="2400"/>
+              <a:t>马克思</a:t>
+            </a:r>
+            <a:r>
+              <a:rPr lang="en-US" altLang="zh-CN" sz="2400"/>
+              <a:t>《</a:t>
+            </a:r>
+            <a:r>
+              <a:rPr lang="zh-CN" altLang="en-US" sz="2400"/>
+              <a:t>关于费尔巴哈的提纲</a:t>
+            </a:r>
+            <a:r>
+              <a:rPr lang="en-US" altLang="zh-CN" sz="2400"/>
+              <a:t>》 :</a:t>
+            </a:r>
+          </a:p>
+          <a:p>
+            <a:pPr lvl="1"/>
+            <a:r>
+              <a:rPr lang="zh-CN" altLang="en-US" sz="2000"/>
+              <a:t>费尔巴哈把宗教的本质归结于人的本质。但是，人的本质并不是单个人所固有的抽象物。在其现实性上，它是一切社会关系的总和。</a:t>
+            </a:r>
+            <a:endParaRPr lang="en-US" altLang="zh-CN" sz="2400"/>
+          </a:p>
+          <a:p>
+            <a:endParaRPr lang="en-US" altLang="zh-CN" sz="2400"/>
+          </a:p>
+          <a:p>
+            <a:r>
+              <a:rPr lang="zh-CN" altLang="en-US" sz="2400"/>
+              <a:t>交友要慎重，不要以为自己可以不受朋友影响。</a:t>
+            </a:r>
+            <a:endParaRPr lang="en-US" altLang="zh-CN" sz="2400"/>
+          </a:p>
+          <a:p>
+            <a:r>
+              <a:rPr lang="zh-CN" altLang="en-US" sz="2400"/>
+              <a:t>你是谁？看看你的朋友们就知道了。</a:t>
+            </a:r>
+            <a:endParaRPr lang="en-US" altLang="zh-CN" sz="2400"/>
+          </a:p>
+          <a:p>
+            <a:r>
+              <a:rPr lang="zh-CN" altLang="en-US" sz="2400"/>
+              <a:t>你以前的朋友们是过去的你，你现在的朋友们是现在的你。</a:t>
+            </a:r>
+            <a:endParaRPr lang="en-US" altLang="zh-CN" sz="2400"/>
+          </a:p>
+          <a:p>
+            <a:r>
+              <a:rPr lang="zh-CN" altLang="en-US" sz="2400"/>
+              <a:t>丢了一个朋友你就变了，加了一个朋友你也变了。</a:t>
+            </a:r>
+          </a:p>
+        </p:txBody>
+      </p:sp>
+    </p:spTree>
+    <p:extLst>
+      <p:ext uri="{BB962C8B-B14F-4D97-AF65-F5344CB8AC3E}">
+        <p14:creationId xmlns:p14="http://schemas.microsoft.com/office/powerpoint/2010/main" val="3263618123"/>
       </p:ext>
     </p:extLst>
   </p:cSld>

--- a/6_k近邻法.pptx
+++ b/6_k近邻法.pptx
@@ -36,6 +36,7 @@
     <p:sldId id="260" r:id="rId30"/>
     <p:sldId id="261" r:id="rId31"/>
     <p:sldId id="262" r:id="rId32"/>
+    <p:sldId id="287" r:id="rId33"/>
   </p:sldIdLst>
   <p:sldSz cx="12192000" cy="6858000"/>
   <p:notesSz cx="6858000" cy="9144000"/>
@@ -8467,10 +8468,10 @@
       </p:sp>
       <p:pic>
         <p:nvPicPr>
-          <p:cNvPr id="5" name="图片 4">
+          <p:cNvPr id="4" name="图片 3">
             <a:extLst>
               <a:ext uri="{FF2B5EF4-FFF2-40B4-BE49-F238E27FC236}">
-                <a16:creationId xmlns:a16="http://schemas.microsoft.com/office/drawing/2014/main" id="{998C52F4-987F-4CF6-A425-3AD717F8C753}"/>
+                <a16:creationId xmlns:a16="http://schemas.microsoft.com/office/drawing/2014/main" id="{B02294BB-F463-48E2-A797-14FE08241F88}"/>
               </a:ext>
             </a:extLst>
           </p:cNvPr>
@@ -8480,21 +8481,15 @@
           <p:nvPr/>
         </p:nvPicPr>
         <p:blipFill>
-          <a:blip r:embed="rId2">
-            <a:extLst>
-              <a:ext uri="{28A0092B-C50C-407E-A947-70E740481C1C}">
-                <a14:useLocalDpi xmlns:a14="http://schemas.microsoft.com/office/drawing/2010/main" val="0"/>
-              </a:ext>
-            </a:extLst>
-          </a:blip>
+          <a:blip r:embed="rId2"/>
           <a:stretch>
             <a:fillRect/>
           </a:stretch>
         </p:blipFill>
         <p:spPr>
           <a:xfrm>
-            <a:off x="5155870" y="2858324"/>
-            <a:ext cx="6985000" cy="3924300"/>
+            <a:off x="6186115" y="2955695"/>
+            <a:ext cx="5896430" cy="3819356"/>
           </a:xfrm>
           <a:prstGeom prst="rect">
             <a:avLst/>
@@ -9518,6 +9513,93 @@
     <p:extLst>
       <p:ext uri="{BB962C8B-B14F-4D97-AF65-F5344CB8AC3E}">
         <p14:creationId xmlns:p14="http://schemas.microsoft.com/office/powerpoint/2010/main" val="3263618123"/>
+      </p:ext>
+    </p:extLst>
+  </p:cSld>
+  <p:clrMapOvr>
+    <a:masterClrMapping/>
+  </p:clrMapOvr>
+</p:sld>
+</file>
+
+<file path=ppt/slides/slide32.xml><?xml version="1.0" encoding="utf-8"?>
+<p:sld xmlns:a="http://schemas.openxmlformats.org/drawingml/2006/main" xmlns:r="http://schemas.openxmlformats.org/officeDocument/2006/relationships" xmlns:p="http://schemas.openxmlformats.org/presentationml/2006/main">
+  <p:cSld>
+    <p:spTree>
+      <p:nvGrpSpPr>
+        <p:cNvPr id="1" name=""/>
+        <p:cNvGrpSpPr/>
+        <p:nvPr/>
+      </p:nvGrpSpPr>
+      <p:grpSpPr>
+        <a:xfrm>
+          <a:off x="0" y="0"/>
+          <a:ext cx="0" cy="0"/>
+          <a:chOff x="0" y="0"/>
+          <a:chExt cx="0" cy="0"/>
+        </a:xfrm>
+      </p:grpSpPr>
+      <p:sp>
+        <p:nvSpPr>
+          <p:cNvPr id="2" name="标题 1">
+            <a:extLst>
+              <a:ext uri="{FF2B5EF4-FFF2-40B4-BE49-F238E27FC236}">
+                <a16:creationId xmlns:a16="http://schemas.microsoft.com/office/drawing/2014/main" id="{EA2597E7-F3FA-44CB-BE18-3DDF488744DE}"/>
+              </a:ext>
+            </a:extLst>
+          </p:cNvPr>
+          <p:cNvSpPr>
+            <a:spLocks noGrp="1"/>
+          </p:cNvSpPr>
+          <p:nvPr>
+            <p:ph type="title"/>
+          </p:nvPr>
+        </p:nvSpPr>
+        <p:spPr/>
+        <p:txBody>
+          <a:bodyPr/>
+          <a:lstStyle/>
+          <a:p>
+            <a:r>
+              <a:rPr lang="zh-CN" altLang="en-US"/>
+              <a:t>谢谢！</a:t>
+            </a:r>
+          </a:p>
+        </p:txBody>
+      </p:sp>
+      <p:sp>
+        <p:nvSpPr>
+          <p:cNvPr id="3" name="内容占位符 2">
+            <a:extLst>
+              <a:ext uri="{FF2B5EF4-FFF2-40B4-BE49-F238E27FC236}">
+                <a16:creationId xmlns:a16="http://schemas.microsoft.com/office/drawing/2014/main" id="{B5EA5B51-293D-4E3E-8820-1D67DCB27516}"/>
+              </a:ext>
+            </a:extLst>
+          </p:cNvPr>
+          <p:cNvSpPr>
+            <a:spLocks noGrp="1"/>
+          </p:cNvSpPr>
+          <p:nvPr>
+            <p:ph idx="1"/>
+          </p:nvPr>
+        </p:nvSpPr>
+        <p:spPr/>
+        <p:txBody>
+          <a:bodyPr/>
+          <a:lstStyle/>
+          <a:p>
+            <a:r>
+              <a:rPr lang="zh-CN" altLang="en-US" sz="5400"/>
+              <a:t>提问！</a:t>
+            </a:r>
+            <a:endParaRPr lang="zh-CN" altLang="en-US"/>
+          </a:p>
+        </p:txBody>
+      </p:sp>
+    </p:spTree>
+    <p:extLst>
+      <p:ext uri="{BB962C8B-B14F-4D97-AF65-F5344CB8AC3E}">
+        <p14:creationId xmlns:p14="http://schemas.microsoft.com/office/powerpoint/2010/main" val="2285362836"/>
       </p:ext>
     </p:extLst>
   </p:cSld>

--- a/6_k近邻法.pptx
+++ b/6_k近邻法.pptx
@@ -7,36 +7,44 @@
   <p:sldIdLst>
     <p:sldId id="256" r:id="rId2"/>
     <p:sldId id="257" r:id="rId3"/>
-    <p:sldId id="258" r:id="rId4"/>
-    <p:sldId id="259" r:id="rId5"/>
-    <p:sldId id="264" r:id="rId6"/>
-    <p:sldId id="263" r:id="rId7"/>
-    <p:sldId id="265" r:id="rId8"/>
-    <p:sldId id="266" r:id="rId9"/>
-    <p:sldId id="267" r:id="rId10"/>
-    <p:sldId id="268" r:id="rId11"/>
-    <p:sldId id="269" r:id="rId12"/>
-    <p:sldId id="270" r:id="rId13"/>
-    <p:sldId id="271" r:id="rId14"/>
-    <p:sldId id="272" r:id="rId15"/>
-    <p:sldId id="273" r:id="rId16"/>
-    <p:sldId id="274" r:id="rId17"/>
-    <p:sldId id="275" r:id="rId18"/>
-    <p:sldId id="276" r:id="rId19"/>
-    <p:sldId id="277" r:id="rId20"/>
-    <p:sldId id="278" r:id="rId21"/>
-    <p:sldId id="279" r:id="rId22"/>
-    <p:sldId id="280" r:id="rId23"/>
-    <p:sldId id="281" r:id="rId24"/>
-    <p:sldId id="282" r:id="rId25"/>
-    <p:sldId id="283" r:id="rId26"/>
-    <p:sldId id="284" r:id="rId27"/>
-    <p:sldId id="285" r:id="rId28"/>
-    <p:sldId id="286" r:id="rId29"/>
-    <p:sldId id="260" r:id="rId30"/>
-    <p:sldId id="261" r:id="rId31"/>
-    <p:sldId id="262" r:id="rId32"/>
-    <p:sldId id="287" r:id="rId33"/>
+    <p:sldId id="290" r:id="rId4"/>
+    <p:sldId id="291" r:id="rId5"/>
+    <p:sldId id="289" r:id="rId6"/>
+    <p:sldId id="288" r:id="rId7"/>
+    <p:sldId id="264" r:id="rId8"/>
+    <p:sldId id="263" r:id="rId9"/>
+    <p:sldId id="265" r:id="rId10"/>
+    <p:sldId id="266" r:id="rId11"/>
+    <p:sldId id="267" r:id="rId12"/>
+    <p:sldId id="268" r:id="rId13"/>
+    <p:sldId id="269" r:id="rId14"/>
+    <p:sldId id="270" r:id="rId15"/>
+    <p:sldId id="271" r:id="rId16"/>
+    <p:sldId id="292" r:id="rId17"/>
+    <p:sldId id="272" r:id="rId18"/>
+    <p:sldId id="273" r:id="rId19"/>
+    <p:sldId id="274" r:id="rId20"/>
+    <p:sldId id="275" r:id="rId21"/>
+    <p:sldId id="276" r:id="rId22"/>
+    <p:sldId id="277" r:id="rId23"/>
+    <p:sldId id="278" r:id="rId24"/>
+    <p:sldId id="279" r:id="rId25"/>
+    <p:sldId id="280" r:id="rId26"/>
+    <p:sldId id="281" r:id="rId27"/>
+    <p:sldId id="282" r:id="rId28"/>
+    <p:sldId id="283" r:id="rId29"/>
+    <p:sldId id="284" r:id="rId30"/>
+    <p:sldId id="285" r:id="rId31"/>
+    <p:sldId id="286" r:id="rId32"/>
+    <p:sldId id="293" r:id="rId33"/>
+    <p:sldId id="294" r:id="rId34"/>
+    <p:sldId id="296" r:id="rId35"/>
+    <p:sldId id="258" r:id="rId36"/>
+    <p:sldId id="259" r:id="rId37"/>
+    <p:sldId id="260" r:id="rId38"/>
+    <p:sldId id="261" r:id="rId39"/>
+    <p:sldId id="262" r:id="rId40"/>
+    <p:sldId id="287" r:id="rId41"/>
   </p:sldIdLst>
   <p:sldSz cx="12192000" cy="6858000"/>
   <p:notesSz cx="6858000" cy="9144000"/>
@@ -865,7 +873,7 @@
           <a:p>
             <a:fld id="{2B9F236D-FE30-4F4A-B6E0-BDFC6B65CB1C}" type="datetimeFigureOut">
               <a:rPr lang="zh-CN" altLang="en-US" smtClean="0"/>
-              <a:t>2019/10/3</a:t>
+              <a:t>2019/10/30</a:t>
             </a:fld>
             <a:endParaRPr lang="zh-CN" altLang="en-US"/>
           </a:p>
@@ -1116,7 +1124,7 @@
           <a:p>
             <a:fld id="{2B9F236D-FE30-4F4A-B6E0-BDFC6B65CB1C}" type="datetimeFigureOut">
               <a:rPr lang="zh-CN" altLang="en-US" smtClean="0"/>
-              <a:t>2019/10/3</a:t>
+              <a:t>2019/10/30</a:t>
             </a:fld>
             <a:endParaRPr lang="zh-CN" altLang="en-US"/>
           </a:p>
@@ -1430,7 +1438,7 @@
           <a:p>
             <a:fld id="{2B9F236D-FE30-4F4A-B6E0-BDFC6B65CB1C}" type="datetimeFigureOut">
               <a:rPr lang="zh-CN" altLang="en-US" smtClean="0"/>
-              <a:t>2019/10/3</a:t>
+              <a:t>2019/10/30</a:t>
             </a:fld>
             <a:endParaRPr lang="zh-CN" altLang="en-US"/>
           </a:p>
@@ -1771,7 +1779,7 @@
           <a:p>
             <a:fld id="{2B9F236D-FE30-4F4A-B6E0-BDFC6B65CB1C}" type="datetimeFigureOut">
               <a:rPr lang="zh-CN" altLang="en-US" smtClean="0"/>
-              <a:t>2019/10/3</a:t>
+              <a:t>2019/10/30</a:t>
             </a:fld>
             <a:endParaRPr lang="zh-CN" altLang="en-US"/>
           </a:p>
@@ -2085,7 +2093,7 @@
           <a:p>
             <a:fld id="{2B9F236D-FE30-4F4A-B6E0-BDFC6B65CB1C}" type="datetimeFigureOut">
               <a:rPr lang="zh-CN" altLang="en-US" smtClean="0"/>
-              <a:t>2019/10/3</a:t>
+              <a:t>2019/10/30</a:t>
             </a:fld>
             <a:endParaRPr lang="zh-CN" altLang="en-US"/>
           </a:p>
@@ -2478,7 +2486,7 @@
           <a:p>
             <a:fld id="{2B9F236D-FE30-4F4A-B6E0-BDFC6B65CB1C}" type="datetimeFigureOut">
               <a:rPr lang="zh-CN" altLang="en-US" smtClean="0"/>
-              <a:t>2019/10/3</a:t>
+              <a:t>2019/10/30</a:t>
             </a:fld>
             <a:endParaRPr lang="zh-CN" altLang="en-US"/>
           </a:p>
@@ -2648,7 +2656,7 @@
           <a:p>
             <a:fld id="{2B9F236D-FE30-4F4A-B6E0-BDFC6B65CB1C}" type="datetimeFigureOut">
               <a:rPr lang="zh-CN" altLang="en-US" smtClean="0"/>
-              <a:t>2019/10/3</a:t>
+              <a:t>2019/10/30</a:t>
             </a:fld>
             <a:endParaRPr lang="zh-CN" altLang="en-US"/>
           </a:p>
@@ -2828,7 +2836,7 @@
           <a:p>
             <a:fld id="{2B9F236D-FE30-4F4A-B6E0-BDFC6B65CB1C}" type="datetimeFigureOut">
               <a:rPr lang="zh-CN" altLang="en-US" smtClean="0"/>
-              <a:t>2019/10/3</a:t>
+              <a:t>2019/10/30</a:t>
             </a:fld>
             <a:endParaRPr lang="zh-CN" altLang="en-US"/>
           </a:p>
@@ -3004,7 +3012,7 @@
           <a:p>
             <a:fld id="{2B9F236D-FE30-4F4A-B6E0-BDFC6B65CB1C}" type="datetimeFigureOut">
               <a:rPr lang="zh-CN" altLang="en-US" smtClean="0"/>
-              <a:t>2019/10/3</a:t>
+              <a:t>2019/10/30</a:t>
             </a:fld>
             <a:endParaRPr lang="zh-CN" altLang="en-US"/>
           </a:p>
@@ -3251,7 +3259,7 @@
           <a:p>
             <a:fld id="{2B9F236D-FE30-4F4A-B6E0-BDFC6B65CB1C}" type="datetimeFigureOut">
               <a:rPr lang="zh-CN" altLang="en-US" smtClean="0"/>
-              <a:t>2019/10/3</a:t>
+              <a:t>2019/10/30</a:t>
             </a:fld>
             <a:endParaRPr lang="zh-CN" altLang="en-US"/>
           </a:p>
@@ -3483,7 +3491,7 @@
           <a:p>
             <a:fld id="{2B9F236D-FE30-4F4A-B6E0-BDFC6B65CB1C}" type="datetimeFigureOut">
               <a:rPr lang="zh-CN" altLang="en-US" smtClean="0"/>
-              <a:t>2019/10/3</a:t>
+              <a:t>2019/10/30</a:t>
             </a:fld>
             <a:endParaRPr lang="zh-CN" altLang="en-US"/>
           </a:p>
@@ -3857,7 +3865,7 @@
           <a:p>
             <a:fld id="{2B9F236D-FE30-4F4A-B6E0-BDFC6B65CB1C}" type="datetimeFigureOut">
               <a:rPr lang="zh-CN" altLang="en-US" smtClean="0"/>
-              <a:t>2019/10/3</a:t>
+              <a:t>2019/10/30</a:t>
             </a:fld>
             <a:endParaRPr lang="zh-CN" altLang="en-US"/>
           </a:p>
@@ -3980,7 +3988,7 @@
           <a:p>
             <a:fld id="{2B9F236D-FE30-4F4A-B6E0-BDFC6B65CB1C}" type="datetimeFigureOut">
               <a:rPr lang="zh-CN" altLang="en-US" smtClean="0"/>
-              <a:t>2019/10/3</a:t>
+              <a:t>2019/10/30</a:t>
             </a:fld>
             <a:endParaRPr lang="zh-CN" altLang="en-US"/>
           </a:p>
@@ -4075,7 +4083,7 @@
           <a:p>
             <a:fld id="{2B9F236D-FE30-4F4A-B6E0-BDFC6B65CB1C}" type="datetimeFigureOut">
               <a:rPr lang="zh-CN" altLang="en-US" smtClean="0"/>
-              <a:t>2019/10/3</a:t>
+              <a:t>2019/10/30</a:t>
             </a:fld>
             <a:endParaRPr lang="zh-CN" altLang="en-US"/>
           </a:p>
@@ -4330,7 +4338,7 @@
           <a:p>
             <a:fld id="{2B9F236D-FE30-4F4A-B6E0-BDFC6B65CB1C}" type="datetimeFigureOut">
               <a:rPr lang="zh-CN" altLang="en-US" smtClean="0"/>
-              <a:t>2019/10/3</a:t>
+              <a:t>2019/10/30</a:t>
             </a:fld>
             <a:endParaRPr lang="zh-CN" altLang="en-US"/>
           </a:p>
@@ -4593,7 +4601,7 @@
           <a:p>
             <a:fld id="{2B9F236D-FE30-4F4A-B6E0-BDFC6B65CB1C}" type="datetimeFigureOut">
               <a:rPr lang="zh-CN" altLang="en-US" smtClean="0"/>
-              <a:t>2019/10/3</a:t>
+              <a:t>2019/10/30</a:t>
             </a:fld>
             <a:endParaRPr lang="zh-CN" altLang="en-US"/>
           </a:p>
@@ -5336,7 +5344,7 @@
           <a:p>
             <a:fld id="{2B9F236D-FE30-4F4A-B6E0-BDFC6B65CB1C}" type="datetimeFigureOut">
               <a:rPr lang="zh-CN" altLang="en-US" smtClean="0"/>
-              <a:t>2019/10/3</a:t>
+              <a:t>2019/10/30</a:t>
             </a:fld>
             <a:endParaRPr lang="zh-CN" altLang="en-US"/>
           </a:p>
@@ -5959,6 +5967,332 @@
           <p:cNvPr id="2" name="标题 1">
             <a:extLst>
               <a:ext uri="{FF2B5EF4-FFF2-40B4-BE49-F238E27FC236}">
+                <a16:creationId xmlns:a16="http://schemas.microsoft.com/office/drawing/2014/main" id="{C618B36F-061D-4F19-A913-26C796C7FB27}"/>
+              </a:ext>
+            </a:extLst>
+          </p:cNvPr>
+          <p:cNvSpPr>
+            <a:spLocks noGrp="1"/>
+          </p:cNvSpPr>
+          <p:nvPr>
+            <p:ph type="title"/>
+          </p:nvPr>
+        </p:nvSpPr>
+        <p:spPr/>
+        <p:txBody>
+          <a:bodyPr/>
+          <a:lstStyle/>
+          <a:p>
+            <a:r>
+              <a:rPr lang="zh-CN" altLang="en-US"/>
+              <a:t>曼哈顿距离</a:t>
+            </a:r>
+          </a:p>
+        </p:txBody>
+      </p:sp>
+      <p:sp>
+        <p:nvSpPr>
+          <p:cNvPr id="3" name="内容占位符 2">
+            <a:extLst>
+              <a:ext uri="{FF2B5EF4-FFF2-40B4-BE49-F238E27FC236}">
+                <a16:creationId xmlns:a16="http://schemas.microsoft.com/office/drawing/2014/main" id="{E72AC4FB-732C-4B5A-9592-5D75F6754A64}"/>
+              </a:ext>
+            </a:extLst>
+          </p:cNvPr>
+          <p:cNvSpPr>
+            <a:spLocks noGrp="1"/>
+          </p:cNvSpPr>
+          <p:nvPr>
+            <p:ph idx="1"/>
+          </p:nvPr>
+        </p:nvSpPr>
+        <p:spPr/>
+        <p:txBody>
+          <a:bodyPr>
+            <a:normAutofit/>
+          </a:bodyPr>
+          <a:lstStyle/>
+          <a:p>
+            <a:r>
+              <a:rPr lang="en-US" altLang="zh-CN" sz="3600"/>
+              <a:t>d(x,y)= sum(|x - y|)</a:t>
+            </a:r>
+          </a:p>
+          <a:p>
+            <a:endParaRPr lang="en-US" altLang="zh-CN" sz="3600"/>
+          </a:p>
+          <a:p>
+            <a:r>
+              <a:rPr lang="zh-CN" altLang="en-US" sz="2400"/>
+              <a:t>北京的街道就是曼哈顿距离</a:t>
+            </a:r>
+            <a:endParaRPr lang="en-US" altLang="zh-CN" sz="2400"/>
+          </a:p>
+          <a:p>
+            <a:endParaRPr lang="en-US" altLang="zh-CN" sz="2400"/>
+          </a:p>
+        </p:txBody>
+      </p:sp>
+      <p:pic>
+        <p:nvPicPr>
+          <p:cNvPr id="5" name="图片 4">
+            <a:extLst>
+              <a:ext uri="{FF2B5EF4-FFF2-40B4-BE49-F238E27FC236}">
+                <a16:creationId xmlns:a16="http://schemas.microsoft.com/office/drawing/2014/main" id="{C68AEB3C-8412-4185-A2C3-CA5E2DF94458}"/>
+              </a:ext>
+            </a:extLst>
+          </p:cNvPr>
+          <p:cNvPicPr>
+            <a:picLocks noChangeAspect="1"/>
+          </p:cNvPicPr>
+          <p:nvPr/>
+        </p:nvPicPr>
+        <p:blipFill>
+          <a:blip r:embed="rId2">
+            <a:extLst>
+              <a:ext uri="{28A0092B-C50C-407E-A947-70E740481C1C}">
+                <a14:useLocalDpi xmlns:a14="http://schemas.microsoft.com/office/drawing/2010/main" val="0"/>
+              </a:ext>
+            </a:extLst>
+          </a:blip>
+          <a:stretch>
+            <a:fillRect/>
+          </a:stretch>
+        </p:blipFill>
+        <p:spPr>
+          <a:xfrm>
+            <a:off x="5149742" y="3214260"/>
+            <a:ext cx="3594100" cy="3594100"/>
+          </a:xfrm>
+          <a:prstGeom prst="rect">
+            <a:avLst/>
+          </a:prstGeom>
+        </p:spPr>
+      </p:pic>
+    </p:spTree>
+    <p:extLst>
+      <p:ext uri="{BB962C8B-B14F-4D97-AF65-F5344CB8AC3E}">
+        <p14:creationId xmlns:p14="http://schemas.microsoft.com/office/powerpoint/2010/main" val="2461284643"/>
+      </p:ext>
+    </p:extLst>
+  </p:cSld>
+  <p:clrMapOvr>
+    <a:masterClrMapping/>
+  </p:clrMapOvr>
+</p:sld>
+</file>
+
+<file path=ppt/slides/slide11.xml><?xml version="1.0" encoding="utf-8"?>
+<p:sld xmlns:a="http://schemas.openxmlformats.org/drawingml/2006/main" xmlns:r="http://schemas.openxmlformats.org/officeDocument/2006/relationships" xmlns:p="http://schemas.openxmlformats.org/presentationml/2006/main">
+  <p:cSld>
+    <p:spTree>
+      <p:nvGrpSpPr>
+        <p:cNvPr id="1" name=""/>
+        <p:cNvGrpSpPr/>
+        <p:nvPr/>
+      </p:nvGrpSpPr>
+      <p:grpSpPr>
+        <a:xfrm>
+          <a:off x="0" y="0"/>
+          <a:ext cx="0" cy="0"/>
+          <a:chOff x="0" y="0"/>
+          <a:chExt cx="0" cy="0"/>
+        </a:xfrm>
+      </p:grpSpPr>
+      <p:sp>
+        <p:nvSpPr>
+          <p:cNvPr id="2" name="标题 1">
+            <a:extLst>
+              <a:ext uri="{FF2B5EF4-FFF2-40B4-BE49-F238E27FC236}">
+                <a16:creationId xmlns:a16="http://schemas.microsoft.com/office/drawing/2014/main" id="{7B5BCE15-EEE1-42DD-8BC7-4472ABE72279}"/>
+              </a:ext>
+            </a:extLst>
+          </p:cNvPr>
+          <p:cNvSpPr>
+            <a:spLocks noGrp="1"/>
+          </p:cNvSpPr>
+          <p:nvPr>
+            <p:ph type="title"/>
+          </p:nvPr>
+        </p:nvSpPr>
+        <p:spPr/>
+        <p:txBody>
+          <a:bodyPr/>
+          <a:lstStyle/>
+          <a:p>
+            <a:r>
+              <a:rPr lang="zh-CN" altLang="en-US"/>
+              <a:t>切比雪夫距离</a:t>
+            </a:r>
+          </a:p>
+        </p:txBody>
+      </p:sp>
+      <p:sp>
+        <p:nvSpPr>
+          <p:cNvPr id="3" name="内容占位符 2">
+            <a:extLst>
+              <a:ext uri="{FF2B5EF4-FFF2-40B4-BE49-F238E27FC236}">
+                <a16:creationId xmlns:a16="http://schemas.microsoft.com/office/drawing/2014/main" id="{A6E5BF95-4583-41DC-9666-4A5EC4CB06A4}"/>
+              </a:ext>
+            </a:extLst>
+          </p:cNvPr>
+          <p:cNvSpPr>
+            <a:spLocks noGrp="1"/>
+          </p:cNvSpPr>
+          <p:nvPr>
+            <p:ph idx="1"/>
+          </p:nvPr>
+        </p:nvSpPr>
+        <p:spPr/>
+        <p:txBody>
+          <a:bodyPr/>
+          <a:lstStyle/>
+          <a:p>
+            <a:r>
+              <a:rPr lang="en-US" altLang="zh-CN" sz="3600"/>
+              <a:t>d(x,y)=max(|x - y|)</a:t>
+            </a:r>
+          </a:p>
+          <a:p>
+            <a:endParaRPr lang="en-US" altLang="zh-CN"/>
+          </a:p>
+          <a:p>
+            <a:r>
+              <a:rPr lang="zh-CN" altLang="en-US" sz="2400"/>
+              <a:t>“格”线性回归 </a:t>
+            </a:r>
+            <a:r>
+              <a:rPr lang="en-US" altLang="zh-CN" sz="2400"/>
+              <a:t>=&gt; “</a:t>
+            </a:r>
+            <a:r>
+              <a:rPr lang="zh-CN" altLang="en-US" sz="2400"/>
+              <a:t>姚明回归</a:t>
+            </a:r>
+            <a:r>
+              <a:rPr lang="en-US" altLang="zh-CN" sz="2400"/>
+              <a:t>”</a:t>
+            </a:r>
+          </a:p>
+          <a:p>
+            <a:endParaRPr lang="en-US" altLang="zh-CN" sz="2400"/>
+          </a:p>
+          <a:p>
+            <a:r>
+              <a:rPr lang="en-US" altLang="zh-CN" sz="2400"/>
+              <a:t>Y=max(w1*x1+b1,w2*x2+b2,…,wn*xn+bn)</a:t>
+            </a:r>
+          </a:p>
+          <a:p>
+            <a:endParaRPr lang="en-US" altLang="zh-CN" sz="2400"/>
+          </a:p>
+          <a:p>
+            <a:r>
+              <a:rPr lang="zh-CN" altLang="en-US" sz="2400"/>
+              <a:t>谁承担责任</a:t>
+            </a:r>
+            <a:r>
+              <a:rPr lang="en-US" altLang="zh-CN" sz="2400"/>
+              <a:t>?</a:t>
+            </a:r>
+            <a:r>
+              <a:rPr lang="zh-CN" altLang="en-US" sz="2400"/>
+              <a:t>姚明</a:t>
+            </a:r>
+            <a:r>
+              <a:rPr lang="en-US" altLang="zh-CN" sz="2400"/>
+              <a:t>:</a:t>
+            </a:r>
+            <a:r>
+              <a:rPr lang="zh-CN" altLang="en-US" sz="2400">
+                <a:solidFill>
+                  <a:srgbClr val="FF0000"/>
+                </a:solidFill>
+              </a:rPr>
+              <a:t>我</a:t>
+            </a:r>
+            <a:r>
+              <a:rPr lang="en-US" altLang="zh-CN" sz="2400">
+                <a:solidFill>
+                  <a:srgbClr val="FF0000"/>
+                </a:solidFill>
+              </a:rPr>
+              <a:t>!</a:t>
+            </a:r>
+          </a:p>
+        </p:txBody>
+      </p:sp>
+      <p:pic>
+        <p:nvPicPr>
+          <p:cNvPr id="6" name="图片 5">
+            <a:extLst>
+              <a:ext uri="{FF2B5EF4-FFF2-40B4-BE49-F238E27FC236}">
+                <a16:creationId xmlns:a16="http://schemas.microsoft.com/office/drawing/2014/main" id="{9D8BC41F-65E1-43E3-82F0-BCED585754EB}"/>
+              </a:ext>
+            </a:extLst>
+          </p:cNvPr>
+          <p:cNvPicPr>
+            <a:picLocks noChangeAspect="1"/>
+          </p:cNvPicPr>
+          <p:nvPr/>
+        </p:nvPicPr>
+        <p:blipFill>
+          <a:blip r:embed="rId2">
+            <a:extLst>
+              <a:ext uri="{28A0092B-C50C-407E-A947-70E740481C1C}">
+                <a14:useLocalDpi xmlns:a14="http://schemas.microsoft.com/office/drawing/2010/main" val="0"/>
+              </a:ext>
+            </a:extLst>
+          </a:blip>
+          <a:stretch>
+            <a:fillRect/>
+          </a:stretch>
+        </p:blipFill>
+        <p:spPr>
+          <a:xfrm>
+            <a:off x="6934420" y="3854217"/>
+            <a:ext cx="5175416" cy="2911171"/>
+          </a:xfrm>
+          <a:prstGeom prst="rect">
+            <a:avLst/>
+          </a:prstGeom>
+        </p:spPr>
+      </p:pic>
+    </p:spTree>
+    <p:extLst>
+      <p:ext uri="{BB962C8B-B14F-4D97-AF65-F5344CB8AC3E}">
+        <p14:creationId xmlns:p14="http://schemas.microsoft.com/office/powerpoint/2010/main" val="1350275564"/>
+      </p:ext>
+    </p:extLst>
+  </p:cSld>
+  <p:clrMapOvr>
+    <a:masterClrMapping/>
+  </p:clrMapOvr>
+</p:sld>
+</file>
+
+<file path=ppt/slides/slide12.xml><?xml version="1.0" encoding="utf-8"?>
+<p:sld xmlns:a="http://schemas.openxmlformats.org/drawingml/2006/main" xmlns:r="http://schemas.openxmlformats.org/officeDocument/2006/relationships" xmlns:p="http://schemas.openxmlformats.org/presentationml/2006/main">
+  <p:cSld>
+    <p:spTree>
+      <p:nvGrpSpPr>
+        <p:cNvPr id="1" name=""/>
+        <p:cNvGrpSpPr/>
+        <p:nvPr/>
+      </p:nvGrpSpPr>
+      <p:grpSpPr>
+        <a:xfrm>
+          <a:off x="0" y="0"/>
+          <a:ext cx="0" cy="0"/>
+          <a:chOff x="0" y="0"/>
+          <a:chExt cx="0" cy="0"/>
+        </a:xfrm>
+      </p:grpSpPr>
+      <p:sp>
+        <p:nvSpPr>
+          <p:cNvPr id="2" name="标题 1">
+            <a:extLst>
+              <a:ext uri="{FF2B5EF4-FFF2-40B4-BE49-F238E27FC236}">
                 <a16:creationId xmlns:a16="http://schemas.microsoft.com/office/drawing/2014/main" id="{507B7E18-1A8A-4CA1-A8C1-F0CBA5CA2ADF}"/>
               </a:ext>
             </a:extLst>
@@ -6047,7 +6381,7 @@
 </p:sld>
 </file>
 
-<file path=ppt/slides/slide11.xml><?xml version="1.0" encoding="utf-8"?>
+<file path=ppt/slides/slide13.xml><?xml version="1.0" encoding="utf-8"?>
 <p:sld xmlns:a="http://schemas.openxmlformats.org/drawingml/2006/main" xmlns:r="http://schemas.openxmlformats.org/officeDocument/2006/relationships" xmlns:p="http://schemas.openxmlformats.org/presentationml/2006/main">
   <p:cSld>
     <p:spTree>
@@ -6186,7 +6520,7 @@
 </p:sld>
 </file>
 
-<file path=ppt/slides/slide12.xml><?xml version="1.0" encoding="utf-8"?>
+<file path=ppt/slides/slide14.xml><?xml version="1.0" encoding="utf-8"?>
 <p:sld xmlns:a="http://schemas.openxmlformats.org/drawingml/2006/main" xmlns:r="http://schemas.openxmlformats.org/officeDocument/2006/relationships" xmlns:p="http://schemas.openxmlformats.org/presentationml/2006/main">
   <p:cSld>
     <p:spTree>
@@ -6348,7 +6682,7 @@
 </p:sld>
 </file>
 
-<file path=ppt/slides/slide13.xml><?xml version="1.0" encoding="utf-8"?>
+<file path=ppt/slides/slide15.xml><?xml version="1.0" encoding="utf-8"?>
 <p:sld xmlns:a="http://schemas.openxmlformats.org/drawingml/2006/main" xmlns:r="http://schemas.openxmlformats.org/officeDocument/2006/relationships" xmlns:p="http://schemas.openxmlformats.org/presentationml/2006/main">
   <p:cSld>
     <p:spTree>
@@ -6517,259 +6851,6 @@
 </p:sld>
 </file>
 
-<file path=ppt/slides/slide14.xml><?xml version="1.0" encoding="utf-8"?>
-<p:sld xmlns:a="http://schemas.openxmlformats.org/drawingml/2006/main" xmlns:r="http://schemas.openxmlformats.org/officeDocument/2006/relationships" xmlns:p="http://schemas.openxmlformats.org/presentationml/2006/main">
-  <p:cSld>
-    <p:spTree>
-      <p:nvGrpSpPr>
-        <p:cNvPr id="1" name=""/>
-        <p:cNvGrpSpPr/>
-        <p:nvPr/>
-      </p:nvGrpSpPr>
-      <p:grpSpPr>
-        <a:xfrm>
-          <a:off x="0" y="0"/>
-          <a:ext cx="0" cy="0"/>
-          <a:chOff x="0" y="0"/>
-          <a:chExt cx="0" cy="0"/>
-        </a:xfrm>
-      </p:grpSpPr>
-      <p:sp>
-        <p:nvSpPr>
-          <p:cNvPr id="2" name="标题 1">
-            <a:extLst>
-              <a:ext uri="{FF2B5EF4-FFF2-40B4-BE49-F238E27FC236}">
-                <a16:creationId xmlns:a16="http://schemas.microsoft.com/office/drawing/2014/main" id="{FBA9E163-ED91-4120-A7C2-63B28AAA93FC}"/>
-              </a:ext>
-            </a:extLst>
-          </p:cNvPr>
-          <p:cNvSpPr>
-            <a:spLocks noGrp="1"/>
-          </p:cNvSpPr>
-          <p:nvPr>
-            <p:ph type="title"/>
-          </p:nvPr>
-        </p:nvSpPr>
-        <p:spPr/>
-        <p:txBody>
-          <a:bodyPr/>
-          <a:lstStyle/>
-          <a:p>
-            <a:r>
-              <a:rPr lang="zh-CN" altLang="en-US"/>
-              <a:t>*距离学习</a:t>
-            </a:r>
-            <a:r>
-              <a:rPr lang="en-US" altLang="zh-CN"/>
-              <a:t>(Metric Learning)</a:t>
-            </a:r>
-            <a:endParaRPr lang="zh-CN" altLang="en-US"/>
-          </a:p>
-        </p:txBody>
-      </p:sp>
-      <p:sp>
-        <p:nvSpPr>
-          <p:cNvPr id="3" name="内容占位符 2">
-            <a:extLst>
-              <a:ext uri="{FF2B5EF4-FFF2-40B4-BE49-F238E27FC236}">
-                <a16:creationId xmlns:a16="http://schemas.microsoft.com/office/drawing/2014/main" id="{30F845C3-7F00-42DB-8564-EB06E39BA782}"/>
-              </a:ext>
-            </a:extLst>
-          </p:cNvPr>
-          <p:cNvSpPr>
-            <a:spLocks noGrp="1"/>
-          </p:cNvSpPr>
-          <p:nvPr>
-            <p:ph idx="1"/>
-          </p:nvPr>
-        </p:nvSpPr>
-        <p:spPr/>
-        <p:txBody>
-          <a:bodyPr>
-            <a:normAutofit/>
-          </a:bodyPr>
-          <a:lstStyle/>
-          <a:p>
-            <a:r>
-              <a:rPr lang="zh-CN" altLang="en-US" sz="2400"/>
-              <a:t>预先定义的距离也许不能反映实际的相似度</a:t>
-            </a:r>
-            <a:endParaRPr lang="en-US" altLang="zh-CN" sz="2400"/>
-          </a:p>
-          <a:p>
-            <a:endParaRPr lang="en-US" altLang="zh-CN" sz="2400"/>
-          </a:p>
-          <a:p>
-            <a:r>
-              <a:rPr lang="zh-CN" altLang="en-US" sz="2400"/>
-              <a:t>预先定义的距离计算出来一般准确度不太高</a:t>
-            </a:r>
-            <a:endParaRPr lang="en-US" altLang="zh-CN" sz="2400"/>
-          </a:p>
-          <a:p>
-            <a:endParaRPr lang="en-US" altLang="zh-CN" sz="2400"/>
-          </a:p>
-          <a:p>
-            <a:r>
-              <a:rPr lang="zh-CN" altLang="en-US" sz="2400"/>
-              <a:t>希望自动学习一个有意义的距离</a:t>
-            </a:r>
-            <a:endParaRPr lang="en-US" altLang="zh-CN" sz="2400"/>
-          </a:p>
-          <a:p>
-            <a:endParaRPr lang="en-US" altLang="zh-CN" sz="2400"/>
-          </a:p>
-          <a:p>
-            <a:r>
-              <a:rPr lang="zh-CN" altLang="en-US" sz="2400"/>
-              <a:t>从数据中学习！</a:t>
-            </a:r>
-          </a:p>
-        </p:txBody>
-      </p:sp>
-    </p:spTree>
-    <p:extLst>
-      <p:ext uri="{BB962C8B-B14F-4D97-AF65-F5344CB8AC3E}">
-        <p14:creationId xmlns:p14="http://schemas.microsoft.com/office/powerpoint/2010/main" val="4015574701"/>
-      </p:ext>
-    </p:extLst>
-  </p:cSld>
-  <p:clrMapOvr>
-    <a:masterClrMapping/>
-  </p:clrMapOvr>
-</p:sld>
-</file>
-
-<file path=ppt/slides/slide15.xml><?xml version="1.0" encoding="utf-8"?>
-<p:sld xmlns:a="http://schemas.openxmlformats.org/drawingml/2006/main" xmlns:r="http://schemas.openxmlformats.org/officeDocument/2006/relationships" xmlns:p="http://schemas.openxmlformats.org/presentationml/2006/main">
-  <p:cSld>
-    <p:spTree>
-      <p:nvGrpSpPr>
-        <p:cNvPr id="1" name=""/>
-        <p:cNvGrpSpPr/>
-        <p:nvPr/>
-      </p:nvGrpSpPr>
-      <p:grpSpPr>
-        <a:xfrm>
-          <a:off x="0" y="0"/>
-          <a:ext cx="0" cy="0"/>
-          <a:chOff x="0" y="0"/>
-          <a:chExt cx="0" cy="0"/>
-        </a:xfrm>
-      </p:grpSpPr>
-      <p:sp>
-        <p:nvSpPr>
-          <p:cNvPr id="2" name="标题 1">
-            <a:extLst>
-              <a:ext uri="{FF2B5EF4-FFF2-40B4-BE49-F238E27FC236}">
-                <a16:creationId xmlns:a16="http://schemas.microsoft.com/office/drawing/2014/main" id="{BDCC7AB7-C948-4653-8565-D9291EE8D6F0}"/>
-              </a:ext>
-            </a:extLst>
-          </p:cNvPr>
-          <p:cNvSpPr>
-            <a:spLocks noGrp="1"/>
-          </p:cNvSpPr>
-          <p:nvPr>
-            <p:ph type="title"/>
-          </p:nvPr>
-        </p:nvSpPr>
-        <p:spPr/>
-        <p:txBody>
-          <a:bodyPr/>
-          <a:lstStyle/>
-          <a:p>
-            <a:r>
-              <a:rPr lang="zh-CN" altLang="en-US"/>
-              <a:t>*距离学习</a:t>
-            </a:r>
-            <a:r>
-              <a:rPr lang="en-US" altLang="zh-CN"/>
-              <a:t>(Metric Learning)</a:t>
-            </a:r>
-            <a:endParaRPr lang="zh-CN" altLang="en-US"/>
-          </a:p>
-        </p:txBody>
-      </p:sp>
-      <p:sp>
-        <p:nvSpPr>
-          <p:cNvPr id="3" name="内容占位符 2">
-            <a:extLst>
-              <a:ext uri="{FF2B5EF4-FFF2-40B4-BE49-F238E27FC236}">
-                <a16:creationId xmlns:a16="http://schemas.microsoft.com/office/drawing/2014/main" id="{6688E8A5-EF70-4C3F-9A0C-7978801ABE2E}"/>
-              </a:ext>
-            </a:extLst>
-          </p:cNvPr>
-          <p:cNvSpPr>
-            <a:spLocks noGrp="1"/>
-          </p:cNvSpPr>
-          <p:nvPr>
-            <p:ph idx="1"/>
-          </p:nvPr>
-        </p:nvSpPr>
-        <p:spPr/>
-        <p:txBody>
-          <a:bodyPr>
-            <a:normAutofit/>
-          </a:bodyPr>
-          <a:lstStyle/>
-          <a:p>
-            <a:r>
-              <a:rPr lang="en-US" altLang="zh-CN" sz="3600"/>
-              <a:t>d(x,y)=sum(w[i]* |x[i]-y[i]|)</a:t>
-            </a:r>
-          </a:p>
-          <a:p>
-            <a:r>
-              <a:rPr lang="en-US" altLang="zh-CN" sz="2400"/>
-              <a:t>s(x,y)=exp(-d(x,y))</a:t>
-            </a:r>
-          </a:p>
-          <a:p>
-            <a:r>
-              <a:rPr lang="en-US" altLang="zh-CN" sz="2400"/>
-              <a:t>E(z|x)=sum(s(x,y)*z(y))/sum(s(x,y))</a:t>
-            </a:r>
-          </a:p>
-          <a:p>
-            <a:r>
-              <a:rPr lang="en-US" altLang="zh-CN" sz="2400"/>
-              <a:t>Loss=(z-E(z|x))^2</a:t>
-            </a:r>
-          </a:p>
-          <a:p>
-            <a:r>
-              <a:rPr lang="en-US" altLang="zh-CN" sz="2400"/>
-              <a:t>dloss/dw=diff(loss,w[i])</a:t>
-            </a:r>
-          </a:p>
-          <a:p>
-            <a:r>
-              <a:rPr lang="en-US" altLang="zh-CN" sz="2400"/>
-              <a:t>w[i]’=w[i]-alpha*dloss/dw</a:t>
-            </a:r>
-          </a:p>
-          <a:p>
-            <a:r>
-              <a:rPr lang="zh-CN" altLang="en-US" sz="2400"/>
-              <a:t>线性回归的有力竞争者，有没有同学有兴趣写论文？</a:t>
-            </a:r>
-            <a:endParaRPr lang="en-US" altLang="zh-CN" sz="2400"/>
-          </a:p>
-        </p:txBody>
-      </p:sp>
-    </p:spTree>
-    <p:extLst>
-      <p:ext uri="{BB962C8B-B14F-4D97-AF65-F5344CB8AC3E}">
-        <p14:creationId xmlns:p14="http://schemas.microsoft.com/office/powerpoint/2010/main" val="3111483902"/>
-      </p:ext>
-    </p:extLst>
-  </p:cSld>
-  <p:clrMapOvr>
-    <a:masterClrMapping/>
-  </p:clrMapOvr>
-</p:sld>
-</file>
-
 <file path=ppt/slides/slide16.xml><?xml version="1.0" encoding="utf-8"?>
 <p:sld xmlns:a="http://schemas.openxmlformats.org/drawingml/2006/main" xmlns:r="http://schemas.openxmlformats.org/officeDocument/2006/relationships" xmlns:p="http://schemas.openxmlformats.org/presentationml/2006/main">
   <p:cSld>
@@ -6792,7 +6873,7 @@
           <p:cNvPr id="2" name="标题 1">
             <a:extLst>
               <a:ext uri="{FF2B5EF4-FFF2-40B4-BE49-F238E27FC236}">
-                <a16:creationId xmlns:a16="http://schemas.microsoft.com/office/drawing/2014/main" id="{0DC11944-1E91-4456-A298-273D842C3859}"/>
+                <a16:creationId xmlns:a16="http://schemas.microsoft.com/office/drawing/2014/main" id="{47503DE6-A3DB-484B-A1A1-C43BE970398A}"/>
               </a:ext>
             </a:extLst>
           </p:cNvPr>
@@ -6809,72 +6890,51 @@
           <a:lstStyle/>
           <a:p>
             <a:r>
-              <a:rPr lang="zh-CN" altLang="en-US"/>
-              <a:t>在数据库里找到最接近的</a:t>
-            </a:r>
-            <a:r>
-              <a:rPr lang="en-US" altLang="zh-CN"/>
-              <a:t>k</a:t>
-            </a:r>
-            <a:r>
-              <a:rPr lang="zh-CN" altLang="en-US"/>
-              <a:t>个样本</a:t>
-            </a:r>
-          </a:p>
-        </p:txBody>
-      </p:sp>
-      <p:sp>
-        <p:nvSpPr>
-          <p:cNvPr id="3" name="内容占位符 2">
+              <a:rPr lang="zh-CN" altLang="en-US" dirty="0"/>
+              <a:t>高位空间中样本距离失效：围绕成环</a:t>
+            </a:r>
+          </a:p>
+        </p:txBody>
+      </p:sp>
+      <p:pic>
+        <p:nvPicPr>
+          <p:cNvPr id="5" name="内容占位符 4">
             <a:extLst>
               <a:ext uri="{FF2B5EF4-FFF2-40B4-BE49-F238E27FC236}">
-                <a16:creationId xmlns:a16="http://schemas.microsoft.com/office/drawing/2014/main" id="{F2F2B493-55CF-4537-8801-8A323FB8F5E2}"/>
+                <a16:creationId xmlns:a16="http://schemas.microsoft.com/office/drawing/2014/main" id="{3938331B-EE54-4F82-B8EF-9B6BE6D11F90}"/>
               </a:ext>
             </a:extLst>
           </p:cNvPr>
-          <p:cNvSpPr>
-            <a:spLocks noGrp="1"/>
-          </p:cNvSpPr>
+          <p:cNvPicPr>
+            <a:picLocks noGrp="1" noChangeAspect="1"/>
+          </p:cNvPicPr>
           <p:nvPr>
             <p:ph idx="1"/>
           </p:nvPr>
-        </p:nvSpPr>
-        <p:spPr/>
-        <p:txBody>
-          <a:bodyPr>
-            <a:normAutofit/>
-          </a:bodyPr>
-          <a:lstStyle/>
-          <a:p>
-            <a:r>
-              <a:rPr lang="zh-CN" altLang="en-US" sz="2400"/>
-              <a:t>速度要尽可能快</a:t>
-            </a:r>
-            <a:endParaRPr lang="en-US" altLang="zh-CN" sz="2400"/>
-          </a:p>
-          <a:p>
-            <a:endParaRPr lang="en-US" altLang="zh-CN" sz="2400"/>
-          </a:p>
-          <a:p>
-            <a:r>
-              <a:rPr lang="zh-CN" altLang="en-US" sz="2400"/>
-              <a:t>随机化</a:t>
-            </a:r>
-            <a:r>
-              <a:rPr lang="en-US" altLang="zh-CN" sz="2400"/>
-              <a:t>bagging</a:t>
-            </a:r>
-            <a:r>
-              <a:rPr lang="zh-CN" altLang="en-US" sz="2400"/>
-              <a:t>可以提高准确度</a:t>
-            </a:r>
-          </a:p>
-        </p:txBody>
-      </p:sp>
+        </p:nvPicPr>
+        <p:blipFill>
+          <a:blip r:embed="rId2">
+            <a:extLst>
+              <a:ext uri="{28A0092B-C50C-407E-A947-70E740481C1C}">
+                <a14:useLocalDpi xmlns:a14="http://schemas.microsoft.com/office/drawing/2010/main" val="0"/>
+              </a:ext>
+            </a:extLst>
+          </a:blip>
+          <a:stretch>
+            <a:fillRect/>
+          </a:stretch>
+        </p:blipFill>
+        <p:spPr>
+          <a:xfrm>
+            <a:off x="3078" y="2592370"/>
+            <a:ext cx="12154457" cy="3987538"/>
+          </a:xfrm>
+        </p:spPr>
+      </p:pic>
     </p:spTree>
     <p:extLst>
       <p:ext uri="{BB962C8B-B14F-4D97-AF65-F5344CB8AC3E}">
-        <p14:creationId xmlns:p14="http://schemas.microsoft.com/office/powerpoint/2010/main" val="2866133572"/>
+        <p14:creationId xmlns:p14="http://schemas.microsoft.com/office/powerpoint/2010/main" val="3361652425"/>
       </p:ext>
     </p:extLst>
   </p:cSld>
@@ -6906,6 +6966,727 @@
           <p:cNvPr id="2" name="标题 1">
             <a:extLst>
               <a:ext uri="{FF2B5EF4-FFF2-40B4-BE49-F238E27FC236}">
+                <a16:creationId xmlns:a16="http://schemas.microsoft.com/office/drawing/2014/main" id="{FBA9E163-ED91-4120-A7C2-63B28AAA93FC}"/>
+              </a:ext>
+            </a:extLst>
+          </p:cNvPr>
+          <p:cNvSpPr>
+            <a:spLocks noGrp="1"/>
+          </p:cNvSpPr>
+          <p:nvPr>
+            <p:ph type="title"/>
+          </p:nvPr>
+        </p:nvSpPr>
+        <p:spPr/>
+        <p:txBody>
+          <a:bodyPr/>
+          <a:lstStyle/>
+          <a:p>
+            <a:r>
+              <a:rPr lang="zh-CN" altLang="en-US"/>
+              <a:t>*距离学习</a:t>
+            </a:r>
+            <a:r>
+              <a:rPr lang="en-US" altLang="zh-CN"/>
+              <a:t>(Metric Learning)</a:t>
+            </a:r>
+            <a:endParaRPr lang="zh-CN" altLang="en-US"/>
+          </a:p>
+        </p:txBody>
+      </p:sp>
+      <p:sp>
+        <p:nvSpPr>
+          <p:cNvPr id="3" name="内容占位符 2">
+            <a:extLst>
+              <a:ext uri="{FF2B5EF4-FFF2-40B4-BE49-F238E27FC236}">
+                <a16:creationId xmlns:a16="http://schemas.microsoft.com/office/drawing/2014/main" id="{30F845C3-7F00-42DB-8564-EB06E39BA782}"/>
+              </a:ext>
+            </a:extLst>
+          </p:cNvPr>
+          <p:cNvSpPr>
+            <a:spLocks noGrp="1"/>
+          </p:cNvSpPr>
+          <p:nvPr>
+            <p:ph idx="1"/>
+          </p:nvPr>
+        </p:nvSpPr>
+        <p:spPr/>
+        <p:txBody>
+          <a:bodyPr>
+            <a:normAutofit/>
+          </a:bodyPr>
+          <a:lstStyle/>
+          <a:p>
+            <a:r>
+              <a:rPr lang="zh-CN" altLang="en-US" sz="2400"/>
+              <a:t>预先定义的距离也许不能反映实际的相似度</a:t>
+            </a:r>
+            <a:endParaRPr lang="en-US" altLang="zh-CN" sz="2400"/>
+          </a:p>
+          <a:p>
+            <a:endParaRPr lang="en-US" altLang="zh-CN" sz="2400"/>
+          </a:p>
+          <a:p>
+            <a:r>
+              <a:rPr lang="zh-CN" altLang="en-US" sz="2400"/>
+              <a:t>预先定义的距离计算出来一般准确度不太高</a:t>
+            </a:r>
+            <a:endParaRPr lang="en-US" altLang="zh-CN" sz="2400"/>
+          </a:p>
+          <a:p>
+            <a:endParaRPr lang="en-US" altLang="zh-CN" sz="2400"/>
+          </a:p>
+          <a:p>
+            <a:r>
+              <a:rPr lang="zh-CN" altLang="en-US" sz="2400"/>
+              <a:t>希望自动学习一个有意义的距离</a:t>
+            </a:r>
+            <a:endParaRPr lang="en-US" altLang="zh-CN" sz="2400"/>
+          </a:p>
+          <a:p>
+            <a:endParaRPr lang="en-US" altLang="zh-CN" sz="2400"/>
+          </a:p>
+          <a:p>
+            <a:r>
+              <a:rPr lang="zh-CN" altLang="en-US" sz="2400"/>
+              <a:t>从数据中学习！</a:t>
+            </a:r>
+          </a:p>
+        </p:txBody>
+      </p:sp>
+    </p:spTree>
+    <p:extLst>
+      <p:ext uri="{BB962C8B-B14F-4D97-AF65-F5344CB8AC3E}">
+        <p14:creationId xmlns:p14="http://schemas.microsoft.com/office/powerpoint/2010/main" val="4015574701"/>
+      </p:ext>
+    </p:extLst>
+  </p:cSld>
+  <p:clrMapOvr>
+    <a:masterClrMapping/>
+  </p:clrMapOvr>
+</p:sld>
+</file>
+
+<file path=ppt/slides/slide18.xml><?xml version="1.0" encoding="utf-8"?>
+<p:sld xmlns:a="http://schemas.openxmlformats.org/drawingml/2006/main" xmlns:r="http://schemas.openxmlformats.org/officeDocument/2006/relationships" xmlns:p="http://schemas.openxmlformats.org/presentationml/2006/main">
+  <p:cSld>
+    <p:spTree>
+      <p:nvGrpSpPr>
+        <p:cNvPr id="1" name=""/>
+        <p:cNvGrpSpPr/>
+        <p:nvPr/>
+      </p:nvGrpSpPr>
+      <p:grpSpPr>
+        <a:xfrm>
+          <a:off x="0" y="0"/>
+          <a:ext cx="0" cy="0"/>
+          <a:chOff x="0" y="0"/>
+          <a:chExt cx="0" cy="0"/>
+        </a:xfrm>
+      </p:grpSpPr>
+      <p:sp>
+        <p:nvSpPr>
+          <p:cNvPr id="2" name="标题 1">
+            <a:extLst>
+              <a:ext uri="{FF2B5EF4-FFF2-40B4-BE49-F238E27FC236}">
+                <a16:creationId xmlns:a16="http://schemas.microsoft.com/office/drawing/2014/main" id="{BDCC7AB7-C948-4653-8565-D9291EE8D6F0}"/>
+              </a:ext>
+            </a:extLst>
+          </p:cNvPr>
+          <p:cNvSpPr>
+            <a:spLocks noGrp="1"/>
+          </p:cNvSpPr>
+          <p:nvPr>
+            <p:ph type="title"/>
+          </p:nvPr>
+        </p:nvSpPr>
+        <p:spPr/>
+        <p:txBody>
+          <a:bodyPr/>
+          <a:lstStyle/>
+          <a:p>
+            <a:r>
+              <a:rPr lang="zh-CN" altLang="en-US"/>
+              <a:t>*距离学习</a:t>
+            </a:r>
+            <a:r>
+              <a:rPr lang="en-US" altLang="zh-CN"/>
+              <a:t>(Metric Learning)</a:t>
+            </a:r>
+            <a:endParaRPr lang="zh-CN" altLang="en-US"/>
+          </a:p>
+        </p:txBody>
+      </p:sp>
+      <p:sp>
+        <p:nvSpPr>
+          <p:cNvPr id="3" name="内容占位符 2">
+            <a:extLst>
+              <a:ext uri="{FF2B5EF4-FFF2-40B4-BE49-F238E27FC236}">
+                <a16:creationId xmlns:a16="http://schemas.microsoft.com/office/drawing/2014/main" id="{6688E8A5-EF70-4C3F-9A0C-7978801ABE2E}"/>
+              </a:ext>
+            </a:extLst>
+          </p:cNvPr>
+          <p:cNvSpPr>
+            <a:spLocks noGrp="1"/>
+          </p:cNvSpPr>
+          <p:nvPr>
+            <p:ph idx="1"/>
+          </p:nvPr>
+        </p:nvSpPr>
+        <p:spPr/>
+        <p:txBody>
+          <a:bodyPr>
+            <a:normAutofit/>
+          </a:bodyPr>
+          <a:lstStyle/>
+          <a:p>
+            <a:r>
+              <a:rPr lang="en-US" altLang="zh-CN" sz="3600"/>
+              <a:t>d(x,y)=sum(w[i]* |x[i]-y[i]|)</a:t>
+            </a:r>
+          </a:p>
+          <a:p>
+            <a:r>
+              <a:rPr lang="en-US" altLang="zh-CN" sz="2400"/>
+              <a:t>s(x,y)=exp(-d(x,y))</a:t>
+            </a:r>
+          </a:p>
+          <a:p>
+            <a:r>
+              <a:rPr lang="en-US" altLang="zh-CN" sz="2400"/>
+              <a:t>E(z|x)=sum(s(x,y)*z(y))/sum(s(x,y))</a:t>
+            </a:r>
+          </a:p>
+          <a:p>
+            <a:r>
+              <a:rPr lang="en-US" altLang="zh-CN" sz="2400"/>
+              <a:t>Loss=(z-E(z|x))^2</a:t>
+            </a:r>
+          </a:p>
+          <a:p>
+            <a:r>
+              <a:rPr lang="en-US" altLang="zh-CN" sz="2400"/>
+              <a:t>dloss/dw=diff(loss,w[i])</a:t>
+            </a:r>
+          </a:p>
+          <a:p>
+            <a:r>
+              <a:rPr lang="en-US" altLang="zh-CN" sz="2400"/>
+              <a:t>w[i]’=w[i]-alpha*dloss/dw</a:t>
+            </a:r>
+          </a:p>
+          <a:p>
+            <a:r>
+              <a:rPr lang="zh-CN" altLang="en-US" sz="2400"/>
+              <a:t>线性回归的有力竞争者，有没有同学有兴趣写论文？</a:t>
+            </a:r>
+            <a:endParaRPr lang="en-US" altLang="zh-CN" sz="2400"/>
+          </a:p>
+        </p:txBody>
+      </p:sp>
+    </p:spTree>
+    <p:extLst>
+      <p:ext uri="{BB962C8B-B14F-4D97-AF65-F5344CB8AC3E}">
+        <p14:creationId xmlns:p14="http://schemas.microsoft.com/office/powerpoint/2010/main" val="3111483902"/>
+      </p:ext>
+    </p:extLst>
+  </p:cSld>
+  <p:clrMapOvr>
+    <a:masterClrMapping/>
+  </p:clrMapOvr>
+</p:sld>
+</file>
+
+<file path=ppt/slides/slide19.xml><?xml version="1.0" encoding="utf-8"?>
+<p:sld xmlns:a="http://schemas.openxmlformats.org/drawingml/2006/main" xmlns:r="http://schemas.openxmlformats.org/officeDocument/2006/relationships" xmlns:p="http://schemas.openxmlformats.org/presentationml/2006/main">
+  <p:cSld>
+    <p:spTree>
+      <p:nvGrpSpPr>
+        <p:cNvPr id="1" name=""/>
+        <p:cNvGrpSpPr/>
+        <p:nvPr/>
+      </p:nvGrpSpPr>
+      <p:grpSpPr>
+        <a:xfrm>
+          <a:off x="0" y="0"/>
+          <a:ext cx="0" cy="0"/>
+          <a:chOff x="0" y="0"/>
+          <a:chExt cx="0" cy="0"/>
+        </a:xfrm>
+      </p:grpSpPr>
+      <p:sp>
+        <p:nvSpPr>
+          <p:cNvPr id="2" name="标题 1">
+            <a:extLst>
+              <a:ext uri="{FF2B5EF4-FFF2-40B4-BE49-F238E27FC236}">
+                <a16:creationId xmlns:a16="http://schemas.microsoft.com/office/drawing/2014/main" id="{0DC11944-1E91-4456-A298-273D842C3859}"/>
+              </a:ext>
+            </a:extLst>
+          </p:cNvPr>
+          <p:cNvSpPr>
+            <a:spLocks noGrp="1"/>
+          </p:cNvSpPr>
+          <p:nvPr>
+            <p:ph type="title"/>
+          </p:nvPr>
+        </p:nvSpPr>
+        <p:spPr/>
+        <p:txBody>
+          <a:bodyPr/>
+          <a:lstStyle/>
+          <a:p>
+            <a:r>
+              <a:rPr lang="zh-CN" altLang="en-US"/>
+              <a:t>在数据库里找到最接近的</a:t>
+            </a:r>
+            <a:r>
+              <a:rPr lang="en-US" altLang="zh-CN"/>
+              <a:t>k</a:t>
+            </a:r>
+            <a:r>
+              <a:rPr lang="zh-CN" altLang="en-US"/>
+              <a:t>个样本</a:t>
+            </a:r>
+          </a:p>
+        </p:txBody>
+      </p:sp>
+      <p:sp>
+        <p:nvSpPr>
+          <p:cNvPr id="3" name="内容占位符 2">
+            <a:extLst>
+              <a:ext uri="{FF2B5EF4-FFF2-40B4-BE49-F238E27FC236}">
+                <a16:creationId xmlns:a16="http://schemas.microsoft.com/office/drawing/2014/main" id="{F2F2B493-55CF-4537-8801-8A323FB8F5E2}"/>
+              </a:ext>
+            </a:extLst>
+          </p:cNvPr>
+          <p:cNvSpPr>
+            <a:spLocks noGrp="1"/>
+          </p:cNvSpPr>
+          <p:nvPr>
+            <p:ph idx="1"/>
+          </p:nvPr>
+        </p:nvSpPr>
+        <p:spPr/>
+        <p:txBody>
+          <a:bodyPr>
+            <a:normAutofit/>
+          </a:bodyPr>
+          <a:lstStyle/>
+          <a:p>
+            <a:r>
+              <a:rPr lang="zh-CN" altLang="en-US" sz="2400"/>
+              <a:t>速度要尽可能快</a:t>
+            </a:r>
+            <a:endParaRPr lang="en-US" altLang="zh-CN" sz="2400"/>
+          </a:p>
+          <a:p>
+            <a:endParaRPr lang="en-US" altLang="zh-CN" sz="2400"/>
+          </a:p>
+          <a:p>
+            <a:r>
+              <a:rPr lang="zh-CN" altLang="en-US" sz="2400"/>
+              <a:t>随机化</a:t>
+            </a:r>
+            <a:r>
+              <a:rPr lang="en-US" altLang="zh-CN" sz="2400"/>
+              <a:t>bagging</a:t>
+            </a:r>
+            <a:r>
+              <a:rPr lang="zh-CN" altLang="en-US" sz="2400"/>
+              <a:t>可以提高准确度</a:t>
+            </a:r>
+          </a:p>
+        </p:txBody>
+      </p:sp>
+    </p:spTree>
+    <p:extLst>
+      <p:ext uri="{BB962C8B-B14F-4D97-AF65-F5344CB8AC3E}">
+        <p14:creationId xmlns:p14="http://schemas.microsoft.com/office/powerpoint/2010/main" val="2866133572"/>
+      </p:ext>
+    </p:extLst>
+  </p:cSld>
+  <p:clrMapOvr>
+    <a:masterClrMapping/>
+  </p:clrMapOvr>
+</p:sld>
+</file>
+
+<file path=ppt/slides/slide2.xml><?xml version="1.0" encoding="utf-8"?>
+<p:sld xmlns:a="http://schemas.openxmlformats.org/drawingml/2006/main" xmlns:r="http://schemas.openxmlformats.org/officeDocument/2006/relationships" xmlns:p="http://schemas.openxmlformats.org/presentationml/2006/main">
+  <p:cSld>
+    <p:spTree>
+      <p:nvGrpSpPr>
+        <p:cNvPr id="1" name=""/>
+        <p:cNvGrpSpPr/>
+        <p:nvPr/>
+      </p:nvGrpSpPr>
+      <p:grpSpPr>
+        <a:xfrm>
+          <a:off x="0" y="0"/>
+          <a:ext cx="0" cy="0"/>
+          <a:chOff x="0" y="0"/>
+          <a:chExt cx="0" cy="0"/>
+        </a:xfrm>
+      </p:grpSpPr>
+      <p:sp>
+        <p:nvSpPr>
+          <p:cNvPr id="2" name="标题 1">
+            <a:extLst>
+              <a:ext uri="{FF2B5EF4-FFF2-40B4-BE49-F238E27FC236}">
+                <a16:creationId xmlns:a16="http://schemas.microsoft.com/office/drawing/2014/main" id="{5D13F50F-9EEC-40F8-9BBA-6BD038AAF7FD}"/>
+              </a:ext>
+            </a:extLst>
+          </p:cNvPr>
+          <p:cNvSpPr>
+            <a:spLocks noGrp="1"/>
+          </p:cNvSpPr>
+          <p:nvPr>
+            <p:ph type="title"/>
+          </p:nvPr>
+        </p:nvSpPr>
+        <p:spPr/>
+        <p:txBody>
+          <a:bodyPr/>
+          <a:lstStyle/>
+          <a:p>
+            <a:r>
+              <a:rPr lang="en-US" altLang="zh-CN"/>
+              <a:t>k-</a:t>
+            </a:r>
+            <a:r>
+              <a:rPr lang="zh-CN" altLang="en-US"/>
+              <a:t>近邻法</a:t>
+            </a:r>
+          </a:p>
+        </p:txBody>
+      </p:sp>
+      <p:sp>
+        <p:nvSpPr>
+          <p:cNvPr id="3" name="内容占位符 2">
+            <a:extLst>
+              <a:ext uri="{FF2B5EF4-FFF2-40B4-BE49-F238E27FC236}">
+                <a16:creationId xmlns:a16="http://schemas.microsoft.com/office/drawing/2014/main" id="{EA7E3613-8796-4B8A-8CA6-AEAD545C7FE0}"/>
+              </a:ext>
+            </a:extLst>
+          </p:cNvPr>
+          <p:cNvSpPr>
+            <a:spLocks noGrp="1"/>
+          </p:cNvSpPr>
+          <p:nvPr>
+            <p:ph idx="1"/>
+          </p:nvPr>
+        </p:nvSpPr>
+        <p:spPr>
+          <a:xfrm>
+            <a:off x="677334" y="2160589"/>
+            <a:ext cx="4697748" cy="3880773"/>
+          </a:xfrm>
+        </p:spPr>
+        <p:txBody>
+          <a:bodyPr>
+            <a:normAutofit/>
+          </a:bodyPr>
+          <a:lstStyle/>
+          <a:p>
+            <a:r>
+              <a:rPr lang="en-US" altLang="zh-CN" sz="2000" dirty="0"/>
+              <a:t>K-nearest Neighbors Algorithm</a:t>
+            </a:r>
+          </a:p>
+          <a:p>
+            <a:r>
+              <a:rPr lang="zh-CN" altLang="en-US" sz="2000" dirty="0"/>
+              <a:t>用最近的</a:t>
+            </a:r>
+            <a:r>
+              <a:rPr lang="en-US" altLang="zh-CN" sz="2000" dirty="0"/>
+              <a:t>k</a:t>
+            </a:r>
+            <a:r>
+              <a:rPr lang="zh-CN" altLang="en-US" sz="2000" dirty="0"/>
+              <a:t>个邻居来估计未知数据</a:t>
+            </a:r>
+            <a:endParaRPr lang="en-US" altLang="zh-CN" sz="2000" dirty="0"/>
+          </a:p>
+          <a:p>
+            <a:r>
+              <a:rPr lang="zh-CN" altLang="en-US" sz="2000" dirty="0"/>
+              <a:t>简称</a:t>
+            </a:r>
+            <a:r>
+              <a:rPr lang="en-US" altLang="zh-CN" sz="2000" dirty="0"/>
+              <a:t>k-NN</a:t>
+            </a:r>
+            <a:r>
+              <a:rPr lang="zh-CN" altLang="en-US" sz="2000" dirty="0"/>
+              <a:t>算法</a:t>
+            </a:r>
+            <a:endParaRPr lang="en-US" altLang="zh-CN" sz="2000" dirty="0"/>
+          </a:p>
+          <a:p>
+            <a:r>
+              <a:rPr lang="zh-CN" altLang="en-US" sz="2000" dirty="0"/>
+              <a:t>古老的直觉算法</a:t>
+            </a:r>
+            <a:endParaRPr lang="en-US" altLang="zh-CN" sz="2000" dirty="0"/>
+          </a:p>
+          <a:p>
+            <a:r>
+              <a:rPr lang="zh-CN" altLang="en-US" sz="2000" dirty="0"/>
+              <a:t>在有些情况下效果不错</a:t>
+            </a:r>
+            <a:endParaRPr lang="en-US" altLang="zh-CN" sz="2000" dirty="0"/>
+          </a:p>
+          <a:p>
+            <a:r>
+              <a:rPr lang="zh-CN" altLang="en-US" sz="2000" dirty="0"/>
+              <a:t>与回归算法是平行的，也许在未来有改进余地</a:t>
+            </a:r>
+          </a:p>
+        </p:txBody>
+      </p:sp>
+      <p:pic>
+        <p:nvPicPr>
+          <p:cNvPr id="6" name="图片 5">
+            <a:extLst>
+              <a:ext uri="{FF2B5EF4-FFF2-40B4-BE49-F238E27FC236}">
+                <a16:creationId xmlns:a16="http://schemas.microsoft.com/office/drawing/2014/main" id="{EA7008DE-52F2-4426-B410-D6F731BF8B2C}"/>
+              </a:ext>
+            </a:extLst>
+          </p:cNvPr>
+          <p:cNvPicPr>
+            <a:picLocks noChangeAspect="1"/>
+          </p:cNvPicPr>
+          <p:nvPr/>
+        </p:nvPicPr>
+        <p:blipFill>
+          <a:blip r:embed="rId2">
+            <a:extLst>
+              <a:ext uri="{28A0092B-C50C-407E-A947-70E740481C1C}">
+                <a14:useLocalDpi xmlns:a14="http://schemas.microsoft.com/office/drawing/2010/main" val="0"/>
+              </a:ext>
+            </a:extLst>
+          </a:blip>
+          <a:stretch>
+            <a:fillRect/>
+          </a:stretch>
+        </p:blipFill>
+        <p:spPr>
+          <a:xfrm>
+            <a:off x="5224006" y="421417"/>
+            <a:ext cx="6916393" cy="6388872"/>
+          </a:xfrm>
+          <a:prstGeom prst="rect">
+            <a:avLst/>
+          </a:prstGeom>
+        </p:spPr>
+      </p:pic>
+      <p:sp>
+        <p:nvSpPr>
+          <p:cNvPr id="4" name="椭圆 3">
+            <a:extLst>
+              <a:ext uri="{FF2B5EF4-FFF2-40B4-BE49-F238E27FC236}">
+                <a16:creationId xmlns:a16="http://schemas.microsoft.com/office/drawing/2014/main" id="{AA0C08B0-523F-4EB8-B9DF-C0739A20D959}"/>
+              </a:ext>
+            </a:extLst>
+          </p:cNvPr>
+          <p:cNvSpPr/>
+          <p:nvPr/>
+        </p:nvSpPr>
+        <p:spPr>
+          <a:xfrm>
+            <a:off x="6845416" y="2639505"/>
+            <a:ext cx="1780109" cy="2036190"/>
+          </a:xfrm>
+          <a:prstGeom prst="ellipse">
+            <a:avLst/>
+          </a:prstGeom>
+          <a:noFill/>
+        </p:spPr>
+        <p:style>
+          <a:lnRef idx="2">
+            <a:schemeClr val="accent1">
+              <a:shade val="50000"/>
+            </a:schemeClr>
+          </a:lnRef>
+          <a:fillRef idx="1">
+            <a:schemeClr val="accent1"/>
+          </a:fillRef>
+          <a:effectRef idx="0">
+            <a:schemeClr val="accent1"/>
+          </a:effectRef>
+          <a:fontRef idx="minor">
+            <a:schemeClr val="lt1"/>
+          </a:fontRef>
+        </p:style>
+        <p:txBody>
+          <a:bodyPr rtlCol="0" anchor="ctr"/>
+          <a:lstStyle/>
+          <a:p>
+            <a:pPr algn="ctr"/>
+            <a:endParaRPr lang="zh-CN" altLang="en-US"/>
+          </a:p>
+        </p:txBody>
+      </p:sp>
+    </p:spTree>
+    <p:extLst>
+      <p:ext uri="{BB962C8B-B14F-4D97-AF65-F5344CB8AC3E}">
+        <p14:creationId xmlns:p14="http://schemas.microsoft.com/office/powerpoint/2010/main" val="2695034695"/>
+      </p:ext>
+    </p:extLst>
+  </p:cSld>
+  <p:clrMapOvr>
+    <a:masterClrMapping/>
+  </p:clrMapOvr>
+  <p:timing>
+    <p:tnLst>
+      <p:par>
+        <p:cTn id="1" dur="indefinite" restart="never" nodeType="tmRoot">
+          <p:childTnLst>
+            <p:seq concurrent="1" nextAc="seek">
+              <p:cTn id="2" dur="indefinite" nodeType="mainSeq">
+                <p:childTnLst>
+                  <p:par>
+                    <p:cTn id="3" fill="hold">
+                      <p:stCondLst>
+                        <p:cond delay="indefinite"/>
+                      </p:stCondLst>
+                      <p:childTnLst>
+                        <p:par>
+                          <p:cTn id="4" fill="hold">
+                            <p:stCondLst>
+                              <p:cond delay="0"/>
+                            </p:stCondLst>
+                            <p:childTnLst>
+                              <p:par>
+                                <p:cTn id="5" presetID="2" presetClass="entr" presetSubtype="4" fill="hold" grpId="0" nodeType="clickEffect">
+                                  <p:stCondLst>
+                                    <p:cond delay="0"/>
+                                  </p:stCondLst>
+                                  <p:childTnLst>
+                                    <p:set>
+                                      <p:cBhvr>
+                                        <p:cTn id="6" dur="1" fill="hold">
+                                          <p:stCondLst>
+                                            <p:cond delay="0"/>
+                                          </p:stCondLst>
+                                        </p:cTn>
+                                        <p:tgtEl>
+                                          <p:spTgt spid="4"/>
+                                        </p:tgtEl>
+                                        <p:attrNameLst>
+                                          <p:attrName>style.visibility</p:attrName>
+                                        </p:attrNameLst>
+                                      </p:cBhvr>
+                                      <p:to>
+                                        <p:strVal val="visible"/>
+                                      </p:to>
+                                    </p:set>
+                                    <p:anim calcmode="lin" valueType="num">
+                                      <p:cBhvr additive="base">
+                                        <p:cTn id="7" dur="500" fill="hold"/>
+                                        <p:tgtEl>
+                                          <p:spTgt spid="4"/>
+                                        </p:tgtEl>
+                                        <p:attrNameLst>
+                                          <p:attrName>ppt_x</p:attrName>
+                                        </p:attrNameLst>
+                                      </p:cBhvr>
+                                      <p:tavLst>
+                                        <p:tav tm="0">
+                                          <p:val>
+                                            <p:strVal val="#ppt_x"/>
+                                          </p:val>
+                                        </p:tav>
+                                        <p:tav tm="100000">
+                                          <p:val>
+                                            <p:strVal val="#ppt_x"/>
+                                          </p:val>
+                                        </p:tav>
+                                      </p:tavLst>
+                                    </p:anim>
+                                    <p:anim calcmode="lin" valueType="num">
+                                      <p:cBhvr additive="base">
+                                        <p:cTn id="8" dur="500" fill="hold"/>
+                                        <p:tgtEl>
+                                          <p:spTgt spid="4"/>
+                                        </p:tgtEl>
+                                        <p:attrNameLst>
+                                          <p:attrName>ppt_y</p:attrName>
+                                        </p:attrNameLst>
+                                      </p:cBhvr>
+                                      <p:tavLst>
+                                        <p:tav tm="0">
+                                          <p:val>
+                                            <p:strVal val="1+#ppt_h/2"/>
+                                          </p:val>
+                                        </p:tav>
+                                        <p:tav tm="100000">
+                                          <p:val>
+                                            <p:strVal val="#ppt_y"/>
+                                          </p:val>
+                                        </p:tav>
+                                      </p:tavLst>
+                                    </p:anim>
+                                  </p:childTnLst>
+                                </p:cTn>
+                              </p:par>
+                            </p:childTnLst>
+                          </p:cTn>
+                        </p:par>
+                      </p:childTnLst>
+                    </p:cTn>
+                  </p:par>
+                </p:childTnLst>
+              </p:cTn>
+              <p:prevCondLst>
+                <p:cond evt="onPrev" delay="0">
+                  <p:tgtEl>
+                    <p:sldTgt/>
+                  </p:tgtEl>
+                </p:cond>
+              </p:prevCondLst>
+              <p:nextCondLst>
+                <p:cond evt="onNext" delay="0">
+                  <p:tgtEl>
+                    <p:sldTgt/>
+                  </p:tgtEl>
+                </p:cond>
+              </p:nextCondLst>
+            </p:seq>
+          </p:childTnLst>
+        </p:cTn>
+      </p:par>
+    </p:tnLst>
+    <p:bldLst>
+      <p:bldP spid="4" grpId="0" animBg="1"/>
+    </p:bldLst>
+  </p:timing>
+</p:sld>
+</file>
+
+<file path=ppt/slides/slide20.xml><?xml version="1.0" encoding="utf-8"?>
+<p:sld xmlns:a="http://schemas.openxmlformats.org/drawingml/2006/main" xmlns:r="http://schemas.openxmlformats.org/officeDocument/2006/relationships" xmlns:p="http://schemas.openxmlformats.org/presentationml/2006/main">
+  <p:cSld>
+    <p:spTree>
+      <p:nvGrpSpPr>
+        <p:cNvPr id="1" name=""/>
+        <p:cNvGrpSpPr/>
+        <p:nvPr/>
+      </p:nvGrpSpPr>
+      <p:grpSpPr>
+        <a:xfrm>
+          <a:off x="0" y="0"/>
+          <a:ext cx="0" cy="0"/>
+          <a:chOff x="0" y="0"/>
+          <a:chExt cx="0" cy="0"/>
+        </a:xfrm>
+      </p:grpSpPr>
+      <p:sp>
+        <p:nvSpPr>
+          <p:cNvPr id="2" name="标题 1">
+            <a:extLst>
+              <a:ext uri="{FF2B5EF4-FFF2-40B4-BE49-F238E27FC236}">
                 <a16:creationId xmlns:a16="http://schemas.microsoft.com/office/drawing/2014/main" id="{B5280B7C-286F-44DB-A406-F8D305138D9C}"/>
               </a:ext>
             </a:extLst>
@@ -7052,7 +7833,7 @@
 </p:sld>
 </file>
 
-<file path=ppt/slides/slide18.xml><?xml version="1.0" encoding="utf-8"?>
+<file path=ppt/slides/slide21.xml><?xml version="1.0" encoding="utf-8"?>
 <p:sld xmlns:a="http://schemas.openxmlformats.org/drawingml/2006/main" xmlns:r="http://schemas.openxmlformats.org/officeDocument/2006/relationships" xmlns:p="http://schemas.openxmlformats.org/presentationml/2006/main">
   <p:cSld>
     <p:spTree>
@@ -7189,7 +7970,7 @@
 </p:sld>
 </file>
 
-<file path=ppt/slides/slide19.xml><?xml version="1.0" encoding="utf-8"?>
+<file path=ppt/slides/slide22.xml><?xml version="1.0" encoding="utf-8"?>
 <p:sld xmlns:a="http://schemas.openxmlformats.org/drawingml/2006/main" xmlns:r="http://schemas.openxmlformats.org/officeDocument/2006/relationships" xmlns:p="http://schemas.openxmlformats.org/presentationml/2006/main">
   <p:cSld>
     <p:spTree>
@@ -7421,7 +8202,7 @@
 </p:sld>
 </file>
 
-<file path=ppt/slides/slide2.xml><?xml version="1.0" encoding="utf-8"?>
+<file path=ppt/slides/slide23.xml><?xml version="1.0" encoding="utf-8"?>
 <p:sld xmlns:a="http://schemas.openxmlformats.org/drawingml/2006/main" xmlns:r="http://schemas.openxmlformats.org/officeDocument/2006/relationships" xmlns:p="http://schemas.openxmlformats.org/presentationml/2006/main">
   <p:cSld>
     <p:spTree>
@@ -7443,189 +8224,6 @@
           <p:cNvPr id="2" name="标题 1">
             <a:extLst>
               <a:ext uri="{FF2B5EF4-FFF2-40B4-BE49-F238E27FC236}">
-                <a16:creationId xmlns:a16="http://schemas.microsoft.com/office/drawing/2014/main" id="{5D13F50F-9EEC-40F8-9BBA-6BD038AAF7FD}"/>
-              </a:ext>
-            </a:extLst>
-          </p:cNvPr>
-          <p:cNvSpPr>
-            <a:spLocks noGrp="1"/>
-          </p:cNvSpPr>
-          <p:nvPr>
-            <p:ph type="title"/>
-          </p:nvPr>
-        </p:nvSpPr>
-        <p:spPr/>
-        <p:txBody>
-          <a:bodyPr/>
-          <a:lstStyle/>
-          <a:p>
-            <a:r>
-              <a:rPr lang="en-US" altLang="zh-CN"/>
-              <a:t>k-</a:t>
-            </a:r>
-            <a:r>
-              <a:rPr lang="zh-CN" altLang="en-US"/>
-              <a:t>近邻法</a:t>
-            </a:r>
-          </a:p>
-        </p:txBody>
-      </p:sp>
-      <p:sp>
-        <p:nvSpPr>
-          <p:cNvPr id="3" name="内容占位符 2">
-            <a:extLst>
-              <a:ext uri="{FF2B5EF4-FFF2-40B4-BE49-F238E27FC236}">
-                <a16:creationId xmlns:a16="http://schemas.microsoft.com/office/drawing/2014/main" id="{EA7E3613-8796-4B8A-8CA6-AEAD545C7FE0}"/>
-              </a:ext>
-            </a:extLst>
-          </p:cNvPr>
-          <p:cNvSpPr>
-            <a:spLocks noGrp="1"/>
-          </p:cNvSpPr>
-          <p:nvPr>
-            <p:ph idx="1"/>
-          </p:nvPr>
-        </p:nvSpPr>
-        <p:spPr>
-          <a:xfrm>
-            <a:off x="677334" y="2160589"/>
-            <a:ext cx="4697748" cy="3880773"/>
-          </a:xfrm>
-        </p:spPr>
-        <p:txBody>
-          <a:bodyPr>
-            <a:normAutofit/>
-          </a:bodyPr>
-          <a:lstStyle/>
-          <a:p>
-            <a:r>
-              <a:rPr lang="en-US" altLang="zh-CN" sz="2000"/>
-              <a:t>K-nearest Neighbors Algorithm</a:t>
-            </a:r>
-          </a:p>
-          <a:p>
-            <a:r>
-              <a:rPr lang="zh-CN" altLang="en-US" sz="2000"/>
-              <a:t>用最近的</a:t>
-            </a:r>
-            <a:r>
-              <a:rPr lang="en-US" altLang="zh-CN" sz="2000"/>
-              <a:t>k</a:t>
-            </a:r>
-            <a:r>
-              <a:rPr lang="zh-CN" altLang="en-US" sz="2000"/>
-              <a:t>个邻居来估计未知数据</a:t>
-            </a:r>
-            <a:endParaRPr lang="en-US" altLang="zh-CN" sz="2000"/>
-          </a:p>
-          <a:p>
-            <a:r>
-              <a:rPr lang="zh-CN" altLang="en-US" sz="2000"/>
-              <a:t>简称</a:t>
-            </a:r>
-            <a:r>
-              <a:rPr lang="en-US" altLang="zh-CN" sz="2000"/>
-              <a:t>k-NN</a:t>
-            </a:r>
-            <a:r>
-              <a:rPr lang="zh-CN" altLang="en-US" sz="2000"/>
-              <a:t>算法</a:t>
-            </a:r>
-            <a:endParaRPr lang="en-US" altLang="zh-CN" sz="2000"/>
-          </a:p>
-          <a:p>
-            <a:r>
-              <a:rPr lang="zh-CN" altLang="en-US" sz="2000"/>
-              <a:t>古老的直觉算法</a:t>
-            </a:r>
-            <a:endParaRPr lang="en-US" altLang="zh-CN" sz="2000"/>
-          </a:p>
-          <a:p>
-            <a:r>
-              <a:rPr lang="zh-CN" altLang="en-US" sz="2000"/>
-              <a:t>在有些情况下效果不错</a:t>
-            </a:r>
-            <a:endParaRPr lang="en-US" altLang="zh-CN" sz="2000"/>
-          </a:p>
-          <a:p>
-            <a:r>
-              <a:rPr lang="zh-CN" altLang="en-US" sz="2000"/>
-              <a:t>与回归算法是平行的，也许在未来有改进余地</a:t>
-            </a:r>
-          </a:p>
-        </p:txBody>
-      </p:sp>
-      <p:pic>
-        <p:nvPicPr>
-          <p:cNvPr id="6" name="图片 5">
-            <a:extLst>
-              <a:ext uri="{FF2B5EF4-FFF2-40B4-BE49-F238E27FC236}">
-                <a16:creationId xmlns:a16="http://schemas.microsoft.com/office/drawing/2014/main" id="{EA7008DE-52F2-4426-B410-D6F731BF8B2C}"/>
-              </a:ext>
-            </a:extLst>
-          </p:cNvPr>
-          <p:cNvPicPr>
-            <a:picLocks noChangeAspect="1"/>
-          </p:cNvPicPr>
-          <p:nvPr/>
-        </p:nvPicPr>
-        <p:blipFill>
-          <a:blip r:embed="rId2">
-            <a:extLst>
-              <a:ext uri="{28A0092B-C50C-407E-A947-70E740481C1C}">
-                <a14:useLocalDpi xmlns:a14="http://schemas.microsoft.com/office/drawing/2010/main" val="0"/>
-              </a:ext>
-            </a:extLst>
-          </a:blip>
-          <a:stretch>
-            <a:fillRect/>
-          </a:stretch>
-        </p:blipFill>
-        <p:spPr>
-          <a:xfrm>
-            <a:off x="5224006" y="421417"/>
-            <a:ext cx="6916393" cy="6388872"/>
-          </a:xfrm>
-          <a:prstGeom prst="rect">
-            <a:avLst/>
-          </a:prstGeom>
-        </p:spPr>
-      </p:pic>
-    </p:spTree>
-    <p:extLst>
-      <p:ext uri="{BB962C8B-B14F-4D97-AF65-F5344CB8AC3E}">
-        <p14:creationId xmlns:p14="http://schemas.microsoft.com/office/powerpoint/2010/main" val="2695034695"/>
-      </p:ext>
-    </p:extLst>
-  </p:cSld>
-  <p:clrMapOvr>
-    <a:masterClrMapping/>
-  </p:clrMapOvr>
-</p:sld>
-</file>
-
-<file path=ppt/slides/slide20.xml><?xml version="1.0" encoding="utf-8"?>
-<p:sld xmlns:a="http://schemas.openxmlformats.org/drawingml/2006/main" xmlns:r="http://schemas.openxmlformats.org/officeDocument/2006/relationships" xmlns:p="http://schemas.openxmlformats.org/presentationml/2006/main">
-  <p:cSld>
-    <p:spTree>
-      <p:nvGrpSpPr>
-        <p:cNvPr id="1" name=""/>
-        <p:cNvGrpSpPr/>
-        <p:nvPr/>
-      </p:nvGrpSpPr>
-      <p:grpSpPr>
-        <a:xfrm>
-          <a:off x="0" y="0"/>
-          <a:ext cx="0" cy="0"/>
-          <a:chOff x="0" y="0"/>
-          <a:chExt cx="0" cy="0"/>
-        </a:xfrm>
-      </p:grpSpPr>
-      <p:sp>
-        <p:nvSpPr>
-          <p:cNvPr id="2" name="标题 1">
-            <a:extLst>
-              <a:ext uri="{FF2B5EF4-FFF2-40B4-BE49-F238E27FC236}">
                 <a16:creationId xmlns:a16="http://schemas.microsoft.com/office/drawing/2014/main" id="{0893CCD3-BF3A-44BE-A271-AB05DCFF9742}"/>
               </a:ext>
             </a:extLst>
@@ -7643,63 +8241,13 @@
           <a:lstStyle/>
           <a:p>
             <a:r>
-              <a:rPr lang="zh-CN" altLang="en-US"/>
-              <a:t>使用</a:t>
-            </a:r>
-            <a:r>
-              <a:rPr lang="en-US" altLang="zh-CN"/>
-              <a:t>bagging</a:t>
-            </a:r>
-            <a:r>
-              <a:rPr lang="zh-CN" altLang="en-US"/>
-              <a:t>提高</a:t>
-            </a:r>
-            <a:r>
-              <a:rPr lang="en-US" altLang="zh-CN"/>
-              <a:t>k-NN</a:t>
-            </a:r>
-            <a:r>
-              <a:rPr lang="zh-CN" altLang="en-US"/>
-              <a:t>准确度</a:t>
-            </a:r>
-          </a:p>
-        </p:txBody>
-      </p:sp>
-      <p:pic>
-        <p:nvPicPr>
-          <p:cNvPr id="5" name="内容占位符 4">
-            <a:extLst>
-              <a:ext uri="{FF2B5EF4-FFF2-40B4-BE49-F238E27FC236}">
-                <a16:creationId xmlns:a16="http://schemas.microsoft.com/office/drawing/2014/main" id="{79896724-CC96-49D3-8234-8DA348B7E5C5}"/>
-              </a:ext>
-            </a:extLst>
-          </p:cNvPr>
-          <p:cNvPicPr>
-            <a:picLocks noGrp="1" noChangeAspect="1"/>
-          </p:cNvPicPr>
-          <p:nvPr>
-            <p:ph idx="1"/>
-          </p:nvPr>
-        </p:nvPicPr>
-        <p:blipFill>
-          <a:blip r:embed="rId2">
-            <a:extLst>
-              <a:ext uri="{28A0092B-C50C-407E-A947-70E740481C1C}">
-                <a14:useLocalDpi xmlns:a14="http://schemas.microsoft.com/office/drawing/2010/main" val="0"/>
-              </a:ext>
-            </a:extLst>
-          </a:blip>
-          <a:stretch>
-            <a:fillRect/>
-          </a:stretch>
-        </p:blipFill>
-        <p:spPr>
-          <a:xfrm>
-            <a:off x="55796" y="2179290"/>
-            <a:ext cx="8596668" cy="4642927"/>
-          </a:xfrm>
-        </p:spPr>
-      </p:pic>
+              <a:rPr lang="en-US" altLang="zh-CN" dirty="0"/>
+              <a:t>BNNPT</a:t>
+            </a:r>
+            <a:endParaRPr lang="zh-CN" altLang="en-US" dirty="0"/>
+          </a:p>
+        </p:txBody>
+      </p:sp>
       <p:pic>
         <p:nvPicPr>
           <p:cNvPr id="4" name="图片 3">
@@ -7715,21 +8263,68 @@
           <p:nvPr/>
         </p:nvPicPr>
         <p:blipFill>
-          <a:blip r:embed="rId3"/>
+          <a:blip r:embed="rId2"/>
           <a:stretch>
             <a:fillRect/>
           </a:stretch>
         </p:blipFill>
         <p:spPr>
           <a:xfrm>
-            <a:off x="8403051" y="1614115"/>
-            <a:ext cx="3761158" cy="4957638"/>
+            <a:off x="7202078" y="163072"/>
+            <a:ext cx="4962131" cy="6540658"/>
           </a:xfrm>
           <a:prstGeom prst="rect">
             <a:avLst/>
           </a:prstGeom>
         </p:spPr>
       </p:pic>
+      <p:sp>
+        <p:nvSpPr>
+          <p:cNvPr id="6" name="内容占位符 5">
+            <a:extLst>
+              <a:ext uri="{FF2B5EF4-FFF2-40B4-BE49-F238E27FC236}">
+                <a16:creationId xmlns:a16="http://schemas.microsoft.com/office/drawing/2014/main" id="{46233A67-0AF4-4BBA-9948-991BF0766112}"/>
+              </a:ext>
+            </a:extLst>
+          </p:cNvPr>
+          <p:cNvSpPr>
+            <a:spLocks noGrp="1"/>
+          </p:cNvSpPr>
+          <p:nvPr>
+            <p:ph idx="1"/>
+          </p:nvPr>
+        </p:nvSpPr>
+        <p:spPr/>
+        <p:txBody>
+          <a:bodyPr/>
+          <a:lstStyle/>
+          <a:p>
+            <a:r>
+              <a:rPr lang="zh-CN" altLang="en-US" sz="2800" dirty="0"/>
+              <a:t>目前最佳的非线性关联检测算法</a:t>
+            </a:r>
+            <a:endParaRPr lang="en-US" altLang="zh-CN" sz="2800" dirty="0"/>
+          </a:p>
+          <a:p>
+            <a:r>
+              <a:rPr lang="zh-CN" altLang="en-US" sz="2800" dirty="0"/>
+              <a:t>利用了</a:t>
+            </a:r>
+            <a:r>
+              <a:rPr lang="en-US" altLang="zh-CN" sz="2800" dirty="0" err="1"/>
+              <a:t>bagging+knn</a:t>
+            </a:r>
+            <a:r>
+              <a:rPr lang="zh-CN" altLang="en-US" sz="2800" dirty="0"/>
+              <a:t>的方法</a:t>
+            </a:r>
+            <a:endParaRPr lang="en-US" altLang="zh-CN" sz="2800" dirty="0"/>
+          </a:p>
+          <a:p>
+            <a:endParaRPr lang="en-US" altLang="zh-CN" dirty="0"/>
+          </a:p>
+        </p:txBody>
+      </p:sp>
     </p:spTree>
     <p:extLst>
       <p:ext uri="{BB962C8B-B14F-4D97-AF65-F5344CB8AC3E}">
@@ -7743,7 +8338,7 @@
 </p:sld>
 </file>
 
-<file path=ppt/slides/slide21.xml><?xml version="1.0" encoding="utf-8"?>
+<file path=ppt/slides/slide24.xml><?xml version="1.0" encoding="utf-8"?>
 <p:sld xmlns:a="http://schemas.openxmlformats.org/drawingml/2006/main" xmlns:r="http://schemas.openxmlformats.org/officeDocument/2006/relationships" xmlns:p="http://schemas.openxmlformats.org/presentationml/2006/main">
   <p:cSld>
     <p:spTree>
@@ -7923,7 +8518,7 @@
 </p:sld>
 </file>
 
-<file path=ppt/slides/slide22.xml><?xml version="1.0" encoding="utf-8"?>
+<file path=ppt/slides/slide25.xml><?xml version="1.0" encoding="utf-8"?>
 <p:sld xmlns:a="http://schemas.openxmlformats.org/drawingml/2006/main" xmlns:r="http://schemas.openxmlformats.org/officeDocument/2006/relationships" xmlns:p="http://schemas.openxmlformats.org/presentationml/2006/main">
   <p:cSld>
     <p:spTree>
@@ -8040,7 +8635,7 @@
 </p:sld>
 </file>
 
-<file path=ppt/slides/slide23.xml><?xml version="1.0" encoding="utf-8"?>
+<file path=ppt/slides/slide26.xml><?xml version="1.0" encoding="utf-8"?>
 <p:sld xmlns:a="http://schemas.openxmlformats.org/drawingml/2006/main" xmlns:r="http://schemas.openxmlformats.org/officeDocument/2006/relationships" xmlns:p="http://schemas.openxmlformats.org/presentationml/2006/main">
   <p:cSld>
     <p:spTree>
@@ -8205,7 +8800,7 @@
 </p:sld>
 </file>
 
-<file path=ppt/slides/slide24.xml><?xml version="1.0" encoding="utf-8"?>
+<file path=ppt/slides/slide27.xml><?xml version="1.0" encoding="utf-8"?>
 <p:sld xmlns:a="http://schemas.openxmlformats.org/drawingml/2006/main" xmlns:r="http://schemas.openxmlformats.org/officeDocument/2006/relationships" xmlns:p="http://schemas.openxmlformats.org/presentationml/2006/main">
   <p:cSld>
     <p:spTree>
@@ -8358,7 +8953,7 @@
 </p:sld>
 </file>
 
-<file path=ppt/slides/slide25.xml><?xml version="1.0" encoding="utf-8"?>
+<file path=ppt/slides/slide28.xml><?xml version="1.0" encoding="utf-8"?>
 <p:sld xmlns:a="http://schemas.openxmlformats.org/drawingml/2006/main" xmlns:r="http://schemas.openxmlformats.org/officeDocument/2006/relationships" xmlns:p="http://schemas.openxmlformats.org/presentationml/2006/main">
   <p:cSld>
     <p:spTree>
@@ -8509,7 +9104,7 @@
 </p:sld>
 </file>
 
-<file path=ppt/slides/slide26.xml><?xml version="1.0" encoding="utf-8"?>
+<file path=ppt/slides/slide29.xml><?xml version="1.0" encoding="utf-8"?>
 <p:sld xmlns:a="http://schemas.openxmlformats.org/drawingml/2006/main" xmlns:r="http://schemas.openxmlformats.org/officeDocument/2006/relationships" xmlns:p="http://schemas.openxmlformats.org/presentationml/2006/main">
   <p:cSld>
     <p:spTree>
@@ -8635,7 +9230,7 @@
 </p:sld>
 </file>
 
-<file path=ppt/slides/slide27.xml><?xml version="1.0" encoding="utf-8"?>
+<file path=ppt/slides/slide3.xml><?xml version="1.0" encoding="utf-8"?>
 <p:sld xmlns:a="http://schemas.openxmlformats.org/drawingml/2006/main" xmlns:r="http://schemas.openxmlformats.org/officeDocument/2006/relationships" xmlns:p="http://schemas.openxmlformats.org/presentationml/2006/main">
   <p:cSld>
     <p:spTree>
@@ -8654,6 +9249,1048 @@
       </p:grpSpPr>
       <p:sp>
         <p:nvSpPr>
+          <p:cNvPr id="11266" name="Rectangle 2">
+            <a:extLst>
+              <a:ext uri="{FF2B5EF4-FFF2-40B4-BE49-F238E27FC236}">
+                <a16:creationId xmlns:a16="http://schemas.microsoft.com/office/drawing/2014/main" id="{98730EAC-15E6-451B-8850-2C249112039B}"/>
+              </a:ext>
+            </a:extLst>
+          </p:cNvPr>
+          <p:cNvSpPr>
+            <a:spLocks noGrp="1" noChangeArrowheads="1"/>
+          </p:cNvSpPr>
+          <p:nvPr>
+            <p:ph type="title"/>
+          </p:nvPr>
+        </p:nvSpPr>
+        <p:spPr>
+          <a:xfrm>
+            <a:off x="2395539" y="862013"/>
+            <a:ext cx="8162925" cy="762000"/>
+          </a:xfrm>
+        </p:spPr>
+        <p:txBody>
+          <a:bodyPr/>
+          <a:lstStyle/>
+          <a:p>
+            <a:r>
+              <a:rPr lang="en-US" altLang="zh-CN">
+                <a:ea typeface="宋体" panose="02010600030101010101" pitchFamily="2" charset="-122"/>
+              </a:rPr>
+              <a:t>1-Nearest Neighbor</a:t>
+            </a:r>
+          </a:p>
+        </p:txBody>
+      </p:sp>
+      <p:sp>
+        <p:nvSpPr>
+          <p:cNvPr id="11276" name="Oval 12">
+            <a:extLst>
+              <a:ext uri="{FF2B5EF4-FFF2-40B4-BE49-F238E27FC236}">
+                <a16:creationId xmlns:a16="http://schemas.microsoft.com/office/drawing/2014/main" id="{F85BBBAD-CD57-41D8-A67E-8BF8547247A9}"/>
+              </a:ext>
+            </a:extLst>
+          </p:cNvPr>
+          <p:cNvSpPr>
+            <a:spLocks noChangeArrowheads="1"/>
+          </p:cNvSpPr>
+          <p:nvPr/>
+        </p:nvSpPr>
+        <p:spPr bwMode="auto">
+          <a:xfrm>
+            <a:off x="5181600" y="4953000"/>
+            <a:ext cx="304800" cy="152400"/>
+          </a:xfrm>
+          <a:prstGeom prst="ellipse">
+            <a:avLst/>
+          </a:prstGeom>
+          <a:solidFill>
+            <a:schemeClr val="accent1"/>
+          </a:solidFill>
+          <a:ln w="9525">
+            <a:solidFill>
+              <a:schemeClr val="tx1"/>
+            </a:solidFill>
+            <a:miter lim="800000"/>
+            <a:headEnd/>
+            <a:tailEnd/>
+          </a:ln>
+          <a:effectLst/>
+          <a:extLst>
+            <a:ext uri="{AF507438-7753-43E0-B8FC-AC1667EBCBE1}">
+              <a14:hiddenEffects xmlns:a14="http://schemas.microsoft.com/office/drawing/2010/main">
+                <a:effectLst>
+                  <a:outerShdw dist="35921" dir="2700000" algn="ctr" rotWithShape="0">
+                    <a:schemeClr val="bg2"/>
+                  </a:outerShdw>
+                </a:effectLst>
+              </a14:hiddenEffects>
+            </a:ext>
+          </a:extLst>
+        </p:spPr>
+        <p:txBody>
+          <a:bodyPr wrap="none" anchor="ctr"/>
+          <a:lstStyle/>
+          <a:p>
+            <a:endParaRPr lang="zh-CN" altLang="en-US"/>
+          </a:p>
+        </p:txBody>
+      </p:sp>
+      <p:sp>
+        <p:nvSpPr>
+          <p:cNvPr id="11279" name="Oval 15">
+            <a:extLst>
+              <a:ext uri="{FF2B5EF4-FFF2-40B4-BE49-F238E27FC236}">
+                <a16:creationId xmlns:a16="http://schemas.microsoft.com/office/drawing/2014/main" id="{BF282D5F-409D-4FFF-A18B-275CF2940F48}"/>
+              </a:ext>
+            </a:extLst>
+          </p:cNvPr>
+          <p:cNvSpPr>
+            <a:spLocks noChangeArrowheads="1"/>
+          </p:cNvSpPr>
+          <p:nvPr/>
+        </p:nvSpPr>
+        <p:spPr bwMode="auto">
+          <a:xfrm>
+            <a:off x="5867400" y="2819400"/>
+            <a:ext cx="1295400" cy="1295400"/>
+          </a:xfrm>
+          <a:prstGeom prst="ellipse">
+            <a:avLst/>
+          </a:prstGeom>
+          <a:solidFill>
+            <a:schemeClr val="accent1"/>
+          </a:solidFill>
+          <a:ln w="9525">
+            <a:solidFill>
+              <a:schemeClr val="tx1"/>
+            </a:solidFill>
+            <a:miter lim="800000"/>
+            <a:headEnd/>
+            <a:tailEnd/>
+          </a:ln>
+          <a:effectLst/>
+          <a:extLst>
+            <a:ext uri="{AF507438-7753-43E0-B8FC-AC1667EBCBE1}">
+              <a14:hiddenEffects xmlns:a14="http://schemas.microsoft.com/office/drawing/2010/main">
+                <a:effectLst>
+                  <a:outerShdw dist="35921" dir="2700000" algn="ctr" rotWithShape="0">
+                    <a:schemeClr val="bg2"/>
+                  </a:outerShdw>
+                </a:effectLst>
+              </a14:hiddenEffects>
+            </a:ext>
+          </a:extLst>
+        </p:spPr>
+        <p:txBody>
+          <a:bodyPr wrap="none" anchor="ctr"/>
+          <a:lstStyle/>
+          <a:p>
+            <a:endParaRPr lang="zh-CN" altLang="en-US"/>
+          </a:p>
+        </p:txBody>
+      </p:sp>
+      <p:sp>
+        <p:nvSpPr>
+          <p:cNvPr id="11271" name="Oval 7">
+            <a:extLst>
+              <a:ext uri="{FF2B5EF4-FFF2-40B4-BE49-F238E27FC236}">
+                <a16:creationId xmlns:a16="http://schemas.microsoft.com/office/drawing/2014/main" id="{FE3DAEF9-1A73-4C65-8C5C-67F50EECE442}"/>
+              </a:ext>
+            </a:extLst>
+          </p:cNvPr>
+          <p:cNvSpPr>
+            <a:spLocks noChangeArrowheads="1"/>
+          </p:cNvSpPr>
+          <p:nvPr/>
+        </p:nvSpPr>
+        <p:spPr bwMode="auto">
+          <a:xfrm>
+            <a:off x="4648200" y="3581400"/>
+            <a:ext cx="228600" cy="152400"/>
+          </a:xfrm>
+          <a:prstGeom prst="ellipse">
+            <a:avLst/>
+          </a:prstGeom>
+          <a:solidFill>
+            <a:schemeClr val="tx1"/>
+          </a:solidFill>
+          <a:ln w="9525">
+            <a:solidFill>
+              <a:schemeClr val="tx1"/>
+            </a:solidFill>
+            <a:miter lim="800000"/>
+            <a:headEnd/>
+            <a:tailEnd/>
+          </a:ln>
+          <a:effectLst/>
+          <a:extLst>
+            <a:ext uri="{AF507438-7753-43E0-B8FC-AC1667EBCBE1}">
+              <a14:hiddenEffects xmlns:a14="http://schemas.microsoft.com/office/drawing/2010/main">
+                <a:effectLst>
+                  <a:outerShdw dist="35921" dir="2700000" algn="ctr" rotWithShape="0">
+                    <a:schemeClr val="bg2"/>
+                  </a:outerShdw>
+                </a:effectLst>
+              </a14:hiddenEffects>
+            </a:ext>
+          </a:extLst>
+        </p:spPr>
+        <p:txBody>
+          <a:bodyPr wrap="none" anchor="ctr"/>
+          <a:lstStyle/>
+          <a:p>
+            <a:endParaRPr lang="zh-CN" altLang="en-US"/>
+          </a:p>
+        </p:txBody>
+      </p:sp>
+      <p:sp>
+        <p:nvSpPr>
+          <p:cNvPr id="11272" name="Oval 8">
+            <a:extLst>
+              <a:ext uri="{FF2B5EF4-FFF2-40B4-BE49-F238E27FC236}">
+                <a16:creationId xmlns:a16="http://schemas.microsoft.com/office/drawing/2014/main" id="{B4882A5F-0797-4618-B8C2-93E0FA5B2767}"/>
+              </a:ext>
+            </a:extLst>
+          </p:cNvPr>
+          <p:cNvSpPr>
+            <a:spLocks noChangeArrowheads="1"/>
+          </p:cNvSpPr>
+          <p:nvPr/>
+        </p:nvSpPr>
+        <p:spPr bwMode="auto">
+          <a:xfrm>
+            <a:off x="6248400" y="3581400"/>
+            <a:ext cx="304800" cy="152400"/>
+          </a:xfrm>
+          <a:prstGeom prst="ellipse">
+            <a:avLst/>
+          </a:prstGeom>
+          <a:solidFill>
+            <a:schemeClr val="accent1"/>
+          </a:solidFill>
+          <a:ln w="9525">
+            <a:solidFill>
+              <a:schemeClr val="tx1"/>
+            </a:solidFill>
+            <a:miter lim="800000"/>
+            <a:headEnd/>
+            <a:tailEnd/>
+          </a:ln>
+          <a:effectLst/>
+          <a:extLst>
+            <a:ext uri="{AF507438-7753-43E0-B8FC-AC1667EBCBE1}">
+              <a14:hiddenEffects xmlns:a14="http://schemas.microsoft.com/office/drawing/2010/main">
+                <a:effectLst>
+                  <a:outerShdw dist="35921" dir="2700000" algn="ctr" rotWithShape="0">
+                    <a:schemeClr val="bg2"/>
+                  </a:outerShdw>
+                </a:effectLst>
+              </a14:hiddenEffects>
+            </a:ext>
+          </a:extLst>
+        </p:spPr>
+        <p:txBody>
+          <a:bodyPr wrap="none" anchor="ctr"/>
+          <a:lstStyle/>
+          <a:p>
+            <a:endParaRPr lang="zh-CN" altLang="en-US"/>
+          </a:p>
+        </p:txBody>
+      </p:sp>
+      <p:sp>
+        <p:nvSpPr>
+          <p:cNvPr id="11273" name="Oval 9">
+            <a:extLst>
+              <a:ext uri="{FF2B5EF4-FFF2-40B4-BE49-F238E27FC236}">
+                <a16:creationId xmlns:a16="http://schemas.microsoft.com/office/drawing/2014/main" id="{3C9C76D1-D4E2-49B6-B290-D228B8B1A5AB}"/>
+              </a:ext>
+            </a:extLst>
+          </p:cNvPr>
+          <p:cNvSpPr>
+            <a:spLocks noChangeArrowheads="1"/>
+          </p:cNvSpPr>
+          <p:nvPr/>
+        </p:nvSpPr>
+        <p:spPr bwMode="auto">
+          <a:xfrm>
+            <a:off x="7467600" y="3962400"/>
+            <a:ext cx="228600" cy="152400"/>
+          </a:xfrm>
+          <a:prstGeom prst="ellipse">
+            <a:avLst/>
+          </a:prstGeom>
+          <a:solidFill>
+            <a:schemeClr val="accent1"/>
+          </a:solidFill>
+          <a:ln w="9525">
+            <a:solidFill>
+              <a:schemeClr val="tx1"/>
+            </a:solidFill>
+            <a:miter lim="800000"/>
+            <a:headEnd/>
+            <a:tailEnd/>
+          </a:ln>
+          <a:effectLst/>
+          <a:extLst>
+            <a:ext uri="{AF507438-7753-43E0-B8FC-AC1667EBCBE1}">
+              <a14:hiddenEffects xmlns:a14="http://schemas.microsoft.com/office/drawing/2010/main">
+                <a:effectLst>
+                  <a:outerShdw dist="35921" dir="2700000" algn="ctr" rotWithShape="0">
+                    <a:schemeClr val="bg2"/>
+                  </a:outerShdw>
+                </a:effectLst>
+              </a14:hiddenEffects>
+            </a:ext>
+          </a:extLst>
+        </p:spPr>
+        <p:txBody>
+          <a:bodyPr wrap="none" anchor="ctr"/>
+          <a:lstStyle/>
+          <a:p>
+            <a:endParaRPr lang="zh-CN" altLang="en-US"/>
+          </a:p>
+        </p:txBody>
+      </p:sp>
+      <p:sp>
+        <p:nvSpPr>
+          <p:cNvPr id="11274" name="Oval 10">
+            <a:extLst>
+              <a:ext uri="{FF2B5EF4-FFF2-40B4-BE49-F238E27FC236}">
+                <a16:creationId xmlns:a16="http://schemas.microsoft.com/office/drawing/2014/main" id="{C6773A0E-E44C-48FA-877C-00B41A4FC0AF}"/>
+              </a:ext>
+            </a:extLst>
+          </p:cNvPr>
+          <p:cNvSpPr>
+            <a:spLocks noChangeArrowheads="1"/>
+          </p:cNvSpPr>
+          <p:nvPr/>
+        </p:nvSpPr>
+        <p:spPr bwMode="auto">
+          <a:xfrm>
+            <a:off x="5029200" y="2743200"/>
+            <a:ext cx="228600" cy="152400"/>
+          </a:xfrm>
+          <a:prstGeom prst="ellipse">
+            <a:avLst/>
+          </a:prstGeom>
+          <a:solidFill>
+            <a:schemeClr val="tx1"/>
+          </a:solidFill>
+          <a:ln w="9525">
+            <a:solidFill>
+              <a:schemeClr val="tx1"/>
+            </a:solidFill>
+            <a:miter lim="800000"/>
+            <a:headEnd/>
+            <a:tailEnd/>
+          </a:ln>
+          <a:effectLst/>
+          <a:extLst>
+            <a:ext uri="{AF507438-7753-43E0-B8FC-AC1667EBCBE1}">
+              <a14:hiddenEffects xmlns:a14="http://schemas.microsoft.com/office/drawing/2010/main">
+                <a:effectLst>
+                  <a:outerShdw dist="35921" dir="2700000" algn="ctr" rotWithShape="0">
+                    <a:schemeClr val="bg2"/>
+                  </a:outerShdw>
+                </a:effectLst>
+              </a14:hiddenEffects>
+            </a:ext>
+          </a:extLst>
+        </p:spPr>
+        <p:txBody>
+          <a:bodyPr wrap="none" anchor="ctr"/>
+          <a:lstStyle/>
+          <a:p>
+            <a:endParaRPr lang="zh-CN" altLang="en-US"/>
+          </a:p>
+        </p:txBody>
+      </p:sp>
+      <p:sp>
+        <p:nvSpPr>
+          <p:cNvPr id="11275" name="Oval 11">
+            <a:extLst>
+              <a:ext uri="{FF2B5EF4-FFF2-40B4-BE49-F238E27FC236}">
+                <a16:creationId xmlns:a16="http://schemas.microsoft.com/office/drawing/2014/main" id="{C184325C-3BF0-4D16-84CD-4922401F70CD}"/>
+              </a:ext>
+            </a:extLst>
+          </p:cNvPr>
+          <p:cNvSpPr>
+            <a:spLocks noChangeArrowheads="1"/>
+          </p:cNvSpPr>
+          <p:nvPr/>
+        </p:nvSpPr>
+        <p:spPr bwMode="auto">
+          <a:xfrm>
+            <a:off x="6400800" y="2971800"/>
+            <a:ext cx="228600" cy="228600"/>
+          </a:xfrm>
+          <a:prstGeom prst="ellipse">
+            <a:avLst/>
+          </a:prstGeom>
+          <a:solidFill>
+            <a:schemeClr val="tx1"/>
+          </a:solidFill>
+          <a:ln w="9525">
+            <a:solidFill>
+              <a:schemeClr val="tx1"/>
+            </a:solidFill>
+            <a:miter lim="800000"/>
+            <a:headEnd/>
+            <a:tailEnd/>
+          </a:ln>
+          <a:effectLst/>
+          <a:extLst>
+            <a:ext uri="{AF507438-7753-43E0-B8FC-AC1667EBCBE1}">
+              <a14:hiddenEffects xmlns:a14="http://schemas.microsoft.com/office/drawing/2010/main">
+                <a:effectLst>
+                  <a:outerShdw dist="35921" dir="2700000" algn="ctr" rotWithShape="0">
+                    <a:schemeClr val="bg2"/>
+                  </a:outerShdw>
+                </a:effectLst>
+              </a14:hiddenEffects>
+            </a:ext>
+          </a:extLst>
+        </p:spPr>
+        <p:txBody>
+          <a:bodyPr wrap="none" anchor="ctr"/>
+          <a:lstStyle/>
+          <a:p>
+            <a:endParaRPr lang="zh-CN" altLang="en-US"/>
+          </a:p>
+        </p:txBody>
+      </p:sp>
+      <p:sp>
+        <p:nvSpPr>
+          <p:cNvPr id="11277" name="Oval 13">
+            <a:extLst>
+              <a:ext uri="{FF2B5EF4-FFF2-40B4-BE49-F238E27FC236}">
+                <a16:creationId xmlns:a16="http://schemas.microsoft.com/office/drawing/2014/main" id="{D8D8A6DA-824C-44DA-B7D2-6FC9951A607E}"/>
+              </a:ext>
+            </a:extLst>
+          </p:cNvPr>
+          <p:cNvSpPr>
+            <a:spLocks noChangeArrowheads="1"/>
+          </p:cNvSpPr>
+          <p:nvPr/>
+        </p:nvSpPr>
+        <p:spPr bwMode="auto">
+          <a:xfrm>
+            <a:off x="3657600" y="4495800"/>
+            <a:ext cx="228600" cy="152400"/>
+          </a:xfrm>
+          <a:prstGeom prst="ellipse">
+            <a:avLst/>
+          </a:prstGeom>
+          <a:solidFill>
+            <a:schemeClr val="accent1"/>
+          </a:solidFill>
+          <a:ln w="9525">
+            <a:solidFill>
+              <a:schemeClr val="tx1"/>
+            </a:solidFill>
+            <a:miter lim="800000"/>
+            <a:headEnd/>
+            <a:tailEnd/>
+          </a:ln>
+          <a:effectLst/>
+          <a:extLst>
+            <a:ext uri="{AF507438-7753-43E0-B8FC-AC1667EBCBE1}">
+              <a14:hiddenEffects xmlns:a14="http://schemas.microsoft.com/office/drawing/2010/main">
+                <a:effectLst>
+                  <a:outerShdw dist="35921" dir="2700000" algn="ctr" rotWithShape="0">
+                    <a:schemeClr val="bg2"/>
+                  </a:outerShdw>
+                </a:effectLst>
+              </a14:hiddenEffects>
+            </a:ext>
+          </a:extLst>
+        </p:spPr>
+        <p:txBody>
+          <a:bodyPr wrap="none" anchor="ctr"/>
+          <a:lstStyle/>
+          <a:p>
+            <a:endParaRPr lang="zh-CN" altLang="en-US"/>
+          </a:p>
+        </p:txBody>
+      </p:sp>
+      <p:sp>
+        <p:nvSpPr>
+          <p:cNvPr id="11278" name="Oval 14">
+            <a:extLst>
+              <a:ext uri="{FF2B5EF4-FFF2-40B4-BE49-F238E27FC236}">
+                <a16:creationId xmlns:a16="http://schemas.microsoft.com/office/drawing/2014/main" id="{E0DF0C07-2580-4D5E-B294-1181A79871B2}"/>
+              </a:ext>
+            </a:extLst>
+          </p:cNvPr>
+          <p:cNvSpPr>
+            <a:spLocks noChangeArrowheads="1"/>
+          </p:cNvSpPr>
+          <p:nvPr/>
+        </p:nvSpPr>
+        <p:spPr bwMode="auto">
+          <a:xfrm>
+            <a:off x="6477000" y="5029200"/>
+            <a:ext cx="228600" cy="152400"/>
+          </a:xfrm>
+          <a:prstGeom prst="ellipse">
+            <a:avLst/>
+          </a:prstGeom>
+          <a:solidFill>
+            <a:schemeClr val="accent1"/>
+          </a:solidFill>
+          <a:ln w="9525">
+            <a:solidFill>
+              <a:schemeClr val="tx1"/>
+            </a:solidFill>
+            <a:miter lim="800000"/>
+            <a:headEnd/>
+            <a:tailEnd/>
+          </a:ln>
+          <a:effectLst/>
+          <a:extLst>
+            <a:ext uri="{AF507438-7753-43E0-B8FC-AC1667EBCBE1}">
+              <a14:hiddenEffects xmlns:a14="http://schemas.microsoft.com/office/drawing/2010/main">
+                <a:effectLst>
+                  <a:outerShdw dist="35921" dir="2700000" algn="ctr" rotWithShape="0">
+                    <a:schemeClr val="bg2"/>
+                  </a:outerShdw>
+                </a:effectLst>
+              </a14:hiddenEffects>
+            </a:ext>
+          </a:extLst>
+        </p:spPr>
+        <p:txBody>
+          <a:bodyPr wrap="none" anchor="ctr"/>
+          <a:lstStyle/>
+          <a:p>
+            <a:endParaRPr lang="zh-CN" altLang="en-US"/>
+          </a:p>
+        </p:txBody>
+      </p:sp>
+      <p:sp>
+        <p:nvSpPr>
+          <p:cNvPr id="11282" name="Oval 18">
+            <a:extLst>
+              <a:ext uri="{FF2B5EF4-FFF2-40B4-BE49-F238E27FC236}">
+                <a16:creationId xmlns:a16="http://schemas.microsoft.com/office/drawing/2014/main" id="{E14BCF93-3CDA-4E1C-AD20-92893B5DFEDD}"/>
+              </a:ext>
+            </a:extLst>
+          </p:cNvPr>
+          <p:cNvSpPr>
+            <a:spLocks noChangeArrowheads="1"/>
+          </p:cNvSpPr>
+          <p:nvPr/>
+        </p:nvSpPr>
+        <p:spPr bwMode="auto">
+          <a:xfrm flipV="1">
+            <a:off x="6248400" y="3581400"/>
+            <a:ext cx="304800" cy="152400"/>
+          </a:xfrm>
+          <a:prstGeom prst="ellipse">
+            <a:avLst/>
+          </a:prstGeom>
+          <a:solidFill>
+            <a:schemeClr val="tx1"/>
+          </a:solidFill>
+          <a:ln w="9525">
+            <a:solidFill>
+              <a:schemeClr val="tx1"/>
+            </a:solidFill>
+            <a:miter lim="800000"/>
+            <a:headEnd/>
+            <a:tailEnd/>
+          </a:ln>
+          <a:effectLst/>
+          <a:extLst>
+            <a:ext uri="{AF507438-7753-43E0-B8FC-AC1667EBCBE1}">
+              <a14:hiddenEffects xmlns:a14="http://schemas.microsoft.com/office/drawing/2010/main">
+                <a:effectLst>
+                  <a:outerShdw dist="35921" dir="2700000" algn="ctr" rotWithShape="0">
+                    <a:schemeClr val="bg2"/>
+                  </a:outerShdw>
+                </a:effectLst>
+              </a14:hiddenEffects>
+            </a:ext>
+          </a:extLst>
+        </p:spPr>
+        <p:txBody>
+          <a:bodyPr wrap="none" anchor="ctr"/>
+          <a:lstStyle/>
+          <a:p>
+            <a:endParaRPr lang="zh-CN" altLang="en-US"/>
+          </a:p>
+        </p:txBody>
+      </p:sp>
+    </p:spTree>
+  </p:cSld>
+  <p:clrMapOvr>
+    <a:masterClrMapping/>
+  </p:clrMapOvr>
+  <p:timing>
+    <p:tnLst>
+      <p:par>
+        <p:cTn id="1" dur="indefinite" restart="never" nodeType="tmRoot">
+          <p:childTnLst>
+            <p:seq concurrent="1" nextAc="seek">
+              <p:cTn id="2" dur="indefinite" nodeType="mainSeq">
+                <p:childTnLst>
+                  <p:par>
+                    <p:cTn id="3" fill="hold" nodeType="clickPar">
+                      <p:stCondLst>
+                        <p:cond delay="indefinite"/>
+                      </p:stCondLst>
+                      <p:childTnLst>
+                        <p:par>
+                          <p:cTn id="4" fill="hold" nodeType="withGroup">
+                            <p:stCondLst>
+                              <p:cond delay="0"/>
+                            </p:stCondLst>
+                            <p:childTnLst>
+                              <p:par>
+                                <p:cTn id="5" presetID="1" presetClass="entr" presetSubtype="0" fill="hold" nodeType="clickEffect">
+                                  <p:stCondLst>
+                                    <p:cond delay="0"/>
+                                  </p:stCondLst>
+                                  <p:childTnLst>
+                                    <p:set>
+                                      <p:cBhvr>
+                                        <p:cTn id="6" dur="1" fill="hold">
+                                          <p:stCondLst>
+                                            <p:cond delay="499"/>
+                                          </p:stCondLst>
+                                        </p:cTn>
+                                        <p:tgtEl>
+                                          <p:spTgt spid="11271"/>
+                                        </p:tgtEl>
+                                        <p:attrNameLst>
+                                          <p:attrName>style.visibility</p:attrName>
+                                        </p:attrNameLst>
+                                      </p:cBhvr>
+                                      <p:to>
+                                        <p:strVal val="visible"/>
+                                      </p:to>
+                                    </p:set>
+                                  </p:childTnLst>
+                                </p:cTn>
+                              </p:par>
+                            </p:childTnLst>
+                          </p:cTn>
+                        </p:par>
+                        <p:par>
+                          <p:cTn id="7" fill="hold" nodeType="afterGroup">
+                            <p:stCondLst>
+                              <p:cond delay="500"/>
+                            </p:stCondLst>
+                            <p:childTnLst>
+                              <p:par>
+                                <p:cTn id="8" presetID="1" presetClass="entr" presetSubtype="0" fill="hold" nodeType="afterEffect">
+                                  <p:stCondLst>
+                                    <p:cond delay="0"/>
+                                  </p:stCondLst>
+                                  <p:childTnLst>
+                                    <p:set>
+                                      <p:cBhvr>
+                                        <p:cTn id="9" dur="1" fill="hold">
+                                          <p:stCondLst>
+                                            <p:cond delay="499"/>
+                                          </p:stCondLst>
+                                        </p:cTn>
+                                        <p:tgtEl>
+                                          <p:spTgt spid="11273"/>
+                                        </p:tgtEl>
+                                        <p:attrNameLst>
+                                          <p:attrName>style.visibility</p:attrName>
+                                        </p:attrNameLst>
+                                      </p:cBhvr>
+                                      <p:to>
+                                        <p:strVal val="visible"/>
+                                      </p:to>
+                                    </p:set>
+                                  </p:childTnLst>
+                                </p:cTn>
+                              </p:par>
+                            </p:childTnLst>
+                          </p:cTn>
+                        </p:par>
+                        <p:par>
+                          <p:cTn id="10" fill="hold" nodeType="afterGroup">
+                            <p:stCondLst>
+                              <p:cond delay="1000"/>
+                            </p:stCondLst>
+                            <p:childTnLst>
+                              <p:par>
+                                <p:cTn id="11" presetID="1" presetClass="entr" presetSubtype="0" fill="hold" nodeType="afterEffect">
+                                  <p:stCondLst>
+                                    <p:cond delay="0"/>
+                                  </p:stCondLst>
+                                  <p:childTnLst>
+                                    <p:set>
+                                      <p:cBhvr>
+                                        <p:cTn id="12" dur="1" fill="hold">
+                                          <p:stCondLst>
+                                            <p:cond delay="499"/>
+                                          </p:stCondLst>
+                                        </p:cTn>
+                                        <p:tgtEl>
+                                          <p:spTgt spid="11276"/>
+                                        </p:tgtEl>
+                                        <p:attrNameLst>
+                                          <p:attrName>style.visibility</p:attrName>
+                                        </p:attrNameLst>
+                                      </p:cBhvr>
+                                      <p:to>
+                                        <p:strVal val="visible"/>
+                                      </p:to>
+                                    </p:set>
+                                  </p:childTnLst>
+                                </p:cTn>
+                              </p:par>
+                            </p:childTnLst>
+                          </p:cTn>
+                        </p:par>
+                        <p:par>
+                          <p:cTn id="13" fill="hold" nodeType="afterGroup">
+                            <p:stCondLst>
+                              <p:cond delay="1500"/>
+                            </p:stCondLst>
+                            <p:childTnLst>
+                              <p:par>
+                                <p:cTn id="14" presetID="1" presetClass="entr" presetSubtype="0" fill="hold" nodeType="afterEffect">
+                                  <p:stCondLst>
+                                    <p:cond delay="0"/>
+                                  </p:stCondLst>
+                                  <p:childTnLst>
+                                    <p:set>
+                                      <p:cBhvr>
+                                        <p:cTn id="15" dur="1" fill="hold">
+                                          <p:stCondLst>
+                                            <p:cond delay="499"/>
+                                          </p:stCondLst>
+                                        </p:cTn>
+                                        <p:tgtEl>
+                                          <p:spTgt spid="11274"/>
+                                        </p:tgtEl>
+                                        <p:attrNameLst>
+                                          <p:attrName>style.visibility</p:attrName>
+                                        </p:attrNameLst>
+                                      </p:cBhvr>
+                                      <p:to>
+                                        <p:strVal val="visible"/>
+                                      </p:to>
+                                    </p:set>
+                                  </p:childTnLst>
+                                </p:cTn>
+                              </p:par>
+                            </p:childTnLst>
+                          </p:cTn>
+                        </p:par>
+                        <p:par>
+                          <p:cTn id="16" fill="hold" nodeType="afterGroup">
+                            <p:stCondLst>
+                              <p:cond delay="2000"/>
+                            </p:stCondLst>
+                            <p:childTnLst>
+                              <p:par>
+                                <p:cTn id="17" presetID="1" presetClass="entr" presetSubtype="0" fill="hold" nodeType="afterEffect">
+                                  <p:stCondLst>
+                                    <p:cond delay="0"/>
+                                  </p:stCondLst>
+                                  <p:childTnLst>
+                                    <p:set>
+                                      <p:cBhvr>
+                                        <p:cTn id="18" dur="1" fill="hold">
+                                          <p:stCondLst>
+                                            <p:cond delay="499"/>
+                                          </p:stCondLst>
+                                        </p:cTn>
+                                        <p:tgtEl>
+                                          <p:spTgt spid="11275"/>
+                                        </p:tgtEl>
+                                        <p:attrNameLst>
+                                          <p:attrName>style.visibility</p:attrName>
+                                        </p:attrNameLst>
+                                      </p:cBhvr>
+                                      <p:to>
+                                        <p:strVal val="visible"/>
+                                      </p:to>
+                                    </p:set>
+                                  </p:childTnLst>
+                                </p:cTn>
+                              </p:par>
+                            </p:childTnLst>
+                          </p:cTn>
+                        </p:par>
+                        <p:par>
+                          <p:cTn id="19" fill="hold" nodeType="afterGroup">
+                            <p:stCondLst>
+                              <p:cond delay="2500"/>
+                            </p:stCondLst>
+                            <p:childTnLst>
+                              <p:par>
+                                <p:cTn id="20" presetID="1" presetClass="entr" presetSubtype="0" fill="hold" nodeType="afterEffect">
+                                  <p:stCondLst>
+                                    <p:cond delay="0"/>
+                                  </p:stCondLst>
+                                  <p:childTnLst>
+                                    <p:set>
+                                      <p:cBhvr>
+                                        <p:cTn id="21" dur="1" fill="hold">
+                                          <p:stCondLst>
+                                            <p:cond delay="499"/>
+                                          </p:stCondLst>
+                                        </p:cTn>
+                                        <p:tgtEl>
+                                          <p:spTgt spid="11277"/>
+                                        </p:tgtEl>
+                                        <p:attrNameLst>
+                                          <p:attrName>style.visibility</p:attrName>
+                                        </p:attrNameLst>
+                                      </p:cBhvr>
+                                      <p:to>
+                                        <p:strVal val="visible"/>
+                                      </p:to>
+                                    </p:set>
+                                  </p:childTnLst>
+                                </p:cTn>
+                              </p:par>
+                            </p:childTnLst>
+                          </p:cTn>
+                        </p:par>
+                        <p:par>
+                          <p:cTn id="22" fill="hold" nodeType="afterGroup">
+                            <p:stCondLst>
+                              <p:cond delay="3000"/>
+                            </p:stCondLst>
+                            <p:childTnLst>
+                              <p:par>
+                                <p:cTn id="23" presetID="1" presetClass="entr" presetSubtype="0" fill="hold" nodeType="afterEffect">
+                                  <p:stCondLst>
+                                    <p:cond delay="0"/>
+                                  </p:stCondLst>
+                                  <p:childTnLst>
+                                    <p:set>
+                                      <p:cBhvr>
+                                        <p:cTn id="24" dur="1" fill="hold">
+                                          <p:stCondLst>
+                                            <p:cond delay="499"/>
+                                          </p:stCondLst>
+                                        </p:cTn>
+                                        <p:tgtEl>
+                                          <p:spTgt spid="11278"/>
+                                        </p:tgtEl>
+                                        <p:attrNameLst>
+                                          <p:attrName>style.visibility</p:attrName>
+                                        </p:attrNameLst>
+                                      </p:cBhvr>
+                                      <p:to>
+                                        <p:strVal val="visible"/>
+                                      </p:to>
+                                    </p:set>
+                                  </p:childTnLst>
+                                </p:cTn>
+                              </p:par>
+                            </p:childTnLst>
+                          </p:cTn>
+                        </p:par>
+                      </p:childTnLst>
+                    </p:cTn>
+                  </p:par>
+                  <p:par>
+                    <p:cTn id="25" fill="hold" nodeType="clickPar">
+                      <p:stCondLst>
+                        <p:cond delay="indefinite"/>
+                      </p:stCondLst>
+                      <p:childTnLst>
+                        <p:par>
+                          <p:cTn id="26" fill="hold" nodeType="withGroup">
+                            <p:stCondLst>
+                              <p:cond delay="0"/>
+                            </p:stCondLst>
+                            <p:childTnLst>
+                              <p:par>
+                                <p:cTn id="27" presetID="1" presetClass="entr" presetSubtype="0" fill="hold" nodeType="clickEffect">
+                                  <p:stCondLst>
+                                    <p:cond delay="0"/>
+                                  </p:stCondLst>
+                                  <p:childTnLst>
+                                    <p:set>
+                                      <p:cBhvr>
+                                        <p:cTn id="28" dur="1" fill="hold">
+                                          <p:stCondLst>
+                                            <p:cond delay="499"/>
+                                          </p:stCondLst>
+                                        </p:cTn>
+                                        <p:tgtEl>
+                                          <p:spTgt spid="11272"/>
+                                        </p:tgtEl>
+                                        <p:attrNameLst>
+                                          <p:attrName>style.visibility</p:attrName>
+                                        </p:attrNameLst>
+                                      </p:cBhvr>
+                                      <p:to>
+                                        <p:strVal val="visible"/>
+                                      </p:to>
+                                    </p:set>
+                                  </p:childTnLst>
+                                  <p:subTnLst>
+                                    <p:animClr clrSpc="rgb" dir="cw">
+                                      <p:cBhvr override="childStyle">
+                                        <p:cTn dur="1" fill="hold" display="0" masterRel="nextClick" afterEffect="1"/>
+                                        <p:tgtEl>
+                                          <p:spTgt spid="11272"/>
+                                        </p:tgtEl>
+                                        <p:attrNameLst>
+                                          <p:attrName>ppt_c</p:attrName>
+                                        </p:attrNameLst>
+                                      </p:cBhvr>
+                                      <p:to>
+                                        <a:schemeClr val="hlink"/>
+                                      </p:to>
+                                    </p:animClr>
+                                  </p:subTnLst>
+                                </p:cTn>
+                              </p:par>
+                            </p:childTnLst>
+                          </p:cTn>
+                        </p:par>
+                      </p:childTnLst>
+                    </p:cTn>
+                  </p:par>
+                  <p:par>
+                    <p:cTn id="29" fill="hold" nodeType="clickPar">
+                      <p:stCondLst>
+                        <p:cond delay="indefinite"/>
+                      </p:stCondLst>
+                      <p:childTnLst>
+                        <p:par>
+                          <p:cTn id="30" fill="hold" nodeType="withGroup">
+                            <p:stCondLst>
+                              <p:cond delay="0"/>
+                            </p:stCondLst>
+                            <p:childTnLst>
+                              <p:par>
+                                <p:cTn id="31" presetID="1" presetClass="entr" presetSubtype="0" fill="hold" nodeType="clickEffect">
+                                  <p:stCondLst>
+                                    <p:cond delay="0"/>
+                                  </p:stCondLst>
+                                  <p:childTnLst>
+                                    <p:set>
+                                      <p:cBhvr>
+                                        <p:cTn id="32" dur="1" fill="hold">
+                                          <p:stCondLst>
+                                            <p:cond delay="499"/>
+                                          </p:stCondLst>
+                                        </p:cTn>
+                                        <p:tgtEl>
+                                          <p:spTgt spid="11279"/>
+                                        </p:tgtEl>
+                                        <p:attrNameLst>
+                                          <p:attrName>style.visibility</p:attrName>
+                                        </p:attrNameLst>
+                                      </p:cBhvr>
+                                      <p:to>
+                                        <p:strVal val="visible"/>
+                                      </p:to>
+                                    </p:set>
+                                  </p:childTnLst>
+                                </p:cTn>
+                              </p:par>
+                            </p:childTnLst>
+                          </p:cTn>
+                        </p:par>
+                      </p:childTnLst>
+                    </p:cTn>
+                  </p:par>
+                  <p:par>
+                    <p:cTn id="33" fill="hold" nodeType="clickPar">
+                      <p:stCondLst>
+                        <p:cond delay="indefinite"/>
+                      </p:stCondLst>
+                      <p:childTnLst>
+                        <p:par>
+                          <p:cTn id="34" fill="hold" nodeType="withGroup">
+                            <p:stCondLst>
+                              <p:cond delay="0"/>
+                            </p:stCondLst>
+                            <p:childTnLst>
+                              <p:par>
+                                <p:cTn id="35" presetID="1" presetClass="entr" presetSubtype="0" fill="hold" nodeType="clickEffect">
+                                  <p:stCondLst>
+                                    <p:cond delay="0"/>
+                                  </p:stCondLst>
+                                  <p:childTnLst>
+                                    <p:set>
+                                      <p:cBhvr>
+                                        <p:cTn id="36" dur="1" fill="hold">
+                                          <p:stCondLst>
+                                            <p:cond delay="499"/>
+                                          </p:stCondLst>
+                                        </p:cTn>
+                                        <p:tgtEl>
+                                          <p:spTgt spid="11282"/>
+                                        </p:tgtEl>
+                                        <p:attrNameLst>
+                                          <p:attrName>style.visibility</p:attrName>
+                                        </p:attrNameLst>
+                                      </p:cBhvr>
+                                      <p:to>
+                                        <p:strVal val="visible"/>
+                                      </p:to>
+                                    </p:set>
+                                  </p:childTnLst>
+                                </p:cTn>
+                              </p:par>
+                            </p:childTnLst>
+                          </p:cTn>
+                        </p:par>
+                      </p:childTnLst>
+                    </p:cTn>
+                  </p:par>
+                </p:childTnLst>
+              </p:cTn>
+              <p:prevCondLst>
+                <p:cond evt="onPrev" delay="0">
+                  <p:tgtEl>
+                    <p:sldTgt/>
+                  </p:tgtEl>
+                </p:cond>
+              </p:prevCondLst>
+              <p:nextCondLst>
+                <p:cond evt="onNext" delay="0">
+                  <p:tgtEl>
+                    <p:sldTgt/>
+                  </p:tgtEl>
+                </p:cond>
+              </p:nextCondLst>
+            </p:seq>
+          </p:childTnLst>
+        </p:cTn>
+      </p:par>
+    </p:tnLst>
+  </p:timing>
+</p:sld>
+</file>
+
+<file path=ppt/slides/slide30.xml><?xml version="1.0" encoding="utf-8"?>
+<p:sld xmlns:a="http://schemas.openxmlformats.org/drawingml/2006/main" xmlns:r="http://schemas.openxmlformats.org/officeDocument/2006/relationships" xmlns:p="http://schemas.openxmlformats.org/presentationml/2006/main">
+  <p:cSld>
+    <p:spTree>
+      <p:nvGrpSpPr>
+        <p:cNvPr id="1" name=""/>
+        <p:cNvGrpSpPr/>
+        <p:nvPr/>
+      </p:nvGrpSpPr>
+      <p:grpSpPr>
+        <a:xfrm>
+          <a:off x="0" y="0"/>
+          <a:ext cx="0" cy="0"/>
+          <a:chOff x="0" y="0"/>
+          <a:chExt cx="0" cy="0"/>
+        </a:xfrm>
+      </p:grpSpPr>
+      <p:sp>
+        <p:nvSpPr>
           <p:cNvPr id="2" name="标题 1">
             <a:extLst>
               <a:ext uri="{FF2B5EF4-FFF2-40B4-BE49-F238E27FC236}">
@@ -8704,7 +10341,12 @@
             <p:ph idx="1"/>
           </p:nvPr>
         </p:nvSpPr>
-        <p:spPr/>
+        <p:spPr>
+          <a:xfrm>
+            <a:off x="677334" y="1227336"/>
+            <a:ext cx="8596668" cy="3880773"/>
+          </a:xfrm>
+        </p:spPr>
         <p:txBody>
           <a:bodyPr>
             <a:normAutofit/>
@@ -8712,102 +10354,93 @@
           <a:lstStyle/>
           <a:p>
             <a:r>
-              <a:rPr lang="en-US" altLang="zh-CN" sz="2000"/>
+              <a:rPr lang="en-US" altLang="zh-CN" sz="2000" dirty="0"/>
               <a:t>K</a:t>
             </a:r>
             <a:r>
-              <a:rPr lang="zh-CN" altLang="en-US" sz="2000"/>
+              <a:rPr lang="zh-CN" altLang="en-US" sz="2000" dirty="0"/>
               <a:t>太大太小都不好</a:t>
             </a:r>
-            <a:endParaRPr lang="en-US" altLang="zh-CN" sz="2000"/>
-          </a:p>
-          <a:p>
-            <a:endParaRPr lang="en-US" altLang="zh-CN" sz="2000"/>
-          </a:p>
-          <a:p>
-            <a:r>
-              <a:rPr lang="en-US" altLang="zh-CN" sz="2000"/>
+            <a:endParaRPr lang="en-US" altLang="zh-CN" sz="2000" dirty="0"/>
+          </a:p>
+          <a:p>
+            <a:r>
+              <a:rPr lang="en-US" altLang="zh-CN" sz="2000" dirty="0"/>
               <a:t>Bagging 1-NN</a:t>
             </a:r>
             <a:r>
-              <a:rPr lang="zh-CN" altLang="en-US" sz="2000"/>
+              <a:rPr lang="zh-CN" altLang="en-US" sz="2000" dirty="0"/>
               <a:t>一般已经比较好</a:t>
             </a:r>
-            <a:endParaRPr lang="en-US" altLang="zh-CN" sz="2000"/>
-          </a:p>
-          <a:p>
-            <a:endParaRPr lang="en-US" altLang="zh-CN" sz="2000"/>
-          </a:p>
-          <a:p>
-            <a:r>
-              <a:rPr lang="zh-CN" altLang="en-US" sz="2000"/>
+            <a:endParaRPr lang="en-US" altLang="zh-CN" sz="2000" dirty="0"/>
+          </a:p>
+          <a:p>
+            <a:r>
+              <a:rPr lang="zh-CN" altLang="en-US" sz="2000" dirty="0"/>
               <a:t>可以在</a:t>
             </a:r>
             <a:r>
-              <a:rPr lang="en-US" altLang="zh-CN" sz="2000"/>
+              <a:rPr lang="en-US" altLang="zh-CN" sz="2000" dirty="0"/>
               <a:t>bagging</a:t>
             </a:r>
             <a:r>
-              <a:rPr lang="zh-CN" altLang="en-US" sz="2000"/>
+              <a:rPr lang="zh-CN" altLang="en-US" sz="2000" dirty="0"/>
               <a:t>的时候减少采样量，</a:t>
             </a:r>
-            <a:endParaRPr lang="en-US" altLang="zh-CN" sz="2000"/>
-          </a:p>
-          <a:p>
-            <a:r>
-              <a:rPr lang="zh-CN" altLang="en-US" sz="2000"/>
+            <a:endParaRPr lang="en-US" altLang="zh-CN" sz="2000" dirty="0"/>
+          </a:p>
+          <a:p>
+            <a:r>
+              <a:rPr lang="zh-CN" altLang="en-US" sz="2000" dirty="0"/>
               <a:t>使得</a:t>
             </a:r>
             <a:r>
-              <a:rPr lang="en-US" altLang="zh-CN" sz="2000"/>
+              <a:rPr lang="en-US" altLang="zh-CN" sz="2000" dirty="0"/>
               <a:t>1-NN</a:t>
             </a:r>
             <a:r>
-              <a:rPr lang="zh-CN" altLang="en-US" sz="2000"/>
+              <a:rPr lang="zh-CN" altLang="en-US" sz="2000" dirty="0"/>
               <a:t>和</a:t>
             </a:r>
             <a:r>
-              <a:rPr lang="en-US" altLang="zh-CN" sz="2000"/>
+              <a:rPr lang="en-US" altLang="zh-CN" sz="2000" dirty="0"/>
               <a:t>k-NN</a:t>
             </a:r>
             <a:r>
-              <a:rPr lang="zh-CN" altLang="en-US" sz="2000"/>
+              <a:rPr lang="zh-CN" altLang="en-US" sz="2000" dirty="0"/>
               <a:t>接近</a:t>
             </a:r>
-            <a:endParaRPr lang="en-US" altLang="zh-CN" sz="2000"/>
-          </a:p>
-          <a:p>
-            <a:endParaRPr lang="en-US" altLang="zh-CN" sz="2000"/>
-          </a:p>
-          <a:p>
-            <a:r>
-              <a:rPr lang="zh-CN" altLang="en-US" sz="2000"/>
+            <a:endParaRPr lang="en-US" altLang="zh-CN" sz="2000" dirty="0"/>
+          </a:p>
+          <a:p>
+            <a:r>
+              <a:rPr lang="zh-CN" altLang="en-US" sz="2000" dirty="0"/>
               <a:t>可以使用</a:t>
             </a:r>
             <a:r>
-              <a:rPr lang="en-US" altLang="zh-CN" sz="2000"/>
+              <a:rPr lang="en-US" altLang="zh-CN" sz="2000" dirty="0"/>
               <a:t>leave one out</a:t>
             </a:r>
             <a:r>
-              <a:rPr lang="zh-CN" altLang="en-US" sz="2000"/>
+              <a:rPr lang="zh-CN" altLang="en-US" sz="2000" dirty="0"/>
               <a:t>来选择最佳</a:t>
             </a:r>
             <a:r>
-              <a:rPr lang="en-US" altLang="zh-CN" sz="2000"/>
+              <a:rPr lang="en-US" altLang="zh-CN" sz="2000" dirty="0"/>
               <a:t>K</a:t>
             </a:r>
           </a:p>
           <a:p>
-            <a:endParaRPr lang="zh-CN" altLang="en-US" sz="2000"/>
+            <a:endParaRPr lang="zh-CN" altLang="en-US" sz="2000" dirty="0"/>
           </a:p>
         </p:txBody>
       </p:sp>
       <p:pic>
         <p:nvPicPr>
-          <p:cNvPr id="4" name="图片 3">
+          <p:cNvPr id="6" name="图片 5">
             <a:extLst>
               <a:ext uri="{FF2B5EF4-FFF2-40B4-BE49-F238E27FC236}">
-                <a16:creationId xmlns:a16="http://schemas.microsoft.com/office/drawing/2014/main" id="{1B567C4D-6EFD-4868-A232-686FADA9F412}"/>
+                <a16:creationId xmlns:a16="http://schemas.microsoft.com/office/drawing/2014/main" id="{4053046D-713D-4F78-A152-82451A5E03FE}"/>
               </a:ext>
             </a:extLst>
           </p:cNvPr>
@@ -8817,15 +10450,21 @@
           <p:nvPr/>
         </p:nvPicPr>
         <p:blipFill>
-          <a:blip r:embed="rId2"/>
+          <a:blip r:embed="rId2">
+            <a:extLst>
+              <a:ext uri="{28A0092B-C50C-407E-A947-70E740481C1C}">
+                <a14:useLocalDpi xmlns:a14="http://schemas.microsoft.com/office/drawing/2010/main" val="0"/>
+              </a:ext>
+            </a:extLst>
+          </a:blip>
           <a:stretch>
             <a:fillRect/>
           </a:stretch>
         </p:blipFill>
         <p:spPr>
           <a:xfrm>
-            <a:off x="5390828" y="1781093"/>
-            <a:ext cx="6768655" cy="5045102"/>
+            <a:off x="414381" y="3846136"/>
+            <a:ext cx="11400791" cy="2861035"/>
           </a:xfrm>
           <a:prstGeom prst="rect">
             <a:avLst/>
@@ -8845,7 +10484,7 @@
 </p:sld>
 </file>
 
-<file path=ppt/slides/slide28.xml><?xml version="1.0" encoding="utf-8"?>
+<file path=ppt/slides/slide31.xml><?xml version="1.0" encoding="utf-8"?>
 <p:sld xmlns:a="http://schemas.openxmlformats.org/drawingml/2006/main" xmlns:r="http://schemas.openxmlformats.org/officeDocument/2006/relationships" xmlns:p="http://schemas.openxmlformats.org/presentationml/2006/main">
   <p:cSld>
     <p:spTree>
@@ -8939,7 +10578,613 @@
 </p:sld>
 </file>
 
-<file path=ppt/slides/slide29.xml><?xml version="1.0" encoding="utf-8"?>
+<file path=ppt/slides/slide32.xml><?xml version="1.0" encoding="utf-8"?>
+<p:sld xmlns:a="http://schemas.openxmlformats.org/drawingml/2006/main" xmlns:r="http://schemas.openxmlformats.org/officeDocument/2006/relationships" xmlns:p="http://schemas.openxmlformats.org/presentationml/2006/main">
+  <p:cSld>
+    <p:spTree>
+      <p:nvGrpSpPr>
+        <p:cNvPr id="1" name=""/>
+        <p:cNvGrpSpPr/>
+        <p:nvPr/>
+      </p:nvGrpSpPr>
+      <p:grpSpPr>
+        <a:xfrm>
+          <a:off x="0" y="0"/>
+          <a:ext cx="0" cy="0"/>
+          <a:chOff x="0" y="0"/>
+          <a:chExt cx="0" cy="0"/>
+        </a:xfrm>
+      </p:grpSpPr>
+      <p:sp>
+        <p:nvSpPr>
+          <p:cNvPr id="2" name="标题 1">
+            <a:extLst>
+              <a:ext uri="{FF2B5EF4-FFF2-40B4-BE49-F238E27FC236}">
+                <a16:creationId xmlns:a16="http://schemas.microsoft.com/office/drawing/2014/main" id="{021853E6-5315-4B8D-BBDB-FD8255F88C5D}"/>
+              </a:ext>
+            </a:extLst>
+          </p:cNvPr>
+          <p:cNvSpPr>
+            <a:spLocks noGrp="1"/>
+          </p:cNvSpPr>
+          <p:nvPr>
+            <p:ph type="title"/>
+          </p:nvPr>
+        </p:nvSpPr>
+        <p:spPr/>
+        <p:txBody>
+          <a:bodyPr/>
+          <a:lstStyle/>
+          <a:p>
+            <a:r>
+              <a:rPr lang="en-US" altLang="zh-CN" dirty="0"/>
+              <a:t>K-NN</a:t>
+            </a:r>
+            <a:r>
+              <a:rPr lang="zh-CN" altLang="en-US" dirty="0"/>
+              <a:t>应用于手写体识别</a:t>
+            </a:r>
+          </a:p>
+        </p:txBody>
+      </p:sp>
+      <p:pic>
+        <p:nvPicPr>
+          <p:cNvPr id="5" name="内容占位符 4">
+            <a:extLst>
+              <a:ext uri="{FF2B5EF4-FFF2-40B4-BE49-F238E27FC236}">
+                <a16:creationId xmlns:a16="http://schemas.microsoft.com/office/drawing/2014/main" id="{92BE62E1-9411-4630-9519-55456B932DAB}"/>
+              </a:ext>
+            </a:extLst>
+          </p:cNvPr>
+          <p:cNvPicPr>
+            <a:picLocks noGrp="1" noChangeAspect="1"/>
+          </p:cNvPicPr>
+          <p:nvPr>
+            <p:ph idx="1"/>
+          </p:nvPr>
+        </p:nvPicPr>
+        <p:blipFill>
+          <a:blip r:embed="rId2">
+            <a:extLst>
+              <a:ext uri="{28A0092B-C50C-407E-A947-70E740481C1C}">
+                <a14:useLocalDpi xmlns:a14="http://schemas.microsoft.com/office/drawing/2010/main" val="0"/>
+              </a:ext>
+            </a:extLst>
+          </a:blip>
+          <a:stretch>
+            <a:fillRect/>
+          </a:stretch>
+        </p:blipFill>
+        <p:spPr>
+          <a:xfrm>
+            <a:off x="631592" y="1376314"/>
+            <a:ext cx="9528221" cy="5359624"/>
+          </a:xfrm>
+        </p:spPr>
+      </p:pic>
+    </p:spTree>
+    <p:extLst>
+      <p:ext uri="{BB962C8B-B14F-4D97-AF65-F5344CB8AC3E}">
+        <p14:creationId xmlns:p14="http://schemas.microsoft.com/office/powerpoint/2010/main" val="3513549121"/>
+      </p:ext>
+    </p:extLst>
+  </p:cSld>
+  <p:clrMapOvr>
+    <a:masterClrMapping/>
+  </p:clrMapOvr>
+</p:sld>
+</file>
+
+<file path=ppt/slides/slide33.xml><?xml version="1.0" encoding="utf-8"?>
+<p:sld xmlns:a="http://schemas.openxmlformats.org/drawingml/2006/main" xmlns:r="http://schemas.openxmlformats.org/officeDocument/2006/relationships" xmlns:p="http://schemas.openxmlformats.org/presentationml/2006/main">
+  <p:cSld>
+    <p:spTree>
+      <p:nvGrpSpPr>
+        <p:cNvPr id="1" name=""/>
+        <p:cNvGrpSpPr/>
+        <p:nvPr/>
+      </p:nvGrpSpPr>
+      <p:grpSpPr>
+        <a:xfrm>
+          <a:off x="0" y="0"/>
+          <a:ext cx="0" cy="0"/>
+          <a:chOff x="0" y="0"/>
+          <a:chExt cx="0" cy="0"/>
+        </a:xfrm>
+      </p:grpSpPr>
+      <p:sp>
+        <p:nvSpPr>
+          <p:cNvPr id="2" name="标题 1">
+            <a:extLst>
+              <a:ext uri="{FF2B5EF4-FFF2-40B4-BE49-F238E27FC236}">
+                <a16:creationId xmlns:a16="http://schemas.microsoft.com/office/drawing/2014/main" id="{6C185F11-4814-4BEC-9D19-921927189ACB}"/>
+              </a:ext>
+            </a:extLst>
+          </p:cNvPr>
+          <p:cNvSpPr>
+            <a:spLocks noGrp="1"/>
+          </p:cNvSpPr>
+          <p:nvPr>
+            <p:ph type="title"/>
+          </p:nvPr>
+        </p:nvSpPr>
+        <p:spPr/>
+        <p:txBody>
+          <a:bodyPr/>
+          <a:lstStyle/>
+          <a:p>
+            <a:r>
+              <a:rPr lang="en-US" altLang="zh-CN" dirty="0"/>
+              <a:t>K-NN CIFAR-10</a:t>
+            </a:r>
+            <a:r>
+              <a:rPr lang="zh-CN" altLang="en-US" dirty="0"/>
+              <a:t>图像识别</a:t>
+            </a:r>
+          </a:p>
+        </p:txBody>
+      </p:sp>
+      <p:pic>
+        <p:nvPicPr>
+          <p:cNvPr id="5" name="内容占位符 4">
+            <a:extLst>
+              <a:ext uri="{FF2B5EF4-FFF2-40B4-BE49-F238E27FC236}">
+                <a16:creationId xmlns:a16="http://schemas.microsoft.com/office/drawing/2014/main" id="{293058F7-E866-4925-A51B-D893CC761481}"/>
+              </a:ext>
+            </a:extLst>
+          </p:cNvPr>
+          <p:cNvPicPr>
+            <a:picLocks noGrp="1" noChangeAspect="1"/>
+          </p:cNvPicPr>
+          <p:nvPr>
+            <p:ph idx="1"/>
+          </p:nvPr>
+        </p:nvPicPr>
+        <p:blipFill>
+          <a:blip r:embed="rId2">
+            <a:extLst>
+              <a:ext uri="{28A0092B-C50C-407E-A947-70E740481C1C}">
+                <a14:useLocalDpi xmlns:a14="http://schemas.microsoft.com/office/drawing/2010/main" val="0"/>
+              </a:ext>
+            </a:extLst>
+          </a:blip>
+          <a:stretch>
+            <a:fillRect/>
+          </a:stretch>
+        </p:blipFill>
+        <p:spPr>
+          <a:xfrm>
+            <a:off x="138949" y="1696825"/>
+            <a:ext cx="11967997" cy="4614421"/>
+          </a:xfrm>
+        </p:spPr>
+      </p:pic>
+    </p:spTree>
+    <p:extLst>
+      <p:ext uri="{BB962C8B-B14F-4D97-AF65-F5344CB8AC3E}">
+        <p14:creationId xmlns:p14="http://schemas.microsoft.com/office/powerpoint/2010/main" val="3942485995"/>
+      </p:ext>
+    </p:extLst>
+  </p:cSld>
+  <p:clrMapOvr>
+    <a:masterClrMapping/>
+  </p:clrMapOvr>
+</p:sld>
+</file>
+
+<file path=ppt/slides/slide34.xml><?xml version="1.0" encoding="utf-8"?>
+<p:sld xmlns:a="http://schemas.openxmlformats.org/drawingml/2006/main" xmlns:r="http://schemas.openxmlformats.org/officeDocument/2006/relationships" xmlns:p="http://schemas.openxmlformats.org/presentationml/2006/main">
+  <p:cSld>
+    <p:spTree>
+      <p:nvGrpSpPr>
+        <p:cNvPr id="1" name=""/>
+        <p:cNvGrpSpPr/>
+        <p:nvPr/>
+      </p:nvGrpSpPr>
+      <p:grpSpPr>
+        <a:xfrm>
+          <a:off x="0" y="0"/>
+          <a:ext cx="0" cy="0"/>
+          <a:chOff x="0" y="0"/>
+          <a:chExt cx="0" cy="0"/>
+        </a:xfrm>
+      </p:grpSpPr>
+      <p:sp>
+        <p:nvSpPr>
+          <p:cNvPr id="2" name="标题 1">
+            <a:extLst>
+              <a:ext uri="{FF2B5EF4-FFF2-40B4-BE49-F238E27FC236}">
+                <a16:creationId xmlns:a16="http://schemas.microsoft.com/office/drawing/2014/main" id="{2A84824A-40E4-47DA-8A81-3EE40F2D8650}"/>
+              </a:ext>
+            </a:extLst>
+          </p:cNvPr>
+          <p:cNvSpPr>
+            <a:spLocks noGrp="1"/>
+          </p:cNvSpPr>
+          <p:nvPr>
+            <p:ph type="title"/>
+          </p:nvPr>
+        </p:nvSpPr>
+        <p:spPr/>
+        <p:txBody>
+          <a:bodyPr/>
+          <a:lstStyle/>
+          <a:p>
+            <a:r>
+              <a:rPr lang="en-US" altLang="zh-CN" dirty="0"/>
+              <a:t>K-NN</a:t>
+            </a:r>
+            <a:r>
+              <a:rPr lang="zh-CN" altLang="en-US" dirty="0"/>
+              <a:t>推荐商品</a:t>
+            </a:r>
+          </a:p>
+        </p:txBody>
+      </p:sp>
+      <p:pic>
+        <p:nvPicPr>
+          <p:cNvPr id="5" name="内容占位符 4">
+            <a:extLst>
+              <a:ext uri="{FF2B5EF4-FFF2-40B4-BE49-F238E27FC236}">
+                <a16:creationId xmlns:a16="http://schemas.microsoft.com/office/drawing/2014/main" id="{8238904D-8FA8-437B-AA7E-CF0D8F5CEE0D}"/>
+              </a:ext>
+            </a:extLst>
+          </p:cNvPr>
+          <p:cNvPicPr>
+            <a:picLocks noGrp="1" noChangeAspect="1"/>
+          </p:cNvPicPr>
+          <p:nvPr>
+            <p:ph idx="1"/>
+          </p:nvPr>
+        </p:nvPicPr>
+        <p:blipFill>
+          <a:blip r:embed="rId2">
+            <a:extLst>
+              <a:ext uri="{28A0092B-C50C-407E-A947-70E740481C1C}">
+                <a14:useLocalDpi xmlns:a14="http://schemas.microsoft.com/office/drawing/2010/main" val="0"/>
+              </a:ext>
+            </a:extLst>
+          </a:blip>
+          <a:stretch>
+            <a:fillRect/>
+          </a:stretch>
+        </p:blipFill>
+        <p:spPr>
+          <a:xfrm>
+            <a:off x="677334" y="1478327"/>
+            <a:ext cx="8596312" cy="2493331"/>
+          </a:xfrm>
+        </p:spPr>
+      </p:pic>
+      <p:pic>
+        <p:nvPicPr>
+          <p:cNvPr id="7" name="图片 6">
+            <a:extLst>
+              <a:ext uri="{FF2B5EF4-FFF2-40B4-BE49-F238E27FC236}">
+                <a16:creationId xmlns:a16="http://schemas.microsoft.com/office/drawing/2014/main" id="{2FB92E10-A5A4-4014-9710-201439371C24}"/>
+              </a:ext>
+            </a:extLst>
+          </p:cNvPr>
+          <p:cNvPicPr>
+            <a:picLocks noChangeAspect="1"/>
+          </p:cNvPicPr>
+          <p:nvPr/>
+        </p:nvPicPr>
+        <p:blipFill>
+          <a:blip r:embed="rId3">
+            <a:extLst>
+              <a:ext uri="{28A0092B-C50C-407E-A947-70E740481C1C}">
+                <a14:useLocalDpi xmlns:a14="http://schemas.microsoft.com/office/drawing/2010/main" val="0"/>
+              </a:ext>
+            </a:extLst>
+          </a:blip>
+          <a:stretch>
+            <a:fillRect/>
+          </a:stretch>
+        </p:blipFill>
+        <p:spPr>
+          <a:xfrm>
+            <a:off x="783002" y="4056972"/>
+            <a:ext cx="8702336" cy="2666653"/>
+          </a:xfrm>
+          <a:prstGeom prst="rect">
+            <a:avLst/>
+          </a:prstGeom>
+        </p:spPr>
+      </p:pic>
+    </p:spTree>
+    <p:extLst>
+      <p:ext uri="{BB962C8B-B14F-4D97-AF65-F5344CB8AC3E}">
+        <p14:creationId xmlns:p14="http://schemas.microsoft.com/office/powerpoint/2010/main" val="1141071815"/>
+      </p:ext>
+    </p:extLst>
+  </p:cSld>
+  <p:clrMapOvr>
+    <a:masterClrMapping/>
+  </p:clrMapOvr>
+</p:sld>
+</file>
+
+<file path=ppt/slides/slide35.xml><?xml version="1.0" encoding="utf-8"?>
+<p:sld xmlns:a="http://schemas.openxmlformats.org/drawingml/2006/main" xmlns:r="http://schemas.openxmlformats.org/officeDocument/2006/relationships" xmlns:p="http://schemas.openxmlformats.org/presentationml/2006/main">
+  <p:cSld>
+    <p:spTree>
+      <p:nvGrpSpPr>
+        <p:cNvPr id="1" name=""/>
+        <p:cNvGrpSpPr/>
+        <p:nvPr/>
+      </p:nvGrpSpPr>
+      <p:grpSpPr>
+        <a:xfrm>
+          <a:off x="0" y="0"/>
+          <a:ext cx="0" cy="0"/>
+          <a:chOff x="0" y="0"/>
+          <a:chExt cx="0" cy="0"/>
+        </a:xfrm>
+      </p:grpSpPr>
+      <p:sp>
+        <p:nvSpPr>
+          <p:cNvPr id="2" name="标题 1">
+            <a:extLst>
+              <a:ext uri="{FF2B5EF4-FFF2-40B4-BE49-F238E27FC236}">
+                <a16:creationId xmlns:a16="http://schemas.microsoft.com/office/drawing/2014/main" id="{C4B36628-7F0E-4FDC-A542-D3BC28E1F986}"/>
+              </a:ext>
+            </a:extLst>
+          </p:cNvPr>
+          <p:cNvSpPr>
+            <a:spLocks noGrp="1"/>
+          </p:cNvSpPr>
+          <p:nvPr>
+            <p:ph type="title"/>
+          </p:nvPr>
+        </p:nvSpPr>
+        <p:spPr/>
+        <p:txBody>
+          <a:bodyPr/>
+          <a:lstStyle/>
+          <a:p>
+            <a:r>
+              <a:rPr lang="zh-CN" altLang="en-US" dirty="0"/>
+              <a:t>深度</a:t>
+            </a:r>
+            <a:r>
+              <a:rPr lang="en-US" altLang="zh-CN" dirty="0"/>
+              <a:t>K-NN</a:t>
+            </a:r>
+            <a:r>
+              <a:rPr lang="zh-CN" altLang="en-US" dirty="0"/>
+              <a:t>思想</a:t>
+            </a:r>
+          </a:p>
+        </p:txBody>
+      </p:sp>
+      <p:sp>
+        <p:nvSpPr>
+          <p:cNvPr id="3" name="内容占位符 2">
+            <a:extLst>
+              <a:ext uri="{FF2B5EF4-FFF2-40B4-BE49-F238E27FC236}">
+                <a16:creationId xmlns:a16="http://schemas.microsoft.com/office/drawing/2014/main" id="{213898C2-B742-443F-AA65-35A5A72ACCBD}"/>
+              </a:ext>
+            </a:extLst>
+          </p:cNvPr>
+          <p:cNvSpPr>
+            <a:spLocks noGrp="1"/>
+          </p:cNvSpPr>
+          <p:nvPr>
+            <p:ph idx="1"/>
+          </p:nvPr>
+        </p:nvSpPr>
+        <p:spPr/>
+        <p:txBody>
+          <a:bodyPr>
+            <a:normAutofit/>
+          </a:bodyPr>
+          <a:lstStyle/>
+          <a:p>
+            <a:r>
+              <a:rPr lang="zh-CN" altLang="en-US" sz="2800"/>
+              <a:t>你的收入</a:t>
+            </a:r>
+            <a:r>
+              <a:rPr lang="en-US" altLang="zh-CN" sz="2800"/>
+              <a:t>~</a:t>
+            </a:r>
+            <a:r>
+              <a:rPr lang="zh-CN" altLang="en-US" sz="2800"/>
+              <a:t>与你关系最好的五个人的收入的平均值</a:t>
+            </a:r>
+            <a:endParaRPr lang="en-US" altLang="zh-CN" sz="2800"/>
+          </a:p>
+          <a:p>
+            <a:endParaRPr lang="zh-CN" altLang="en-US" sz="2800"/>
+          </a:p>
+        </p:txBody>
+      </p:sp>
+      <p:pic>
+        <p:nvPicPr>
+          <p:cNvPr id="5" name="图片 4">
+            <a:extLst>
+              <a:ext uri="{FF2B5EF4-FFF2-40B4-BE49-F238E27FC236}">
+                <a16:creationId xmlns:a16="http://schemas.microsoft.com/office/drawing/2014/main" id="{1CA4E089-66F6-4554-9056-0E56554FC478}"/>
+              </a:ext>
+            </a:extLst>
+          </p:cNvPr>
+          <p:cNvPicPr>
+            <a:picLocks noChangeAspect="1"/>
+          </p:cNvPicPr>
+          <p:nvPr/>
+        </p:nvPicPr>
+        <p:blipFill>
+          <a:blip r:embed="rId2">
+            <a:extLst>
+              <a:ext uri="{28A0092B-C50C-407E-A947-70E740481C1C}">
+                <a14:useLocalDpi xmlns:a14="http://schemas.microsoft.com/office/drawing/2010/main" val="0"/>
+              </a:ext>
+            </a:extLst>
+          </a:blip>
+          <a:stretch>
+            <a:fillRect/>
+          </a:stretch>
+        </p:blipFill>
+        <p:spPr>
+          <a:xfrm>
+            <a:off x="1070418" y="2777490"/>
+            <a:ext cx="6356100" cy="3906676"/>
+          </a:xfrm>
+          <a:prstGeom prst="rect">
+            <a:avLst/>
+          </a:prstGeom>
+        </p:spPr>
+      </p:pic>
+    </p:spTree>
+    <p:extLst>
+      <p:ext uri="{BB962C8B-B14F-4D97-AF65-F5344CB8AC3E}">
+        <p14:creationId xmlns:p14="http://schemas.microsoft.com/office/powerpoint/2010/main" val="2035694757"/>
+      </p:ext>
+    </p:extLst>
+  </p:cSld>
+  <p:clrMapOvr>
+    <a:masterClrMapping/>
+  </p:clrMapOvr>
+</p:sld>
+</file>
+
+<file path=ppt/slides/slide36.xml><?xml version="1.0" encoding="utf-8"?>
+<p:sld xmlns:a="http://schemas.openxmlformats.org/drawingml/2006/main" xmlns:r="http://schemas.openxmlformats.org/officeDocument/2006/relationships" xmlns:p="http://schemas.openxmlformats.org/presentationml/2006/main">
+  <p:cSld>
+    <p:spTree>
+      <p:nvGrpSpPr>
+        <p:cNvPr id="1" name=""/>
+        <p:cNvGrpSpPr/>
+        <p:nvPr/>
+      </p:nvGrpSpPr>
+      <p:grpSpPr>
+        <a:xfrm>
+          <a:off x="0" y="0"/>
+          <a:ext cx="0" cy="0"/>
+          <a:chOff x="0" y="0"/>
+          <a:chExt cx="0" cy="0"/>
+        </a:xfrm>
+      </p:grpSpPr>
+      <p:sp>
+        <p:nvSpPr>
+          <p:cNvPr id="2" name="标题 1">
+            <a:extLst>
+              <a:ext uri="{FF2B5EF4-FFF2-40B4-BE49-F238E27FC236}">
+                <a16:creationId xmlns:a16="http://schemas.microsoft.com/office/drawing/2014/main" id="{BB57C4FC-83F0-4719-9F48-1E77681A1AFC}"/>
+              </a:ext>
+            </a:extLst>
+          </p:cNvPr>
+          <p:cNvSpPr>
+            <a:spLocks noGrp="1"/>
+          </p:cNvSpPr>
+          <p:nvPr>
+            <p:ph type="title"/>
+          </p:nvPr>
+        </p:nvSpPr>
+        <p:spPr/>
+        <p:txBody>
+          <a:bodyPr/>
+          <a:lstStyle/>
+          <a:p>
+            <a:r>
+              <a:rPr lang="en-US" altLang="zh-CN"/>
+              <a:t>K-NN</a:t>
+            </a:r>
+            <a:r>
+              <a:rPr lang="zh-CN" altLang="en-US"/>
+              <a:t>思想</a:t>
+            </a:r>
+          </a:p>
+        </p:txBody>
+      </p:sp>
+      <p:sp>
+        <p:nvSpPr>
+          <p:cNvPr id="3" name="内容占位符 2">
+            <a:extLst>
+              <a:ext uri="{FF2B5EF4-FFF2-40B4-BE49-F238E27FC236}">
+                <a16:creationId xmlns:a16="http://schemas.microsoft.com/office/drawing/2014/main" id="{A43336B9-F9A3-4283-9418-EC15AA3A08DF}"/>
+              </a:ext>
+            </a:extLst>
+          </p:cNvPr>
+          <p:cNvSpPr>
+            <a:spLocks noGrp="1"/>
+          </p:cNvSpPr>
+          <p:nvPr>
+            <p:ph idx="1"/>
+          </p:nvPr>
+        </p:nvSpPr>
+        <p:spPr/>
+        <p:txBody>
+          <a:bodyPr>
+            <a:normAutofit/>
+          </a:bodyPr>
+          <a:lstStyle/>
+          <a:p>
+            <a:r>
+              <a:rPr lang="zh-CN" altLang="en-US" sz="2400"/>
+              <a:t>你的一切属性</a:t>
+            </a:r>
+            <a:r>
+              <a:rPr lang="en-US" altLang="zh-CN" sz="2400"/>
+              <a:t>~</a:t>
+            </a:r>
+            <a:r>
+              <a:rPr lang="zh-CN" altLang="en-US" sz="2400"/>
+              <a:t>与你关系最好的五个人的属性的平均值</a:t>
+            </a:r>
+            <a:endParaRPr lang="en-US" altLang="zh-CN" sz="2400"/>
+          </a:p>
+          <a:p>
+            <a:r>
+              <a:rPr lang="zh-CN" altLang="en-US" sz="2400"/>
+              <a:t>性别</a:t>
+            </a:r>
+            <a:endParaRPr lang="en-US" altLang="zh-CN" sz="2400"/>
+          </a:p>
+          <a:p>
+            <a:r>
+              <a:rPr lang="zh-CN" altLang="en-US" sz="2400"/>
+              <a:t>年龄</a:t>
+            </a:r>
+            <a:endParaRPr lang="en-US" altLang="zh-CN" sz="2400"/>
+          </a:p>
+          <a:p>
+            <a:r>
+              <a:rPr lang="zh-CN" altLang="en-US" sz="2400"/>
+              <a:t>价值观</a:t>
+            </a:r>
+            <a:endParaRPr lang="en-US" altLang="zh-CN" sz="2400"/>
+          </a:p>
+          <a:p>
+            <a:r>
+              <a:rPr lang="zh-CN" altLang="en-US" sz="2400"/>
+              <a:t>高考成绩</a:t>
+            </a:r>
+            <a:endParaRPr lang="en-US" altLang="zh-CN" sz="2400"/>
+          </a:p>
+          <a:p>
+            <a:endParaRPr lang="en-US" altLang="zh-CN" sz="2400"/>
+          </a:p>
+          <a:p>
+            <a:endParaRPr lang="zh-CN" altLang="en-US" sz="2400"/>
+          </a:p>
+        </p:txBody>
+      </p:sp>
+    </p:spTree>
+    <p:extLst>
+      <p:ext uri="{BB962C8B-B14F-4D97-AF65-F5344CB8AC3E}">
+        <p14:creationId xmlns:p14="http://schemas.microsoft.com/office/powerpoint/2010/main" val="1950622148"/>
+      </p:ext>
+    </p:extLst>
+  </p:cSld>
+  <p:clrMapOvr>
+    <a:masterClrMapping/>
+  </p:clrMapOvr>
+</p:sld>
+</file>
+
+<file path=ppt/slides/slide37.xml><?xml version="1.0" encoding="utf-8"?>
 <p:sld xmlns:a="http://schemas.openxmlformats.org/drawingml/2006/main" xmlns:r="http://schemas.openxmlformats.org/officeDocument/2006/relationships" xmlns:p="http://schemas.openxmlformats.org/presentationml/2006/main">
   <p:cSld>
     <p:spTree>
@@ -9112,7 +11357,7 @@
 </p:sld>
 </file>
 
-<file path=ppt/slides/slide3.xml><?xml version="1.0" encoding="utf-8"?>
+<file path=ppt/slides/slide38.xml><?xml version="1.0" encoding="utf-8"?>
 <p:sld xmlns:a="http://schemas.openxmlformats.org/drawingml/2006/main" xmlns:r="http://schemas.openxmlformats.org/officeDocument/2006/relationships" xmlns:p="http://schemas.openxmlformats.org/presentationml/2006/main">
   <p:cSld>
     <p:spTree>
@@ -9134,7 +11379,7 @@
           <p:cNvPr id="2" name="标题 1">
             <a:extLst>
               <a:ext uri="{FF2B5EF4-FFF2-40B4-BE49-F238E27FC236}">
-                <a16:creationId xmlns:a16="http://schemas.microsoft.com/office/drawing/2014/main" id="{C4B36628-7F0E-4FDC-A542-D3BC28E1F986}"/>
+                <a16:creationId xmlns:a16="http://schemas.microsoft.com/office/drawing/2014/main" id="{606DC340-AA73-4F3B-B9D7-966D3F2588D5}"/>
               </a:ext>
             </a:extLst>
           </p:cNvPr>
@@ -9151,12 +11396,16 @@
           <a:lstStyle/>
           <a:p>
             <a:r>
+              <a:rPr lang="zh-CN" altLang="en-US"/>
+              <a:t>高级</a:t>
+            </a:r>
+            <a:r>
               <a:rPr lang="en-US" altLang="zh-CN"/>
-              <a:t>K-NN</a:t>
+              <a:t>k-NN</a:t>
             </a:r>
             <a:r>
               <a:rPr lang="zh-CN" altLang="en-US"/>
-              <a:t>思想</a:t>
+              <a:t>嵌入实验</a:t>
             </a:r>
           </a:p>
         </p:txBody>
@@ -9166,7 +11415,7 @@
           <p:cNvPr id="3" name="内容占位符 2">
             <a:extLst>
               <a:ext uri="{FF2B5EF4-FFF2-40B4-BE49-F238E27FC236}">
-                <a16:creationId xmlns:a16="http://schemas.microsoft.com/office/drawing/2014/main" id="{213898C2-B742-443F-AA65-35A5A72ACCBD}"/>
+                <a16:creationId xmlns:a16="http://schemas.microsoft.com/office/drawing/2014/main" id="{13F50BED-04DE-4C5E-92DA-C6F5F6ECB3C8}"/>
               </a:ext>
             </a:extLst>
           </p:cNvPr>
@@ -9186,63 +11435,43 @@
           <a:p>
             <a:r>
               <a:rPr lang="zh-CN" altLang="en-US" sz="2800"/>
-              <a:t>你的收入</a:t>
-            </a:r>
+              <a:t>每个人只提供手机的两位尾号，并没有泄露过多隐私。</a:t>
+            </a:r>
+            <a:endParaRPr lang="en-US" altLang="zh-CN" sz="2800"/>
+          </a:p>
+          <a:p>
+            <a:r>
+              <a:rPr lang="zh-CN" altLang="en-US" sz="2800"/>
+              <a:t>我们已经可以为每个人进行矩阵编码了</a:t>
+            </a:r>
+            <a:endParaRPr lang="en-US" altLang="zh-CN" sz="2800"/>
+          </a:p>
+          <a:p>
+            <a:r>
+              <a:rPr lang="zh-CN" altLang="en-US" sz="2800"/>
+              <a:t>计算两个人的相似度：</a:t>
+            </a:r>
+            <a:endParaRPr lang="en-US" altLang="zh-CN" sz="2800"/>
+          </a:p>
+          <a:p>
             <a:r>
               <a:rPr lang="en-US" altLang="zh-CN" sz="2800"/>
-              <a:t>~</a:t>
-            </a:r>
+              <a:t>JaccardIndex(set 1, set 2) = |intersection| / |union|</a:t>
+            </a:r>
+          </a:p>
+          <a:p>
             <a:r>
               <a:rPr lang="zh-CN" altLang="en-US" sz="2800"/>
-              <a:t>与你关系最好的五个人的收入的平均值</a:t>
+              <a:t>相似度高的人可以交朋友哦！下节课做实验</a:t>
             </a:r>
             <a:endParaRPr lang="en-US" altLang="zh-CN" sz="2800"/>
           </a:p>
-          <a:p>
-            <a:endParaRPr lang="zh-CN" altLang="en-US" sz="2800"/>
-          </a:p>
-        </p:txBody>
-      </p:sp>
-      <p:pic>
-        <p:nvPicPr>
-          <p:cNvPr id="5" name="图片 4">
-            <a:extLst>
-              <a:ext uri="{FF2B5EF4-FFF2-40B4-BE49-F238E27FC236}">
-                <a16:creationId xmlns:a16="http://schemas.microsoft.com/office/drawing/2014/main" id="{1CA4E089-66F6-4554-9056-0E56554FC478}"/>
-              </a:ext>
-            </a:extLst>
-          </p:cNvPr>
-          <p:cNvPicPr>
-            <a:picLocks noChangeAspect="1"/>
-          </p:cNvPicPr>
-          <p:nvPr/>
-        </p:nvPicPr>
-        <p:blipFill>
-          <a:blip r:embed="rId2">
-            <a:extLst>
-              <a:ext uri="{28A0092B-C50C-407E-A947-70E740481C1C}">
-                <a14:useLocalDpi xmlns:a14="http://schemas.microsoft.com/office/drawing/2010/main" val="0"/>
-              </a:ext>
-            </a:extLst>
-          </a:blip>
-          <a:stretch>
-            <a:fillRect/>
-          </a:stretch>
-        </p:blipFill>
-        <p:spPr>
-          <a:xfrm>
-            <a:off x="1070418" y="2777490"/>
-            <a:ext cx="6356100" cy="3906676"/>
-          </a:xfrm>
-          <a:prstGeom prst="rect">
-            <a:avLst/>
-          </a:prstGeom>
-        </p:spPr>
-      </p:pic>
+        </p:txBody>
+      </p:sp>
     </p:spTree>
     <p:extLst>
       <p:ext uri="{BB962C8B-B14F-4D97-AF65-F5344CB8AC3E}">
-        <p14:creationId xmlns:p14="http://schemas.microsoft.com/office/powerpoint/2010/main" val="2290678023"/>
+        <p14:creationId xmlns:p14="http://schemas.microsoft.com/office/powerpoint/2010/main" val="477746342"/>
       </p:ext>
     </p:extLst>
   </p:cSld>
@@ -9252,7 +11481,7 @@
 </p:sld>
 </file>
 
-<file path=ppt/slides/slide30.xml><?xml version="1.0" encoding="utf-8"?>
+<file path=ppt/slides/slide39.xml><?xml version="1.0" encoding="utf-8"?>
 <p:sld xmlns:a="http://schemas.openxmlformats.org/drawingml/2006/main" xmlns:r="http://schemas.openxmlformats.org/officeDocument/2006/relationships" xmlns:p="http://schemas.openxmlformats.org/presentationml/2006/main">
   <p:cSld>
     <p:spTree>
@@ -9274,130 +11503,6 @@
           <p:cNvPr id="2" name="标题 1">
             <a:extLst>
               <a:ext uri="{FF2B5EF4-FFF2-40B4-BE49-F238E27FC236}">
-                <a16:creationId xmlns:a16="http://schemas.microsoft.com/office/drawing/2014/main" id="{606DC340-AA73-4F3B-B9D7-966D3F2588D5}"/>
-              </a:ext>
-            </a:extLst>
-          </p:cNvPr>
-          <p:cNvSpPr>
-            <a:spLocks noGrp="1"/>
-          </p:cNvSpPr>
-          <p:nvPr>
-            <p:ph type="title"/>
-          </p:nvPr>
-        </p:nvSpPr>
-        <p:spPr/>
-        <p:txBody>
-          <a:bodyPr/>
-          <a:lstStyle/>
-          <a:p>
-            <a:r>
-              <a:rPr lang="zh-CN" altLang="en-US"/>
-              <a:t>高级</a:t>
-            </a:r>
-            <a:r>
-              <a:rPr lang="en-US" altLang="zh-CN"/>
-              <a:t>k-NN</a:t>
-            </a:r>
-            <a:r>
-              <a:rPr lang="zh-CN" altLang="en-US"/>
-              <a:t>嵌入实验</a:t>
-            </a:r>
-          </a:p>
-        </p:txBody>
-      </p:sp>
-      <p:sp>
-        <p:nvSpPr>
-          <p:cNvPr id="3" name="内容占位符 2">
-            <a:extLst>
-              <a:ext uri="{FF2B5EF4-FFF2-40B4-BE49-F238E27FC236}">
-                <a16:creationId xmlns:a16="http://schemas.microsoft.com/office/drawing/2014/main" id="{13F50BED-04DE-4C5E-92DA-C6F5F6ECB3C8}"/>
-              </a:ext>
-            </a:extLst>
-          </p:cNvPr>
-          <p:cNvSpPr>
-            <a:spLocks noGrp="1"/>
-          </p:cNvSpPr>
-          <p:nvPr>
-            <p:ph idx="1"/>
-          </p:nvPr>
-        </p:nvSpPr>
-        <p:spPr/>
-        <p:txBody>
-          <a:bodyPr>
-            <a:normAutofit/>
-          </a:bodyPr>
-          <a:lstStyle/>
-          <a:p>
-            <a:r>
-              <a:rPr lang="zh-CN" altLang="en-US" sz="2800"/>
-              <a:t>每个人只提供手机的两位尾号，并没有泄露过多隐私。</a:t>
-            </a:r>
-            <a:endParaRPr lang="en-US" altLang="zh-CN" sz="2800"/>
-          </a:p>
-          <a:p>
-            <a:r>
-              <a:rPr lang="zh-CN" altLang="en-US" sz="2800"/>
-              <a:t>我们已经可以为每个人进行矩阵编码了</a:t>
-            </a:r>
-            <a:endParaRPr lang="en-US" altLang="zh-CN" sz="2800"/>
-          </a:p>
-          <a:p>
-            <a:r>
-              <a:rPr lang="zh-CN" altLang="en-US" sz="2800"/>
-              <a:t>计算两个人的相似度：</a:t>
-            </a:r>
-            <a:endParaRPr lang="en-US" altLang="zh-CN" sz="2800"/>
-          </a:p>
-          <a:p>
-            <a:r>
-              <a:rPr lang="en-US" altLang="zh-CN" sz="2800"/>
-              <a:t>JaccardIndex(set 1, set 2) = |intersection| / |union|</a:t>
-            </a:r>
-          </a:p>
-          <a:p>
-            <a:r>
-              <a:rPr lang="zh-CN" altLang="en-US" sz="2800"/>
-              <a:t>相似度高的人可以交朋友哦！下节课做实验</a:t>
-            </a:r>
-            <a:endParaRPr lang="en-US" altLang="zh-CN" sz="2800"/>
-          </a:p>
-        </p:txBody>
-      </p:sp>
-    </p:spTree>
-    <p:extLst>
-      <p:ext uri="{BB962C8B-B14F-4D97-AF65-F5344CB8AC3E}">
-        <p14:creationId xmlns:p14="http://schemas.microsoft.com/office/powerpoint/2010/main" val="477746342"/>
-      </p:ext>
-    </p:extLst>
-  </p:cSld>
-  <p:clrMapOvr>
-    <a:masterClrMapping/>
-  </p:clrMapOvr>
-</p:sld>
-</file>
-
-<file path=ppt/slides/slide31.xml><?xml version="1.0" encoding="utf-8"?>
-<p:sld xmlns:a="http://schemas.openxmlformats.org/drawingml/2006/main" xmlns:r="http://schemas.openxmlformats.org/officeDocument/2006/relationships" xmlns:p="http://schemas.openxmlformats.org/presentationml/2006/main">
-  <p:cSld>
-    <p:spTree>
-      <p:nvGrpSpPr>
-        <p:cNvPr id="1" name=""/>
-        <p:cNvGrpSpPr/>
-        <p:nvPr/>
-      </p:nvGrpSpPr>
-      <p:grpSpPr>
-        <a:xfrm>
-          <a:off x="0" y="0"/>
-          <a:ext cx="0" cy="0"/>
-          <a:chOff x="0" y="0"/>
-          <a:chExt cx="0" cy="0"/>
-        </a:xfrm>
-      </p:grpSpPr>
-      <p:sp>
-        <p:nvSpPr>
-          <p:cNvPr id="2" name="标题 1">
-            <a:extLst>
-              <a:ext uri="{FF2B5EF4-FFF2-40B4-BE49-F238E27FC236}">
                 <a16:creationId xmlns:a16="http://schemas.microsoft.com/office/drawing/2014/main" id="{29C56CC7-D6A6-4233-9D1D-781B862E2FC9}"/>
               </a:ext>
             </a:extLst>
@@ -9513,93 +11618,6 @@
     <p:extLst>
       <p:ext uri="{BB962C8B-B14F-4D97-AF65-F5344CB8AC3E}">
         <p14:creationId xmlns:p14="http://schemas.microsoft.com/office/powerpoint/2010/main" val="3263618123"/>
-      </p:ext>
-    </p:extLst>
-  </p:cSld>
-  <p:clrMapOvr>
-    <a:masterClrMapping/>
-  </p:clrMapOvr>
-</p:sld>
-</file>
-
-<file path=ppt/slides/slide32.xml><?xml version="1.0" encoding="utf-8"?>
-<p:sld xmlns:a="http://schemas.openxmlformats.org/drawingml/2006/main" xmlns:r="http://schemas.openxmlformats.org/officeDocument/2006/relationships" xmlns:p="http://schemas.openxmlformats.org/presentationml/2006/main">
-  <p:cSld>
-    <p:spTree>
-      <p:nvGrpSpPr>
-        <p:cNvPr id="1" name=""/>
-        <p:cNvGrpSpPr/>
-        <p:nvPr/>
-      </p:nvGrpSpPr>
-      <p:grpSpPr>
-        <a:xfrm>
-          <a:off x="0" y="0"/>
-          <a:ext cx="0" cy="0"/>
-          <a:chOff x="0" y="0"/>
-          <a:chExt cx="0" cy="0"/>
-        </a:xfrm>
-      </p:grpSpPr>
-      <p:sp>
-        <p:nvSpPr>
-          <p:cNvPr id="2" name="标题 1">
-            <a:extLst>
-              <a:ext uri="{FF2B5EF4-FFF2-40B4-BE49-F238E27FC236}">
-                <a16:creationId xmlns:a16="http://schemas.microsoft.com/office/drawing/2014/main" id="{EA2597E7-F3FA-44CB-BE18-3DDF488744DE}"/>
-              </a:ext>
-            </a:extLst>
-          </p:cNvPr>
-          <p:cNvSpPr>
-            <a:spLocks noGrp="1"/>
-          </p:cNvSpPr>
-          <p:nvPr>
-            <p:ph type="title"/>
-          </p:nvPr>
-        </p:nvSpPr>
-        <p:spPr/>
-        <p:txBody>
-          <a:bodyPr/>
-          <a:lstStyle/>
-          <a:p>
-            <a:r>
-              <a:rPr lang="zh-CN" altLang="en-US"/>
-              <a:t>谢谢！</a:t>
-            </a:r>
-          </a:p>
-        </p:txBody>
-      </p:sp>
-      <p:sp>
-        <p:nvSpPr>
-          <p:cNvPr id="3" name="内容占位符 2">
-            <a:extLst>
-              <a:ext uri="{FF2B5EF4-FFF2-40B4-BE49-F238E27FC236}">
-                <a16:creationId xmlns:a16="http://schemas.microsoft.com/office/drawing/2014/main" id="{B5EA5B51-293D-4E3E-8820-1D67DCB27516}"/>
-              </a:ext>
-            </a:extLst>
-          </p:cNvPr>
-          <p:cNvSpPr>
-            <a:spLocks noGrp="1"/>
-          </p:cNvSpPr>
-          <p:nvPr>
-            <p:ph idx="1"/>
-          </p:nvPr>
-        </p:nvSpPr>
-        <p:spPr/>
-        <p:txBody>
-          <a:bodyPr/>
-          <a:lstStyle/>
-          <a:p>
-            <a:r>
-              <a:rPr lang="zh-CN" altLang="en-US" sz="5400"/>
-              <a:t>提问！</a:t>
-            </a:r>
-            <a:endParaRPr lang="zh-CN" altLang="en-US"/>
-          </a:p>
-        </p:txBody>
-      </p:sp>
-    </p:spTree>
-    <p:extLst>
-      <p:ext uri="{BB962C8B-B14F-4D97-AF65-F5344CB8AC3E}">
-        <p14:creationId xmlns:p14="http://schemas.microsoft.com/office/powerpoint/2010/main" val="2285362836"/>
       </p:ext>
     </p:extLst>
   </p:cSld>
@@ -9628,10 +11646,1052 @@
       </p:grpSpPr>
       <p:sp>
         <p:nvSpPr>
+          <p:cNvPr id="12303" name="Oval 15">
+            <a:extLst>
+              <a:ext uri="{FF2B5EF4-FFF2-40B4-BE49-F238E27FC236}">
+                <a16:creationId xmlns:a16="http://schemas.microsoft.com/office/drawing/2014/main" id="{517E0AC9-4D95-4163-AB31-BA78F5438462}"/>
+              </a:ext>
+            </a:extLst>
+          </p:cNvPr>
+          <p:cNvSpPr>
+            <a:spLocks noChangeArrowheads="1"/>
+          </p:cNvSpPr>
+          <p:nvPr/>
+        </p:nvSpPr>
+        <p:spPr bwMode="auto">
+          <a:xfrm>
+            <a:off x="5486400" y="2743200"/>
+            <a:ext cx="2209800" cy="2133600"/>
+          </a:xfrm>
+          <a:prstGeom prst="ellipse">
+            <a:avLst/>
+          </a:prstGeom>
+          <a:solidFill>
+            <a:schemeClr val="accent1"/>
+          </a:solidFill>
+          <a:ln w="9525">
+            <a:solidFill>
+              <a:schemeClr val="tx1"/>
+            </a:solidFill>
+            <a:miter lim="800000"/>
+            <a:headEnd/>
+            <a:tailEnd/>
+          </a:ln>
+          <a:effectLst/>
+          <a:extLst>
+            <a:ext uri="{AF507438-7753-43E0-B8FC-AC1667EBCBE1}">
+              <a14:hiddenEffects xmlns:a14="http://schemas.microsoft.com/office/drawing/2010/main">
+                <a:effectLst>
+                  <a:outerShdw dist="35921" dir="2700000" algn="ctr" rotWithShape="0">
+                    <a:schemeClr val="bg2"/>
+                  </a:outerShdw>
+                </a:effectLst>
+              </a14:hiddenEffects>
+            </a:ext>
+          </a:extLst>
+        </p:spPr>
+        <p:txBody>
+          <a:bodyPr wrap="none" anchor="ctr"/>
+          <a:lstStyle/>
+          <a:p>
+            <a:endParaRPr lang="zh-CN" altLang="en-US"/>
+          </a:p>
+        </p:txBody>
+      </p:sp>
+      <p:sp>
+        <p:nvSpPr>
+          <p:cNvPr id="12290" name="Rectangle 2">
+            <a:extLst>
+              <a:ext uri="{FF2B5EF4-FFF2-40B4-BE49-F238E27FC236}">
+                <a16:creationId xmlns:a16="http://schemas.microsoft.com/office/drawing/2014/main" id="{88A64EB2-76FE-440D-872B-6977A8C1867B}"/>
+              </a:ext>
+            </a:extLst>
+          </p:cNvPr>
+          <p:cNvSpPr>
+            <a:spLocks noGrp="1" noChangeArrowheads="1"/>
+          </p:cNvSpPr>
+          <p:nvPr>
+            <p:ph type="title"/>
+          </p:nvPr>
+        </p:nvSpPr>
+        <p:spPr>
+          <a:xfrm>
+            <a:off x="2395539" y="862013"/>
+            <a:ext cx="8162925" cy="762000"/>
+          </a:xfrm>
+        </p:spPr>
+        <p:txBody>
+          <a:bodyPr/>
+          <a:lstStyle/>
+          <a:p>
+            <a:r>
+              <a:rPr lang="en-US" altLang="zh-CN">
+                <a:ea typeface="宋体" panose="02010600030101010101" pitchFamily="2" charset="-122"/>
+              </a:rPr>
+              <a:t>3-Nearest Neighbor</a:t>
+            </a:r>
+          </a:p>
+        </p:txBody>
+      </p:sp>
+      <p:sp>
+        <p:nvSpPr>
+          <p:cNvPr id="12291" name="Rectangle 3">
+            <a:extLst>
+              <a:ext uri="{FF2B5EF4-FFF2-40B4-BE49-F238E27FC236}">
+                <a16:creationId xmlns:a16="http://schemas.microsoft.com/office/drawing/2014/main" id="{5344C117-44CD-4770-8C10-7B81108A8C48}"/>
+              </a:ext>
+            </a:extLst>
+          </p:cNvPr>
+          <p:cNvSpPr>
+            <a:spLocks noGrp="1" noChangeArrowheads="1"/>
+          </p:cNvSpPr>
+          <p:nvPr>
+            <p:ph type="body" idx="1"/>
+          </p:nvPr>
+        </p:nvSpPr>
+        <p:spPr/>
+        <p:txBody>
+          <a:bodyPr/>
+          <a:lstStyle/>
+          <a:p>
+            <a:endParaRPr lang="zh-CN" altLang="zh-CN" dirty="0"/>
+          </a:p>
+        </p:txBody>
+      </p:sp>
+      <p:sp>
+        <p:nvSpPr>
+          <p:cNvPr id="12294" name="Oval 6">
+            <a:extLst>
+              <a:ext uri="{FF2B5EF4-FFF2-40B4-BE49-F238E27FC236}">
+                <a16:creationId xmlns:a16="http://schemas.microsoft.com/office/drawing/2014/main" id="{A671F018-28A7-4F0B-97F6-1749BBC3F0D3}"/>
+              </a:ext>
+            </a:extLst>
+          </p:cNvPr>
+          <p:cNvSpPr>
+            <a:spLocks noChangeArrowheads="1"/>
+          </p:cNvSpPr>
+          <p:nvPr/>
+        </p:nvSpPr>
+        <p:spPr bwMode="auto">
+          <a:xfrm>
+            <a:off x="4648200" y="3581400"/>
+            <a:ext cx="228600" cy="152400"/>
+          </a:xfrm>
+          <a:prstGeom prst="ellipse">
+            <a:avLst/>
+          </a:prstGeom>
+          <a:solidFill>
+            <a:schemeClr val="tx1"/>
+          </a:solidFill>
+          <a:ln w="9525">
+            <a:solidFill>
+              <a:schemeClr val="tx1"/>
+            </a:solidFill>
+            <a:miter lim="800000"/>
+            <a:headEnd/>
+            <a:tailEnd/>
+          </a:ln>
+          <a:effectLst/>
+          <a:extLst>
+            <a:ext uri="{AF507438-7753-43E0-B8FC-AC1667EBCBE1}">
+              <a14:hiddenEffects xmlns:a14="http://schemas.microsoft.com/office/drawing/2010/main">
+                <a:effectLst>
+                  <a:outerShdw dist="35921" dir="2700000" algn="ctr" rotWithShape="0">
+                    <a:schemeClr val="bg2"/>
+                  </a:outerShdw>
+                </a:effectLst>
+              </a14:hiddenEffects>
+            </a:ext>
+          </a:extLst>
+        </p:spPr>
+        <p:txBody>
+          <a:bodyPr wrap="none" anchor="ctr"/>
+          <a:lstStyle/>
+          <a:p>
+            <a:endParaRPr lang="zh-CN" altLang="en-US"/>
+          </a:p>
+        </p:txBody>
+      </p:sp>
+      <p:sp>
+        <p:nvSpPr>
+          <p:cNvPr id="12295" name="Oval 7">
+            <a:extLst>
+              <a:ext uri="{FF2B5EF4-FFF2-40B4-BE49-F238E27FC236}">
+                <a16:creationId xmlns:a16="http://schemas.microsoft.com/office/drawing/2014/main" id="{2F9827A0-7744-4626-9DF0-635060D36563}"/>
+              </a:ext>
+            </a:extLst>
+          </p:cNvPr>
+          <p:cNvSpPr>
+            <a:spLocks noChangeArrowheads="1"/>
+          </p:cNvSpPr>
+          <p:nvPr/>
+        </p:nvSpPr>
+        <p:spPr bwMode="auto">
+          <a:xfrm>
+            <a:off x="6248400" y="3581400"/>
+            <a:ext cx="304800" cy="152400"/>
+          </a:xfrm>
+          <a:prstGeom prst="ellipse">
+            <a:avLst/>
+          </a:prstGeom>
+          <a:solidFill>
+            <a:schemeClr val="accent1"/>
+          </a:solidFill>
+          <a:ln w="9525">
+            <a:solidFill>
+              <a:schemeClr val="tx1"/>
+            </a:solidFill>
+            <a:miter lim="800000"/>
+            <a:headEnd/>
+            <a:tailEnd/>
+          </a:ln>
+          <a:effectLst/>
+          <a:extLst>
+            <a:ext uri="{AF507438-7753-43E0-B8FC-AC1667EBCBE1}">
+              <a14:hiddenEffects xmlns:a14="http://schemas.microsoft.com/office/drawing/2010/main">
+                <a:effectLst>
+                  <a:outerShdw dist="35921" dir="2700000" algn="ctr" rotWithShape="0">
+                    <a:schemeClr val="bg2"/>
+                  </a:outerShdw>
+                </a:effectLst>
+              </a14:hiddenEffects>
+            </a:ext>
+          </a:extLst>
+        </p:spPr>
+        <p:txBody>
+          <a:bodyPr wrap="none" anchor="ctr"/>
+          <a:lstStyle/>
+          <a:p>
+            <a:endParaRPr lang="zh-CN" altLang="en-US"/>
+          </a:p>
+        </p:txBody>
+      </p:sp>
+      <p:sp>
+        <p:nvSpPr>
+          <p:cNvPr id="12296" name="Oval 8">
+            <a:extLst>
+              <a:ext uri="{FF2B5EF4-FFF2-40B4-BE49-F238E27FC236}">
+                <a16:creationId xmlns:a16="http://schemas.microsoft.com/office/drawing/2014/main" id="{E5DAFEE8-32D8-4B08-B85A-5447E4A46D2D}"/>
+              </a:ext>
+            </a:extLst>
+          </p:cNvPr>
+          <p:cNvSpPr>
+            <a:spLocks noChangeArrowheads="1"/>
+          </p:cNvSpPr>
+          <p:nvPr/>
+        </p:nvSpPr>
+        <p:spPr bwMode="auto">
+          <a:xfrm>
+            <a:off x="7467600" y="3962400"/>
+            <a:ext cx="228600" cy="152400"/>
+          </a:xfrm>
+          <a:prstGeom prst="ellipse">
+            <a:avLst/>
+          </a:prstGeom>
+          <a:solidFill>
+            <a:schemeClr val="accent1"/>
+          </a:solidFill>
+          <a:ln w="9525">
+            <a:solidFill>
+              <a:schemeClr val="tx1"/>
+            </a:solidFill>
+            <a:miter lim="800000"/>
+            <a:headEnd/>
+            <a:tailEnd/>
+          </a:ln>
+          <a:effectLst/>
+          <a:extLst>
+            <a:ext uri="{AF507438-7753-43E0-B8FC-AC1667EBCBE1}">
+              <a14:hiddenEffects xmlns:a14="http://schemas.microsoft.com/office/drawing/2010/main">
+                <a:effectLst>
+                  <a:outerShdw dist="35921" dir="2700000" algn="ctr" rotWithShape="0">
+                    <a:schemeClr val="bg2"/>
+                  </a:outerShdw>
+                </a:effectLst>
+              </a14:hiddenEffects>
+            </a:ext>
+          </a:extLst>
+        </p:spPr>
+        <p:txBody>
+          <a:bodyPr wrap="none" anchor="ctr"/>
+          <a:lstStyle/>
+          <a:p>
+            <a:endParaRPr lang="zh-CN" altLang="en-US"/>
+          </a:p>
+        </p:txBody>
+      </p:sp>
+      <p:sp>
+        <p:nvSpPr>
+          <p:cNvPr id="12297" name="Oval 9">
+            <a:extLst>
+              <a:ext uri="{FF2B5EF4-FFF2-40B4-BE49-F238E27FC236}">
+                <a16:creationId xmlns:a16="http://schemas.microsoft.com/office/drawing/2014/main" id="{5DA26B72-7D6A-4C0C-B74C-EC0388B86D7B}"/>
+              </a:ext>
+            </a:extLst>
+          </p:cNvPr>
+          <p:cNvSpPr>
+            <a:spLocks noChangeArrowheads="1"/>
+          </p:cNvSpPr>
+          <p:nvPr/>
+        </p:nvSpPr>
+        <p:spPr bwMode="auto">
+          <a:xfrm>
+            <a:off x="5029200" y="2743200"/>
+            <a:ext cx="228600" cy="152400"/>
+          </a:xfrm>
+          <a:prstGeom prst="ellipse">
+            <a:avLst/>
+          </a:prstGeom>
+          <a:solidFill>
+            <a:schemeClr val="tx1"/>
+          </a:solidFill>
+          <a:ln w="9525">
+            <a:solidFill>
+              <a:schemeClr val="tx1"/>
+            </a:solidFill>
+            <a:miter lim="800000"/>
+            <a:headEnd/>
+            <a:tailEnd/>
+          </a:ln>
+          <a:effectLst/>
+          <a:extLst>
+            <a:ext uri="{AF507438-7753-43E0-B8FC-AC1667EBCBE1}">
+              <a14:hiddenEffects xmlns:a14="http://schemas.microsoft.com/office/drawing/2010/main">
+                <a:effectLst>
+                  <a:outerShdw dist="35921" dir="2700000" algn="ctr" rotWithShape="0">
+                    <a:schemeClr val="bg2"/>
+                  </a:outerShdw>
+                </a:effectLst>
+              </a14:hiddenEffects>
+            </a:ext>
+          </a:extLst>
+        </p:spPr>
+        <p:txBody>
+          <a:bodyPr wrap="none" anchor="ctr"/>
+          <a:lstStyle/>
+          <a:p>
+            <a:endParaRPr lang="zh-CN" altLang="en-US"/>
+          </a:p>
+        </p:txBody>
+      </p:sp>
+      <p:sp>
+        <p:nvSpPr>
+          <p:cNvPr id="12298" name="Oval 10">
+            <a:extLst>
+              <a:ext uri="{FF2B5EF4-FFF2-40B4-BE49-F238E27FC236}">
+                <a16:creationId xmlns:a16="http://schemas.microsoft.com/office/drawing/2014/main" id="{FA9D39A7-D1FF-427D-8889-24E161977A30}"/>
+              </a:ext>
+            </a:extLst>
+          </p:cNvPr>
+          <p:cNvSpPr>
+            <a:spLocks noChangeArrowheads="1"/>
+          </p:cNvSpPr>
+          <p:nvPr/>
+        </p:nvSpPr>
+        <p:spPr bwMode="auto">
+          <a:xfrm>
+            <a:off x="6400800" y="2971800"/>
+            <a:ext cx="228600" cy="228600"/>
+          </a:xfrm>
+          <a:prstGeom prst="ellipse">
+            <a:avLst/>
+          </a:prstGeom>
+          <a:solidFill>
+            <a:schemeClr val="tx1"/>
+          </a:solidFill>
+          <a:ln w="9525">
+            <a:solidFill>
+              <a:schemeClr val="tx1"/>
+            </a:solidFill>
+            <a:miter lim="800000"/>
+            <a:headEnd/>
+            <a:tailEnd/>
+          </a:ln>
+          <a:effectLst/>
+          <a:extLst>
+            <a:ext uri="{AF507438-7753-43E0-B8FC-AC1667EBCBE1}">
+              <a14:hiddenEffects xmlns:a14="http://schemas.microsoft.com/office/drawing/2010/main">
+                <a:effectLst>
+                  <a:outerShdw dist="35921" dir="2700000" algn="ctr" rotWithShape="0">
+                    <a:schemeClr val="bg2"/>
+                  </a:outerShdw>
+                </a:effectLst>
+              </a14:hiddenEffects>
+            </a:ext>
+          </a:extLst>
+        </p:spPr>
+        <p:txBody>
+          <a:bodyPr wrap="none" anchor="ctr"/>
+          <a:lstStyle/>
+          <a:p>
+            <a:endParaRPr lang="zh-CN" altLang="en-US"/>
+          </a:p>
+        </p:txBody>
+      </p:sp>
+      <p:sp>
+        <p:nvSpPr>
+          <p:cNvPr id="12299" name="Oval 11">
+            <a:extLst>
+              <a:ext uri="{FF2B5EF4-FFF2-40B4-BE49-F238E27FC236}">
+                <a16:creationId xmlns:a16="http://schemas.microsoft.com/office/drawing/2014/main" id="{B474E4D9-6167-4515-AACF-7EC1D1129EB4}"/>
+              </a:ext>
+            </a:extLst>
+          </p:cNvPr>
+          <p:cNvSpPr>
+            <a:spLocks noChangeArrowheads="1"/>
+          </p:cNvSpPr>
+          <p:nvPr/>
+        </p:nvSpPr>
+        <p:spPr bwMode="auto">
+          <a:xfrm>
+            <a:off x="3657600" y="4495800"/>
+            <a:ext cx="228600" cy="152400"/>
+          </a:xfrm>
+          <a:prstGeom prst="ellipse">
+            <a:avLst/>
+          </a:prstGeom>
+          <a:solidFill>
+            <a:schemeClr val="accent1"/>
+          </a:solidFill>
+          <a:ln w="9525">
+            <a:solidFill>
+              <a:schemeClr val="tx1"/>
+            </a:solidFill>
+            <a:miter lim="800000"/>
+            <a:headEnd/>
+            <a:tailEnd/>
+          </a:ln>
+          <a:effectLst/>
+          <a:extLst>
+            <a:ext uri="{AF507438-7753-43E0-B8FC-AC1667EBCBE1}">
+              <a14:hiddenEffects xmlns:a14="http://schemas.microsoft.com/office/drawing/2010/main">
+                <a:effectLst>
+                  <a:outerShdw dist="35921" dir="2700000" algn="ctr" rotWithShape="0">
+                    <a:schemeClr val="bg2"/>
+                  </a:outerShdw>
+                </a:effectLst>
+              </a14:hiddenEffects>
+            </a:ext>
+          </a:extLst>
+        </p:spPr>
+        <p:txBody>
+          <a:bodyPr wrap="none" anchor="ctr"/>
+          <a:lstStyle/>
+          <a:p>
+            <a:endParaRPr lang="zh-CN" altLang="en-US"/>
+          </a:p>
+        </p:txBody>
+      </p:sp>
+      <p:sp>
+        <p:nvSpPr>
+          <p:cNvPr id="12300" name="Oval 12">
+            <a:extLst>
+              <a:ext uri="{FF2B5EF4-FFF2-40B4-BE49-F238E27FC236}">
+                <a16:creationId xmlns:a16="http://schemas.microsoft.com/office/drawing/2014/main" id="{C1292585-3EBC-4D73-B8E8-438003E9E5C3}"/>
+              </a:ext>
+            </a:extLst>
+          </p:cNvPr>
+          <p:cNvSpPr>
+            <a:spLocks noChangeArrowheads="1"/>
+          </p:cNvSpPr>
+          <p:nvPr/>
+        </p:nvSpPr>
+        <p:spPr bwMode="auto">
+          <a:xfrm>
+            <a:off x="6477000" y="5029200"/>
+            <a:ext cx="228600" cy="152400"/>
+          </a:xfrm>
+          <a:prstGeom prst="ellipse">
+            <a:avLst/>
+          </a:prstGeom>
+          <a:solidFill>
+            <a:schemeClr val="accent1"/>
+          </a:solidFill>
+          <a:ln w="9525">
+            <a:solidFill>
+              <a:schemeClr val="tx1"/>
+            </a:solidFill>
+            <a:miter lim="800000"/>
+            <a:headEnd/>
+            <a:tailEnd/>
+          </a:ln>
+          <a:effectLst/>
+          <a:extLst>
+            <a:ext uri="{AF507438-7753-43E0-B8FC-AC1667EBCBE1}">
+              <a14:hiddenEffects xmlns:a14="http://schemas.microsoft.com/office/drawing/2010/main">
+                <a:effectLst>
+                  <a:outerShdw dist="35921" dir="2700000" algn="ctr" rotWithShape="0">
+                    <a:schemeClr val="bg2"/>
+                  </a:outerShdw>
+                </a:effectLst>
+              </a14:hiddenEffects>
+            </a:ext>
+          </a:extLst>
+        </p:spPr>
+        <p:txBody>
+          <a:bodyPr wrap="none" anchor="ctr"/>
+          <a:lstStyle/>
+          <a:p>
+            <a:endParaRPr lang="zh-CN" altLang="en-US"/>
+          </a:p>
+        </p:txBody>
+      </p:sp>
+      <p:sp>
+        <p:nvSpPr>
+          <p:cNvPr id="12301" name="Oval 13">
+            <a:extLst>
+              <a:ext uri="{FF2B5EF4-FFF2-40B4-BE49-F238E27FC236}">
+                <a16:creationId xmlns:a16="http://schemas.microsoft.com/office/drawing/2014/main" id="{F241D786-3537-4636-9C47-E2C4C1044B0B}"/>
+              </a:ext>
+            </a:extLst>
+          </p:cNvPr>
+          <p:cNvSpPr>
+            <a:spLocks noChangeArrowheads="1"/>
+          </p:cNvSpPr>
+          <p:nvPr/>
+        </p:nvSpPr>
+        <p:spPr bwMode="auto">
+          <a:xfrm>
+            <a:off x="5181600" y="4648200"/>
+            <a:ext cx="304800" cy="152400"/>
+          </a:xfrm>
+          <a:prstGeom prst="ellipse">
+            <a:avLst/>
+          </a:prstGeom>
+          <a:solidFill>
+            <a:schemeClr val="accent1"/>
+          </a:solidFill>
+          <a:ln w="9525">
+            <a:solidFill>
+              <a:schemeClr val="tx1"/>
+            </a:solidFill>
+            <a:miter lim="800000"/>
+            <a:headEnd/>
+            <a:tailEnd/>
+          </a:ln>
+          <a:effectLst/>
+          <a:extLst>
+            <a:ext uri="{AF507438-7753-43E0-B8FC-AC1667EBCBE1}">
+              <a14:hiddenEffects xmlns:a14="http://schemas.microsoft.com/office/drawing/2010/main">
+                <a:effectLst>
+                  <a:outerShdw dist="35921" dir="2700000" algn="ctr" rotWithShape="0">
+                    <a:schemeClr val="bg2"/>
+                  </a:outerShdw>
+                </a:effectLst>
+              </a14:hiddenEffects>
+            </a:ext>
+          </a:extLst>
+        </p:spPr>
+        <p:txBody>
+          <a:bodyPr wrap="none" anchor="ctr"/>
+          <a:lstStyle/>
+          <a:p>
+            <a:endParaRPr lang="zh-CN" altLang="en-US"/>
+          </a:p>
+        </p:txBody>
+      </p:sp>
+      <p:sp>
+        <p:nvSpPr>
+          <p:cNvPr id="12302" name="Oval 14">
+            <a:extLst>
+              <a:ext uri="{FF2B5EF4-FFF2-40B4-BE49-F238E27FC236}">
+                <a16:creationId xmlns:a16="http://schemas.microsoft.com/office/drawing/2014/main" id="{0DE1F95E-C9F0-42D9-8BC2-62EBA5A950B6}"/>
+              </a:ext>
+            </a:extLst>
+          </p:cNvPr>
+          <p:cNvSpPr>
+            <a:spLocks noChangeArrowheads="1"/>
+          </p:cNvSpPr>
+          <p:nvPr/>
+        </p:nvSpPr>
+        <p:spPr bwMode="auto">
+          <a:xfrm>
+            <a:off x="5562600" y="3886200"/>
+            <a:ext cx="304800" cy="152400"/>
+          </a:xfrm>
+          <a:prstGeom prst="ellipse">
+            <a:avLst/>
+          </a:prstGeom>
+          <a:solidFill>
+            <a:schemeClr val="accent1"/>
+          </a:solidFill>
+          <a:ln w="9525">
+            <a:solidFill>
+              <a:schemeClr val="tx1"/>
+            </a:solidFill>
+            <a:miter lim="800000"/>
+            <a:headEnd/>
+            <a:tailEnd/>
+          </a:ln>
+          <a:effectLst/>
+          <a:extLst>
+            <a:ext uri="{AF507438-7753-43E0-B8FC-AC1667EBCBE1}">
+              <a14:hiddenEffects xmlns:a14="http://schemas.microsoft.com/office/drawing/2010/main">
+                <a:effectLst>
+                  <a:outerShdw dist="35921" dir="2700000" algn="ctr" rotWithShape="0">
+                    <a:schemeClr val="bg2"/>
+                  </a:outerShdw>
+                </a:effectLst>
+              </a14:hiddenEffects>
+            </a:ext>
+          </a:extLst>
+        </p:spPr>
+        <p:txBody>
+          <a:bodyPr wrap="none" anchor="ctr"/>
+          <a:lstStyle/>
+          <a:p>
+            <a:endParaRPr lang="zh-CN" altLang="en-US"/>
+          </a:p>
+        </p:txBody>
+      </p:sp>
+    </p:spTree>
+  </p:cSld>
+  <p:clrMapOvr>
+    <a:masterClrMapping/>
+  </p:clrMapOvr>
+  <p:timing>
+    <p:tnLst>
+      <p:par>
+        <p:cTn id="1" dur="indefinite" restart="never" nodeType="tmRoot">
+          <p:childTnLst>
+            <p:seq concurrent="1" nextAc="seek">
+              <p:cTn id="2" dur="indefinite" nodeType="mainSeq">
+                <p:childTnLst>
+                  <p:par>
+                    <p:cTn id="3" fill="hold" nodeType="clickPar">
+                      <p:stCondLst>
+                        <p:cond delay="indefinite"/>
+                      </p:stCondLst>
+                      <p:childTnLst>
+                        <p:par>
+                          <p:cTn id="4" fill="hold" nodeType="withGroup">
+                            <p:stCondLst>
+                              <p:cond delay="0"/>
+                            </p:stCondLst>
+                            <p:childTnLst>
+                              <p:par>
+                                <p:cTn id="5" presetID="1" presetClass="entr" presetSubtype="0" fill="hold" nodeType="clickEffect">
+                                  <p:stCondLst>
+                                    <p:cond delay="0"/>
+                                  </p:stCondLst>
+                                  <p:childTnLst>
+                                    <p:set>
+                                      <p:cBhvr>
+                                        <p:cTn id="6" dur="1" fill="hold">
+                                          <p:stCondLst>
+                                            <p:cond delay="499"/>
+                                          </p:stCondLst>
+                                        </p:cTn>
+                                        <p:tgtEl>
+                                          <p:spTgt spid="12294"/>
+                                        </p:tgtEl>
+                                        <p:attrNameLst>
+                                          <p:attrName>style.visibility</p:attrName>
+                                        </p:attrNameLst>
+                                      </p:cBhvr>
+                                      <p:to>
+                                        <p:strVal val="visible"/>
+                                      </p:to>
+                                    </p:set>
+                                  </p:childTnLst>
+                                </p:cTn>
+                              </p:par>
+                            </p:childTnLst>
+                          </p:cTn>
+                        </p:par>
+                        <p:par>
+                          <p:cTn id="7" fill="hold" nodeType="afterGroup">
+                            <p:stCondLst>
+                              <p:cond delay="500"/>
+                            </p:stCondLst>
+                            <p:childTnLst>
+                              <p:par>
+                                <p:cTn id="8" presetID="1" presetClass="entr" presetSubtype="0" fill="hold" nodeType="afterEffect">
+                                  <p:stCondLst>
+                                    <p:cond delay="0"/>
+                                  </p:stCondLst>
+                                  <p:childTnLst>
+                                    <p:set>
+                                      <p:cBhvr>
+                                        <p:cTn id="9" dur="1" fill="hold">
+                                          <p:stCondLst>
+                                            <p:cond delay="499"/>
+                                          </p:stCondLst>
+                                        </p:cTn>
+                                        <p:tgtEl>
+                                          <p:spTgt spid="12296"/>
+                                        </p:tgtEl>
+                                        <p:attrNameLst>
+                                          <p:attrName>style.visibility</p:attrName>
+                                        </p:attrNameLst>
+                                      </p:cBhvr>
+                                      <p:to>
+                                        <p:strVal val="visible"/>
+                                      </p:to>
+                                    </p:set>
+                                  </p:childTnLst>
+                                </p:cTn>
+                              </p:par>
+                            </p:childTnLst>
+                          </p:cTn>
+                        </p:par>
+                        <p:par>
+                          <p:cTn id="10" fill="hold" nodeType="afterGroup">
+                            <p:stCondLst>
+                              <p:cond delay="1000"/>
+                            </p:stCondLst>
+                            <p:childTnLst>
+                              <p:par>
+                                <p:cTn id="11" presetID="1" presetClass="entr" presetSubtype="0" fill="hold" nodeType="afterEffect">
+                                  <p:stCondLst>
+                                    <p:cond delay="0"/>
+                                  </p:stCondLst>
+                                  <p:childTnLst>
+                                    <p:set>
+                                      <p:cBhvr>
+                                        <p:cTn id="12" dur="1" fill="hold">
+                                          <p:stCondLst>
+                                            <p:cond delay="499"/>
+                                          </p:stCondLst>
+                                        </p:cTn>
+                                        <p:tgtEl>
+                                          <p:spTgt spid="12297"/>
+                                        </p:tgtEl>
+                                        <p:attrNameLst>
+                                          <p:attrName>style.visibility</p:attrName>
+                                        </p:attrNameLst>
+                                      </p:cBhvr>
+                                      <p:to>
+                                        <p:strVal val="visible"/>
+                                      </p:to>
+                                    </p:set>
+                                  </p:childTnLst>
+                                </p:cTn>
+                              </p:par>
+                            </p:childTnLst>
+                          </p:cTn>
+                        </p:par>
+                        <p:par>
+                          <p:cTn id="13" fill="hold" nodeType="afterGroup">
+                            <p:stCondLst>
+                              <p:cond delay="1500"/>
+                            </p:stCondLst>
+                            <p:childTnLst>
+                              <p:par>
+                                <p:cTn id="14" presetID="1" presetClass="entr" presetSubtype="0" fill="hold" nodeType="afterEffect">
+                                  <p:stCondLst>
+                                    <p:cond delay="0"/>
+                                  </p:stCondLst>
+                                  <p:childTnLst>
+                                    <p:set>
+                                      <p:cBhvr>
+                                        <p:cTn id="15" dur="1" fill="hold">
+                                          <p:stCondLst>
+                                            <p:cond delay="499"/>
+                                          </p:stCondLst>
+                                        </p:cTn>
+                                        <p:tgtEl>
+                                          <p:spTgt spid="12298"/>
+                                        </p:tgtEl>
+                                        <p:attrNameLst>
+                                          <p:attrName>style.visibility</p:attrName>
+                                        </p:attrNameLst>
+                                      </p:cBhvr>
+                                      <p:to>
+                                        <p:strVal val="visible"/>
+                                      </p:to>
+                                    </p:set>
+                                  </p:childTnLst>
+                                </p:cTn>
+                              </p:par>
+                            </p:childTnLst>
+                          </p:cTn>
+                        </p:par>
+                        <p:par>
+                          <p:cTn id="16" fill="hold" nodeType="afterGroup">
+                            <p:stCondLst>
+                              <p:cond delay="2000"/>
+                            </p:stCondLst>
+                            <p:childTnLst>
+                              <p:par>
+                                <p:cTn id="17" presetID="1" presetClass="entr" presetSubtype="0" fill="hold" nodeType="afterEffect">
+                                  <p:stCondLst>
+                                    <p:cond delay="0"/>
+                                  </p:stCondLst>
+                                  <p:childTnLst>
+                                    <p:set>
+                                      <p:cBhvr>
+                                        <p:cTn id="18" dur="1" fill="hold">
+                                          <p:stCondLst>
+                                            <p:cond delay="499"/>
+                                          </p:stCondLst>
+                                        </p:cTn>
+                                        <p:tgtEl>
+                                          <p:spTgt spid="12299"/>
+                                        </p:tgtEl>
+                                        <p:attrNameLst>
+                                          <p:attrName>style.visibility</p:attrName>
+                                        </p:attrNameLst>
+                                      </p:cBhvr>
+                                      <p:to>
+                                        <p:strVal val="visible"/>
+                                      </p:to>
+                                    </p:set>
+                                  </p:childTnLst>
+                                </p:cTn>
+                              </p:par>
+                            </p:childTnLst>
+                          </p:cTn>
+                        </p:par>
+                        <p:par>
+                          <p:cTn id="19" fill="hold" nodeType="afterGroup">
+                            <p:stCondLst>
+                              <p:cond delay="2500"/>
+                            </p:stCondLst>
+                            <p:childTnLst>
+                              <p:par>
+                                <p:cTn id="20" presetID="1" presetClass="entr" presetSubtype="0" fill="hold" nodeType="afterEffect">
+                                  <p:stCondLst>
+                                    <p:cond delay="0"/>
+                                  </p:stCondLst>
+                                  <p:childTnLst>
+                                    <p:set>
+                                      <p:cBhvr>
+                                        <p:cTn id="21" dur="1" fill="hold">
+                                          <p:stCondLst>
+                                            <p:cond delay="499"/>
+                                          </p:stCondLst>
+                                        </p:cTn>
+                                        <p:tgtEl>
+                                          <p:spTgt spid="12300"/>
+                                        </p:tgtEl>
+                                        <p:attrNameLst>
+                                          <p:attrName>style.visibility</p:attrName>
+                                        </p:attrNameLst>
+                                      </p:cBhvr>
+                                      <p:to>
+                                        <p:strVal val="visible"/>
+                                      </p:to>
+                                    </p:set>
+                                  </p:childTnLst>
+                                </p:cTn>
+                              </p:par>
+                            </p:childTnLst>
+                          </p:cTn>
+                        </p:par>
+                        <p:par>
+                          <p:cTn id="22" fill="hold" nodeType="afterGroup">
+                            <p:stCondLst>
+                              <p:cond delay="3000"/>
+                            </p:stCondLst>
+                            <p:childTnLst>
+                              <p:par>
+                                <p:cTn id="23" presetID="1" presetClass="entr" presetSubtype="0" fill="hold" nodeType="afterEffect">
+                                  <p:stCondLst>
+                                    <p:cond delay="0"/>
+                                  </p:stCondLst>
+                                  <p:childTnLst>
+                                    <p:set>
+                                      <p:cBhvr>
+                                        <p:cTn id="24" dur="1" fill="hold">
+                                          <p:stCondLst>
+                                            <p:cond delay="499"/>
+                                          </p:stCondLst>
+                                        </p:cTn>
+                                        <p:tgtEl>
+                                          <p:spTgt spid="12302"/>
+                                        </p:tgtEl>
+                                        <p:attrNameLst>
+                                          <p:attrName>style.visibility</p:attrName>
+                                        </p:attrNameLst>
+                                      </p:cBhvr>
+                                      <p:to>
+                                        <p:strVal val="visible"/>
+                                      </p:to>
+                                    </p:set>
+                                  </p:childTnLst>
+                                </p:cTn>
+                              </p:par>
+                            </p:childTnLst>
+                          </p:cTn>
+                        </p:par>
+                        <p:par>
+                          <p:cTn id="25" fill="hold" nodeType="afterGroup">
+                            <p:stCondLst>
+                              <p:cond delay="3500"/>
+                            </p:stCondLst>
+                            <p:childTnLst>
+                              <p:par>
+                                <p:cTn id="26" presetID="1" presetClass="entr" presetSubtype="0" fill="hold" nodeType="afterEffect">
+                                  <p:stCondLst>
+                                    <p:cond delay="0"/>
+                                  </p:stCondLst>
+                                  <p:childTnLst>
+                                    <p:set>
+                                      <p:cBhvr>
+                                        <p:cTn id="27" dur="1" fill="hold">
+                                          <p:stCondLst>
+                                            <p:cond delay="499"/>
+                                          </p:stCondLst>
+                                        </p:cTn>
+                                        <p:tgtEl>
+                                          <p:spTgt spid="12301"/>
+                                        </p:tgtEl>
+                                        <p:attrNameLst>
+                                          <p:attrName>style.visibility</p:attrName>
+                                        </p:attrNameLst>
+                                      </p:cBhvr>
+                                      <p:to>
+                                        <p:strVal val="visible"/>
+                                      </p:to>
+                                    </p:set>
+                                  </p:childTnLst>
+                                </p:cTn>
+                              </p:par>
+                            </p:childTnLst>
+                          </p:cTn>
+                        </p:par>
+                      </p:childTnLst>
+                    </p:cTn>
+                  </p:par>
+                  <p:par>
+                    <p:cTn id="28" fill="hold" nodeType="clickPar">
+                      <p:stCondLst>
+                        <p:cond delay="indefinite"/>
+                      </p:stCondLst>
+                      <p:childTnLst>
+                        <p:par>
+                          <p:cTn id="29" fill="hold" nodeType="withGroup">
+                            <p:stCondLst>
+                              <p:cond delay="0"/>
+                            </p:stCondLst>
+                            <p:childTnLst>
+                              <p:par>
+                                <p:cTn id="30" presetID="1" presetClass="entr" presetSubtype="0" fill="hold" nodeType="clickEffect">
+                                  <p:stCondLst>
+                                    <p:cond delay="0"/>
+                                  </p:stCondLst>
+                                  <p:childTnLst>
+                                    <p:set>
+                                      <p:cBhvr>
+                                        <p:cTn id="31" dur="1" fill="hold">
+                                          <p:stCondLst>
+                                            <p:cond delay="499"/>
+                                          </p:stCondLst>
+                                        </p:cTn>
+                                        <p:tgtEl>
+                                          <p:spTgt spid="12295"/>
+                                        </p:tgtEl>
+                                        <p:attrNameLst>
+                                          <p:attrName>style.visibility</p:attrName>
+                                        </p:attrNameLst>
+                                      </p:cBhvr>
+                                      <p:to>
+                                        <p:strVal val="visible"/>
+                                      </p:to>
+                                    </p:set>
+                                  </p:childTnLst>
+                                </p:cTn>
+                              </p:par>
+                            </p:childTnLst>
+                          </p:cTn>
+                        </p:par>
+                      </p:childTnLst>
+                    </p:cTn>
+                  </p:par>
+                  <p:par>
+                    <p:cTn id="32" fill="hold" nodeType="clickPar">
+                      <p:stCondLst>
+                        <p:cond delay="indefinite"/>
+                      </p:stCondLst>
+                      <p:childTnLst>
+                        <p:par>
+                          <p:cTn id="33" fill="hold" nodeType="withGroup">
+                            <p:stCondLst>
+                              <p:cond delay="0"/>
+                            </p:stCondLst>
+                            <p:childTnLst>
+                              <p:par>
+                                <p:cTn id="34" presetID="1" presetClass="entr" presetSubtype="0" fill="hold" nodeType="clickEffect">
+                                  <p:stCondLst>
+                                    <p:cond delay="0"/>
+                                  </p:stCondLst>
+                                  <p:childTnLst>
+                                    <p:set>
+                                      <p:cBhvr>
+                                        <p:cTn id="35" dur="1" fill="hold">
+                                          <p:stCondLst>
+                                            <p:cond delay="499"/>
+                                          </p:stCondLst>
+                                        </p:cTn>
+                                        <p:tgtEl>
+                                          <p:spTgt spid="12303"/>
+                                        </p:tgtEl>
+                                        <p:attrNameLst>
+                                          <p:attrName>style.visibility</p:attrName>
+                                        </p:attrNameLst>
+                                      </p:cBhvr>
+                                      <p:to>
+                                        <p:strVal val="visible"/>
+                                      </p:to>
+                                    </p:set>
+                                  </p:childTnLst>
+                                </p:cTn>
+                              </p:par>
+                            </p:childTnLst>
+                          </p:cTn>
+                        </p:par>
+                      </p:childTnLst>
+                    </p:cTn>
+                  </p:par>
+                </p:childTnLst>
+              </p:cTn>
+              <p:prevCondLst>
+                <p:cond evt="onPrev" delay="0">
+                  <p:tgtEl>
+                    <p:sldTgt/>
+                  </p:tgtEl>
+                </p:cond>
+              </p:prevCondLst>
+              <p:nextCondLst>
+                <p:cond evt="onNext" delay="0">
+                  <p:tgtEl>
+                    <p:sldTgt/>
+                  </p:tgtEl>
+                </p:cond>
+              </p:nextCondLst>
+            </p:seq>
+          </p:childTnLst>
+        </p:cTn>
+      </p:par>
+    </p:tnLst>
+  </p:timing>
+</p:sld>
+</file>
+
+<file path=ppt/slides/slide40.xml><?xml version="1.0" encoding="utf-8"?>
+<p:sld xmlns:a="http://schemas.openxmlformats.org/drawingml/2006/main" xmlns:r="http://schemas.openxmlformats.org/officeDocument/2006/relationships" xmlns:p="http://schemas.openxmlformats.org/presentationml/2006/main">
+  <p:cSld>
+    <p:spTree>
+      <p:nvGrpSpPr>
+        <p:cNvPr id="1" name=""/>
+        <p:cNvGrpSpPr/>
+        <p:nvPr/>
+      </p:nvGrpSpPr>
+      <p:grpSpPr>
+        <a:xfrm>
+          <a:off x="0" y="0"/>
+          <a:ext cx="0" cy="0"/>
+          <a:chOff x="0" y="0"/>
+          <a:chExt cx="0" cy="0"/>
+        </a:xfrm>
+      </p:grpSpPr>
+      <p:sp>
+        <p:nvSpPr>
           <p:cNvPr id="2" name="标题 1">
             <a:extLst>
               <a:ext uri="{FF2B5EF4-FFF2-40B4-BE49-F238E27FC236}">
-                <a16:creationId xmlns:a16="http://schemas.microsoft.com/office/drawing/2014/main" id="{BB57C4FC-83F0-4719-9F48-1E77681A1AFC}"/>
+                <a16:creationId xmlns:a16="http://schemas.microsoft.com/office/drawing/2014/main" id="{EA2597E7-F3FA-44CB-BE18-3DDF488744DE}"/>
               </a:ext>
             </a:extLst>
           </p:cNvPr>
@@ -9648,12 +12708,8 @@
           <a:lstStyle/>
           <a:p>
             <a:r>
-              <a:rPr lang="en-US" altLang="zh-CN"/>
-              <a:t>K-NN</a:t>
-            </a:r>
-            <a:r>
               <a:rPr lang="zh-CN" altLang="en-US"/>
-              <a:t>思想</a:t>
+              <a:t>谢谢！</a:t>
             </a:r>
           </a:p>
         </p:txBody>
@@ -9663,7 +12719,7 @@
           <p:cNvPr id="3" name="内容占位符 2">
             <a:extLst>
               <a:ext uri="{FF2B5EF4-FFF2-40B4-BE49-F238E27FC236}">
-                <a16:creationId xmlns:a16="http://schemas.microsoft.com/office/drawing/2014/main" id="{A43336B9-F9A3-4283-9418-EC15AA3A08DF}"/>
+                <a16:creationId xmlns:a16="http://schemas.microsoft.com/office/drawing/2014/main" id="{B5EA5B51-293D-4E3E-8820-1D67DCB27516}"/>
               </a:ext>
             </a:extLst>
           </p:cNvPr>
@@ -9676,65 +12732,21 @@
         </p:nvSpPr>
         <p:spPr/>
         <p:txBody>
-          <a:bodyPr>
-            <a:normAutofit/>
-          </a:bodyPr>
-          <a:lstStyle/>
-          <a:p>
-            <a:r>
-              <a:rPr lang="zh-CN" altLang="en-US" sz="2400"/>
-              <a:t>你的一切属性</a:t>
-            </a:r>
-            <a:r>
-              <a:rPr lang="en-US" altLang="zh-CN" sz="2400"/>
-              <a:t>~</a:t>
-            </a:r>
-            <a:r>
-              <a:rPr lang="zh-CN" altLang="en-US" sz="2400"/>
-              <a:t>与你关系最好的五个人的属性的平均值</a:t>
-            </a:r>
-            <a:endParaRPr lang="en-US" altLang="zh-CN" sz="2400"/>
-          </a:p>
-          <a:p>
-            <a:r>
-              <a:rPr lang="zh-CN" altLang="en-US" sz="2400"/>
-              <a:t>性别</a:t>
-            </a:r>
-            <a:endParaRPr lang="en-US" altLang="zh-CN" sz="2400"/>
-          </a:p>
-          <a:p>
-            <a:r>
-              <a:rPr lang="zh-CN" altLang="en-US" sz="2400"/>
-              <a:t>年龄</a:t>
-            </a:r>
-            <a:endParaRPr lang="en-US" altLang="zh-CN" sz="2400"/>
-          </a:p>
-          <a:p>
-            <a:r>
-              <a:rPr lang="zh-CN" altLang="en-US" sz="2400"/>
-              <a:t>价值观</a:t>
-            </a:r>
-            <a:endParaRPr lang="en-US" altLang="zh-CN" sz="2400"/>
-          </a:p>
-          <a:p>
-            <a:r>
-              <a:rPr lang="zh-CN" altLang="en-US" sz="2400"/>
-              <a:t>高考成绩</a:t>
-            </a:r>
-            <a:endParaRPr lang="en-US" altLang="zh-CN" sz="2400"/>
-          </a:p>
-          <a:p>
-            <a:endParaRPr lang="en-US" altLang="zh-CN" sz="2400"/>
-          </a:p>
-          <a:p>
-            <a:endParaRPr lang="zh-CN" altLang="en-US" sz="2400"/>
+          <a:bodyPr/>
+          <a:lstStyle/>
+          <a:p>
+            <a:r>
+              <a:rPr lang="zh-CN" altLang="en-US" sz="5400"/>
+              <a:t>提问！</a:t>
+            </a:r>
+            <a:endParaRPr lang="zh-CN" altLang="en-US"/>
           </a:p>
         </p:txBody>
       </p:sp>
     </p:spTree>
     <p:extLst>
       <p:ext uri="{BB962C8B-B14F-4D97-AF65-F5344CB8AC3E}">
-        <p14:creationId xmlns:p14="http://schemas.microsoft.com/office/powerpoint/2010/main" val="3846312837"/>
+        <p14:creationId xmlns:p14="http://schemas.microsoft.com/office/powerpoint/2010/main" val="2285362836"/>
       </p:ext>
     </p:extLst>
   </p:cSld>
@@ -9763,10 +12775,10 @@
       </p:grpSpPr>
       <p:sp>
         <p:nvSpPr>
-          <p:cNvPr id="2" name="标题 1">
+          <p:cNvPr id="24577" name="Title 1">
             <a:extLst>
               <a:ext uri="{FF2B5EF4-FFF2-40B4-BE49-F238E27FC236}">
-                <a16:creationId xmlns:a16="http://schemas.microsoft.com/office/drawing/2014/main" id="{AAA54C2B-8862-44EF-9201-1ACBCAEEAA2E}"/>
+                <a16:creationId xmlns:a16="http://schemas.microsoft.com/office/drawing/2014/main" id="{373503A2-DF92-4CC0-B4EC-16E2D453A013}"/>
               </a:ext>
             </a:extLst>
           </p:cNvPr>
@@ -9777,122 +12789,121 @@
             <p:ph type="title"/>
           </p:nvPr>
         </p:nvSpPr>
-        <p:spPr/>
-        <p:txBody>
-          <a:bodyPr/>
-          <a:lstStyle/>
-          <a:p>
-            <a:r>
-              <a:rPr lang="en-US" altLang="zh-CN"/>
+        <p:spPr bwMode="auto">
+          <a:noFill/>
+          <a:extLst>
+            <a:ext uri="{909E8E84-426E-40DD-AFC4-6F175D3DCCD1}">
+              <a14:hiddenFill xmlns:a14="http://schemas.microsoft.com/office/drawing/2010/main">
+                <a:solidFill>
+                  <a:srgbClr val="FFFFFF"/>
+                </a:solidFill>
+              </a14:hiddenFill>
+            </a:ext>
+            <a:ext uri="{91240B29-F687-4F45-9708-019B960494DF}">
+              <a14:hiddenLine xmlns:a14="http://schemas.microsoft.com/office/drawing/2010/main" w="9525">
+                <a:solidFill>
+                  <a:srgbClr val="000000"/>
+                </a:solidFill>
+                <a:miter lim="800000"/>
+                <a:headEnd/>
+                <a:tailEnd/>
+              </a14:hiddenLine>
+            </a:ext>
+          </a:extLst>
+        </p:spPr>
+        <p:txBody>
+          <a:bodyPr vert="horz" wrap="square" lIns="91440" tIns="45720" rIns="91440" bIns="45720" numCol="1" rtlCol="0" anchor="t" anchorCtr="0" compatLnSpc="1">
+            <a:prstTxWarp prst="textNoShape">
+              <a:avLst/>
+            </a:prstTxWarp>
+            <a:normAutofit/>
+          </a:bodyPr>
+          <a:lstStyle/>
+          <a:p>
+            <a:pPr eaLnBrk="1" hangingPunct="1"/>
+            <a:r>
+              <a:rPr lang="en-US" altLang="zh-CN" dirty="0"/>
               <a:t>K-NN</a:t>
             </a:r>
             <a:r>
-              <a:rPr lang="zh-CN" altLang="en-US"/>
-              <a:t>算法</a:t>
-            </a:r>
-          </a:p>
-        </p:txBody>
-      </p:sp>
-      <p:sp>
-        <p:nvSpPr>
-          <p:cNvPr id="3" name="内容占位符 2">
+              <a:rPr lang="zh-CN" altLang="en-US" dirty="0"/>
+              <a:t>分割了空间</a:t>
+            </a:r>
+            <a:endParaRPr lang="en-US" altLang="zh-CN" dirty="0"/>
+          </a:p>
+        </p:txBody>
+      </p:sp>
+      <p:pic>
+        <p:nvPicPr>
+          <p:cNvPr id="6" name="Picture 5">
             <a:extLst>
               <a:ext uri="{FF2B5EF4-FFF2-40B4-BE49-F238E27FC236}">
-                <a16:creationId xmlns:a16="http://schemas.microsoft.com/office/drawing/2014/main" id="{53D96040-A57C-4D69-AC29-33E76139E74B}"/>
+                <a16:creationId xmlns:a16="http://schemas.microsoft.com/office/drawing/2014/main" id="{934163CF-2284-4852-AD3F-4A18A903E4AB}"/>
               </a:ext>
             </a:extLst>
           </p:cNvPr>
-          <p:cNvSpPr>
-            <a:spLocks noGrp="1"/>
-          </p:cNvSpPr>
-          <p:nvPr>
-            <p:ph idx="1"/>
-          </p:nvPr>
-        </p:nvSpPr>
-        <p:spPr/>
-        <p:txBody>
-          <a:bodyPr>
-            <a:normAutofit/>
-          </a:bodyPr>
-          <a:lstStyle/>
-          <a:p>
-            <a:pPr>
-              <a:buFont typeface="+mj-lt"/>
-              <a:buAutoNum type="arabicPeriod"/>
-            </a:pPr>
-            <a:r>
-              <a:rPr lang="zh-CN" altLang="en-US" sz="2400"/>
-              <a:t>定一个距离或者相似度</a:t>
-            </a:r>
-            <a:endParaRPr lang="en-US" altLang="zh-CN" sz="2400"/>
-          </a:p>
-          <a:p>
-            <a:pPr>
-              <a:buFont typeface="+mj-lt"/>
-              <a:buAutoNum type="arabicPeriod"/>
-            </a:pPr>
-            <a:endParaRPr lang="en-US" altLang="zh-CN" sz="2400"/>
-          </a:p>
-          <a:p>
-            <a:pPr>
-              <a:buFont typeface="+mj-lt"/>
-              <a:buAutoNum type="arabicPeriod"/>
-            </a:pPr>
-            <a:r>
-              <a:rPr lang="zh-CN" altLang="en-US" sz="2400"/>
-              <a:t>在训练样本</a:t>
-            </a:r>
-            <a:r>
-              <a:rPr lang="en-US" altLang="zh-CN" sz="2400"/>
-              <a:t>(</a:t>
-            </a:r>
-            <a:r>
-              <a:rPr lang="zh-CN" altLang="en-US" sz="2400"/>
-              <a:t>数据库）中找到</a:t>
-            </a:r>
-            <a:r>
-              <a:rPr lang="en-US" altLang="zh-CN" sz="2400"/>
-              <a:t>k</a:t>
-            </a:r>
-            <a:r>
-              <a:rPr lang="zh-CN" altLang="en-US" sz="2400"/>
-              <a:t>个最近的样本</a:t>
-            </a:r>
-            <a:endParaRPr lang="en-US" altLang="zh-CN" sz="2400"/>
-          </a:p>
-          <a:p>
-            <a:pPr>
-              <a:buFont typeface="+mj-lt"/>
-              <a:buAutoNum type="arabicPeriod"/>
-            </a:pPr>
-            <a:endParaRPr lang="en-US" altLang="zh-CN" sz="2400"/>
-          </a:p>
-          <a:p>
-            <a:pPr>
-              <a:buFont typeface="+mj-lt"/>
-              <a:buAutoNum type="arabicPeriod"/>
-            </a:pPr>
-            <a:r>
-              <a:rPr lang="zh-CN" altLang="en-US" sz="2400"/>
-              <a:t>对于</a:t>
-            </a:r>
-            <a:r>
-              <a:rPr lang="en-US" altLang="zh-CN" sz="2400"/>
-              <a:t>k</a:t>
-            </a:r>
-            <a:r>
-              <a:rPr lang="zh-CN" altLang="en-US" sz="2400"/>
-              <a:t>个邻居，在预测变量上进行平均</a:t>
-            </a:r>
-          </a:p>
-        </p:txBody>
-      </p:sp>
+          <p:cNvPicPr>
+            <a:picLocks noChangeAspect="1" noChangeArrowheads="1"/>
+          </p:cNvPicPr>
+          <p:nvPr/>
+        </p:nvPicPr>
+        <p:blipFill>
+          <a:blip r:embed="rId2">
+            <a:extLst>
+              <a:ext uri="{28A0092B-C50C-407E-A947-70E740481C1C}">
+                <a14:useLocalDpi xmlns:a14="http://schemas.microsoft.com/office/drawing/2010/main" val="0"/>
+              </a:ext>
+            </a:extLst>
+          </a:blip>
+          <a:srcRect/>
+          <a:stretch>
+            <a:fillRect/>
+          </a:stretch>
+        </p:blipFill>
+        <p:spPr bwMode="auto">
+          <a:xfrm>
+            <a:off x="677334" y="1370815"/>
+            <a:ext cx="5358352" cy="5358352"/>
+          </a:xfrm>
+          <a:prstGeom prst="rect">
+            <a:avLst/>
+          </a:prstGeom>
+          <a:noFill/>
+          <a:ln>
+            <a:noFill/>
+          </a:ln>
+          <a:effectLst/>
+          <a:extLst>
+            <a:ext uri="{909E8E84-426E-40DD-AFC4-6F175D3DCCD1}">
+              <a14:hiddenFill xmlns:a14="http://schemas.microsoft.com/office/drawing/2010/main">
+                <a:solidFill>
+                  <a:schemeClr val="accent1"/>
+                </a:solidFill>
+              </a14:hiddenFill>
+            </a:ext>
+            <a:ext uri="{91240B29-F687-4F45-9708-019B960494DF}">
+              <a14:hiddenLine xmlns:a14="http://schemas.microsoft.com/office/drawing/2010/main" w="9525" algn="ctr">
+                <a:solidFill>
+                  <a:srgbClr val="FF3300"/>
+                </a:solidFill>
+                <a:miter lim="800000"/>
+                <a:headEnd/>
+                <a:tailEnd/>
+              </a14:hiddenLine>
+            </a:ext>
+            <a:ext uri="{AF507438-7753-43E0-B8FC-AC1667EBCBE1}">
+              <a14:hiddenEffects xmlns:a14="http://schemas.microsoft.com/office/drawing/2010/main">
+                <a:effectLst>
+                  <a:outerShdw dist="35921" dir="2700000" algn="ctr" rotWithShape="0">
+                    <a:schemeClr val="bg2"/>
+                  </a:outerShdw>
+                </a:effectLst>
+              </a14:hiddenEffects>
+            </a:ext>
+          </a:extLst>
+        </p:spPr>
+      </p:pic>
     </p:spTree>
-    <p:extLst>
-      <p:ext uri="{BB962C8B-B14F-4D97-AF65-F5344CB8AC3E}">
-        <p14:creationId xmlns:p14="http://schemas.microsoft.com/office/powerpoint/2010/main" val="645318452"/>
-      </p:ext>
-    </p:extLst>
   </p:cSld>
   <p:clrMapOvr>
     <a:masterClrMapping/>
@@ -9922,7 +12933,7 @@
           <p:cNvPr id="2" name="标题 1">
             <a:extLst>
               <a:ext uri="{FF2B5EF4-FFF2-40B4-BE49-F238E27FC236}">
-                <a16:creationId xmlns:a16="http://schemas.microsoft.com/office/drawing/2014/main" id="{631ED568-753F-4413-A065-839362D08567}"/>
+                <a16:creationId xmlns:a16="http://schemas.microsoft.com/office/drawing/2014/main" id="{6ABB22E4-15B2-4143-BD06-F95698C070DD}"/>
               </a:ext>
             </a:extLst>
           </p:cNvPr>
@@ -9939,8 +12950,16 @@
           <a:lstStyle/>
           <a:p>
             <a:r>
-              <a:rPr lang="zh-CN" altLang="en-US"/>
-              <a:t>定义一个距离</a:t>
+              <a:rPr lang="en-US" altLang="zh-CN" dirty="0" err="1"/>
+              <a:t>Knn</a:t>
+            </a:r>
+            <a:r>
+              <a:rPr lang="en-US" altLang="zh-CN" dirty="0"/>
+              <a:t> vs </a:t>
+            </a:r>
+            <a:r>
+              <a:rPr lang="zh-CN" altLang="en-US" dirty="0"/>
+              <a:t>回归</a:t>
             </a:r>
           </a:p>
         </p:txBody>
@@ -9950,7 +12969,7 @@
           <p:cNvPr id="3" name="内容占位符 2">
             <a:extLst>
               <a:ext uri="{FF2B5EF4-FFF2-40B4-BE49-F238E27FC236}">
-                <a16:creationId xmlns:a16="http://schemas.microsoft.com/office/drawing/2014/main" id="{25977FDF-B0B7-49A7-8E0A-46187894B5F6}"/>
+                <a16:creationId xmlns:a16="http://schemas.microsoft.com/office/drawing/2014/main" id="{B2CD4DCA-A9DA-42F5-AD4D-DFBD5E89BA8F}"/>
               </a:ext>
             </a:extLst>
           </p:cNvPr>
@@ -9963,127 +12982,75 @@
         </p:nvSpPr>
         <p:spPr/>
         <p:txBody>
-          <a:bodyPr>
-            <a:normAutofit lnSpcReduction="10000"/>
-          </a:bodyPr>
-          <a:lstStyle/>
-          <a:p>
-            <a:r>
-              <a:rPr lang="en-US" altLang="zh-CN" sz="2400"/>
-              <a:t>Distance Metric=C-Similarity</a:t>
-            </a:r>
-          </a:p>
-          <a:p>
-            <a:r>
-              <a:rPr lang="zh-CN" altLang="en-US" sz="2400"/>
-              <a:t>欧几里得距离（</a:t>
-            </a:r>
-            <a:r>
-              <a:rPr lang="en-US" altLang="zh-CN" sz="2400"/>
-              <a:t>Euclidean Distance</a:t>
-            </a:r>
-            <a:r>
-              <a:rPr lang="zh-CN" altLang="en-US" sz="2400"/>
-              <a:t>）</a:t>
-            </a:r>
-            <a:endParaRPr lang="en-US" altLang="zh-CN" sz="2400"/>
-          </a:p>
-          <a:p>
-            <a:r>
-              <a:rPr lang="zh-CN" altLang="en-US" sz="2400"/>
-              <a:t>曼哈顿距离（</a:t>
-            </a:r>
-            <a:r>
-              <a:rPr lang="en-US" altLang="zh-CN" sz="2400"/>
-              <a:t>Manhattan Distance</a:t>
-            </a:r>
-            <a:r>
-              <a:rPr lang="zh-CN" altLang="en-US" sz="2400"/>
-              <a:t>）</a:t>
-            </a:r>
-            <a:endParaRPr lang="en-US" altLang="zh-CN" sz="2400"/>
-          </a:p>
-          <a:p>
-            <a:r>
-              <a:rPr lang="zh-CN" altLang="en-US" sz="2400"/>
-              <a:t>切比雪夫距离（</a:t>
-            </a:r>
-            <a:r>
-              <a:rPr lang="en-US" altLang="zh-CN" sz="2400"/>
-              <a:t>Chebyshev Distance</a:t>
-            </a:r>
-            <a:r>
-              <a:rPr lang="zh-CN" altLang="en-US" sz="2400"/>
-              <a:t>）</a:t>
-            </a:r>
-            <a:endParaRPr lang="en-US" altLang="zh-CN" sz="2400"/>
-          </a:p>
-          <a:p>
-            <a:r>
-              <a:rPr lang="zh-CN" altLang="en-US" sz="2400"/>
-              <a:t>闵可夫斯基距离</a:t>
-            </a:r>
-            <a:r>
-              <a:rPr lang="en-US" altLang="zh-CN" sz="2400"/>
-              <a:t>(Minkowski Distance</a:t>
-            </a:r>
-            <a:r>
-              <a:rPr lang="zh-CN" altLang="en-US" sz="2400"/>
-              <a:t>）</a:t>
-            </a:r>
-            <a:endParaRPr lang="en-US" altLang="zh-CN" sz="2400"/>
-          </a:p>
-          <a:p>
-            <a:r>
-              <a:rPr lang="zh-CN" altLang="en-US" sz="2400"/>
-              <a:t>马氏距离（</a:t>
-            </a:r>
-            <a:r>
-              <a:rPr lang="en-US" altLang="zh-CN" sz="2400"/>
-              <a:t>Mahalanobis Distance</a:t>
-            </a:r>
-            <a:r>
-              <a:rPr lang="zh-CN" altLang="en-US" sz="2400"/>
-              <a:t>）</a:t>
-            </a:r>
-            <a:endParaRPr lang="en-US" altLang="zh-CN" sz="2400"/>
-          </a:p>
-          <a:p>
-            <a:r>
-              <a:rPr lang="zh-CN" altLang="en-US" sz="2400"/>
-              <a:t>海明距离（</a:t>
-            </a:r>
-            <a:r>
-              <a:rPr lang="en-US" altLang="zh-CN" sz="2400"/>
-              <a:t>Hamming Distance</a:t>
-            </a:r>
-            <a:r>
-              <a:rPr lang="zh-CN" altLang="en-US" sz="2400"/>
-              <a:t>）</a:t>
-            </a:r>
-            <a:endParaRPr lang="en-US" altLang="zh-CN" sz="2400"/>
-          </a:p>
-          <a:p>
-            <a:r>
-              <a:rPr lang="zh-CN" altLang="en-US" sz="2400"/>
-              <a:t>余弦相似度（</a:t>
-            </a:r>
-            <a:r>
-              <a:rPr lang="en-US" altLang="zh-CN" sz="2400"/>
-              <a:t>Cosine Similarity</a:t>
-            </a:r>
-            <a:r>
-              <a:rPr lang="zh-CN" altLang="en-US" sz="2400"/>
-              <a:t>）</a:t>
-            </a:r>
-            <a:endParaRPr lang="en-US" altLang="zh-CN" sz="2400"/>
+          <a:bodyPr/>
+          <a:lstStyle/>
+          <a:p>
+            <a:r>
+              <a:rPr lang="en-US" altLang="zh-CN" sz="2800" dirty="0" err="1"/>
+              <a:t>Knn</a:t>
+            </a:r>
+            <a:r>
+              <a:rPr lang="zh-CN" altLang="en-US" sz="2800" dirty="0"/>
+              <a:t>：依靠具体例子</a:t>
+            </a:r>
+            <a:endParaRPr lang="en-US" altLang="zh-CN" sz="2800" dirty="0"/>
+          </a:p>
+          <a:p>
+            <a:r>
+              <a:rPr lang="zh-CN" altLang="en-US" sz="2800" dirty="0"/>
+              <a:t>回归：形成规则</a:t>
+            </a:r>
+            <a:endParaRPr lang="en-US" altLang="zh-CN" sz="2800" dirty="0"/>
+          </a:p>
+          <a:p>
+            <a:r>
+              <a:rPr lang="zh-CN" altLang="en-US" sz="2800" dirty="0"/>
+              <a:t>优缺点：</a:t>
+            </a:r>
+            <a:r>
+              <a:rPr lang="en-US" altLang="zh-CN" sz="2800" dirty="0"/>
+              <a:t>KNN</a:t>
+            </a:r>
+            <a:r>
+              <a:rPr lang="zh-CN" altLang="en-US" sz="2800" dirty="0"/>
+              <a:t>无招胜有招，可以产生非线性决策</a:t>
+            </a:r>
+            <a:endParaRPr lang="en-US" altLang="zh-CN" sz="2800" dirty="0"/>
+          </a:p>
+          <a:p>
+            <a:r>
+              <a:rPr lang="zh-CN" altLang="en-US" sz="2800" dirty="0"/>
+              <a:t>回归：有招，可以产生简单的决策规则</a:t>
+            </a:r>
+            <a:endParaRPr lang="en-US" altLang="zh-CN" sz="2800" dirty="0"/>
+          </a:p>
+          <a:p>
+            <a:r>
+              <a:rPr lang="en-US" altLang="zh-CN" sz="2800" dirty="0" err="1"/>
+              <a:t>kNN</a:t>
+            </a:r>
+            <a:r>
+              <a:rPr lang="zh-CN" altLang="en-US" sz="2800" dirty="0"/>
+              <a:t>：决策方式类似英美法系判例</a:t>
+            </a:r>
+            <a:endParaRPr lang="en-US" altLang="zh-CN" sz="2800" dirty="0"/>
+          </a:p>
+          <a:p>
+            <a:r>
+              <a:rPr lang="zh-CN" altLang="en-US" sz="2800" dirty="0"/>
+              <a:t>回归：类似大陆法系的规则</a:t>
+            </a:r>
+            <a:endParaRPr lang="en-US" altLang="zh-CN" sz="2800" dirty="0"/>
+          </a:p>
+          <a:p>
+            <a:endParaRPr lang="en-US" altLang="zh-CN" dirty="0"/>
           </a:p>
         </p:txBody>
       </p:sp>
     </p:spTree>
     <p:extLst>
       <p:ext uri="{BB962C8B-B14F-4D97-AF65-F5344CB8AC3E}">
-        <p14:creationId xmlns:p14="http://schemas.microsoft.com/office/powerpoint/2010/main" val="1626670963"/>
+        <p14:creationId xmlns:p14="http://schemas.microsoft.com/office/powerpoint/2010/main" val="3415304686"/>
       </p:ext>
     </p:extLst>
   </p:cSld>
@@ -10115,7 +13082,7 @@
           <p:cNvPr id="2" name="标题 1">
             <a:extLst>
               <a:ext uri="{FF2B5EF4-FFF2-40B4-BE49-F238E27FC236}">
-                <a16:creationId xmlns:a16="http://schemas.microsoft.com/office/drawing/2014/main" id="{92FF38E3-4ACD-4E7D-9F1E-6BE8D007DECC}"/>
+                <a16:creationId xmlns:a16="http://schemas.microsoft.com/office/drawing/2014/main" id="{AAA54C2B-8862-44EF-9201-1ACBCAEEAA2E}"/>
               </a:ext>
             </a:extLst>
           </p:cNvPr>
@@ -10132,8 +13099,12 @@
           <a:lstStyle/>
           <a:p>
             <a:r>
+              <a:rPr lang="en-US" altLang="zh-CN"/>
+              <a:t>K-NN</a:t>
+            </a:r>
+            <a:r>
               <a:rPr lang="zh-CN" altLang="en-US"/>
-              <a:t>欧几里得距离</a:t>
+              <a:t>算法</a:t>
             </a:r>
           </a:p>
         </p:txBody>
@@ -10143,7 +13114,7 @@
           <p:cNvPr id="3" name="内容占位符 2">
             <a:extLst>
               <a:ext uri="{FF2B5EF4-FFF2-40B4-BE49-F238E27FC236}">
-                <a16:creationId xmlns:a16="http://schemas.microsoft.com/office/drawing/2014/main" id="{7F8B5A17-6EAE-44A5-AC91-B6F8EC4DAED0}"/>
+                <a16:creationId xmlns:a16="http://schemas.microsoft.com/office/drawing/2014/main" id="{53D96040-A57C-4D69-AC29-33E76139E74B}"/>
               </a:ext>
             </a:extLst>
           </p:cNvPr>
@@ -10161,67 +13132,73 @@
           </a:bodyPr>
           <a:lstStyle/>
           <a:p>
-            <a:r>
-              <a:rPr lang="en-US" altLang="zh-CN" sz="3600"/>
-              <a:t>d(x,y)=</a:t>
-            </a:r>
-            <a:r>
-              <a:rPr lang="es-ES" altLang="zh-CN" sz="3600"/>
-              <a:t>sqrt(sum((x - y)^2))</a:t>
-            </a:r>
-          </a:p>
-          <a:p>
-            <a:endParaRPr lang="es-ES" altLang="zh-CN" sz="2400"/>
-          </a:p>
-          <a:p>
+            <a:pPr>
+              <a:buFont typeface="+mj-lt"/>
+              <a:buAutoNum type="arabicPeriod"/>
+            </a:pPr>
             <a:r>
               <a:rPr lang="zh-CN" altLang="en-US" sz="2400"/>
-              <a:t>最常用的距离</a:t>
+              <a:t>定一个距离或者相似度</a:t>
             </a:r>
             <a:endParaRPr lang="en-US" altLang="zh-CN" sz="2400"/>
           </a:p>
           <a:p>
+            <a:pPr>
+              <a:buFont typeface="+mj-lt"/>
+              <a:buAutoNum type="arabicPeriod"/>
+            </a:pPr>
             <a:endParaRPr lang="en-US" altLang="zh-CN" sz="2400"/>
           </a:p>
           <a:p>
+            <a:pPr>
+              <a:buFont typeface="+mj-lt"/>
+              <a:buAutoNum type="arabicPeriod"/>
+            </a:pPr>
             <a:r>
               <a:rPr lang="zh-CN" altLang="en-US" sz="2400"/>
-              <a:t>使用之前要先对数据进行标准化</a:t>
+              <a:t>在训练样本</a:t>
+            </a:r>
+            <a:r>
+              <a:rPr lang="en-US" altLang="zh-CN" sz="2400"/>
+              <a:t>(</a:t>
+            </a:r>
+            <a:r>
+              <a:rPr lang="zh-CN" altLang="en-US" sz="2400"/>
+              <a:t>数据库）中找到</a:t>
+            </a:r>
+            <a:r>
+              <a:rPr lang="en-US" altLang="zh-CN" sz="2400"/>
+              <a:t>k</a:t>
+            </a:r>
+            <a:r>
+              <a:rPr lang="zh-CN" altLang="en-US" sz="2400"/>
+              <a:t>个最近的样本</a:t>
             </a:r>
             <a:endParaRPr lang="en-US" altLang="zh-CN" sz="2400"/>
           </a:p>
           <a:p>
+            <a:pPr>
+              <a:buFont typeface="+mj-lt"/>
+              <a:buAutoNum type="arabicPeriod"/>
+            </a:pPr>
+            <a:endParaRPr lang="en-US" altLang="zh-CN" sz="2400"/>
+          </a:p>
+          <a:p>
+            <a:pPr>
+              <a:buFont typeface="+mj-lt"/>
+              <a:buAutoNum type="arabicPeriod"/>
+            </a:pPr>
+            <a:r>
+              <a:rPr lang="zh-CN" altLang="en-US" sz="2400"/>
+              <a:t>对于</a:t>
+            </a:r>
             <a:r>
               <a:rPr lang="en-US" altLang="zh-CN" sz="2400"/>
-              <a:t>X</a:t>
+              <a:t>k</a:t>
             </a:r>
             <a:r>
               <a:rPr lang="zh-CN" altLang="en-US" sz="2400"/>
-              <a:t>标化</a:t>
-            </a:r>
-            <a:r>
-              <a:rPr lang="en-US" altLang="zh-CN" sz="2400"/>
-              <a:t>=</a:t>
-            </a:r>
-            <a:r>
-              <a:rPr lang="zh-CN" altLang="en-US" sz="2400"/>
-              <a:t>（</a:t>
-            </a:r>
-            <a:r>
-              <a:rPr lang="en-US" altLang="zh-CN" sz="2400"/>
-              <a:t>X-</a:t>
-            </a:r>
-            <a:r>
-              <a:rPr lang="zh-CN" altLang="en-US" sz="2400"/>
-              <a:t>均值）</a:t>
-            </a:r>
-            <a:r>
-              <a:rPr lang="en-US" altLang="zh-CN" sz="2400"/>
-              <a:t>/</a:t>
-            </a:r>
-            <a:r>
-              <a:rPr lang="zh-CN" altLang="en-US" sz="2400"/>
-              <a:t>标准差</a:t>
+              <a:t>个邻居，在预测变量上进行平均</a:t>
             </a:r>
           </a:p>
         </p:txBody>
@@ -10229,7 +13206,7 @@
     </p:spTree>
     <p:extLst>
       <p:ext uri="{BB962C8B-B14F-4D97-AF65-F5344CB8AC3E}">
-        <p14:creationId xmlns:p14="http://schemas.microsoft.com/office/powerpoint/2010/main" val="271432871"/>
+        <p14:creationId xmlns:p14="http://schemas.microsoft.com/office/powerpoint/2010/main" val="645318452"/>
       </p:ext>
     </p:extLst>
   </p:cSld>
@@ -10261,7 +13238,7 @@
           <p:cNvPr id="2" name="标题 1">
             <a:extLst>
               <a:ext uri="{FF2B5EF4-FFF2-40B4-BE49-F238E27FC236}">
-                <a16:creationId xmlns:a16="http://schemas.microsoft.com/office/drawing/2014/main" id="{C618B36F-061D-4F19-A913-26C796C7FB27}"/>
+                <a16:creationId xmlns:a16="http://schemas.microsoft.com/office/drawing/2014/main" id="{631ED568-753F-4413-A065-839362D08567}"/>
               </a:ext>
             </a:extLst>
           </p:cNvPr>
@@ -10279,7 +13256,7 @@
           <a:p>
             <a:r>
               <a:rPr lang="zh-CN" altLang="en-US"/>
-              <a:t>曼哈顿距离</a:t>
+              <a:t>定义一个距离</a:t>
             </a:r>
           </a:p>
         </p:txBody>
@@ -10289,7 +13266,7 @@
           <p:cNvPr id="3" name="内容占位符 2">
             <a:extLst>
               <a:ext uri="{FF2B5EF4-FFF2-40B4-BE49-F238E27FC236}">
-                <a16:creationId xmlns:a16="http://schemas.microsoft.com/office/drawing/2014/main" id="{E72AC4FB-732C-4B5A-9592-5D75F6754A64}"/>
+                <a16:creationId xmlns:a16="http://schemas.microsoft.com/office/drawing/2014/main" id="{25977FDF-B0B7-49A7-8E0A-46187894B5F6}"/>
               </a:ext>
             </a:extLst>
           </p:cNvPr>
@@ -10303,70 +13280,126 @@
         <p:spPr/>
         <p:txBody>
           <a:bodyPr>
-            <a:normAutofit/>
+            <a:normAutofit lnSpcReduction="10000"/>
           </a:bodyPr>
           <a:lstStyle/>
           <a:p>
             <a:r>
-              <a:rPr lang="en-US" altLang="zh-CN" sz="3600"/>
-              <a:t>d(x,y)= sum(|x - y|)</a:t>
-            </a:r>
-          </a:p>
-          <a:p>
-            <a:endParaRPr lang="en-US" altLang="zh-CN" sz="3600"/>
+              <a:rPr lang="en-US" altLang="zh-CN" sz="2400"/>
+              <a:t>Distance Metric=C-Similarity</a:t>
+            </a:r>
           </a:p>
           <a:p>
             <a:r>
               <a:rPr lang="zh-CN" altLang="en-US" sz="2400"/>
-              <a:t>北京的街道就是曼哈顿距离</a:t>
+              <a:t>欧几里得距离（</a:t>
+            </a:r>
+            <a:r>
+              <a:rPr lang="en-US" altLang="zh-CN" sz="2400"/>
+              <a:t>Euclidean Distance</a:t>
+            </a:r>
+            <a:r>
+              <a:rPr lang="zh-CN" altLang="en-US" sz="2400"/>
+              <a:t>）</a:t>
             </a:r>
             <a:endParaRPr lang="en-US" altLang="zh-CN" sz="2400"/>
           </a:p>
           <a:p>
+            <a:r>
+              <a:rPr lang="zh-CN" altLang="en-US" sz="2400"/>
+              <a:t>曼哈顿距离（</a:t>
+            </a:r>
+            <a:r>
+              <a:rPr lang="en-US" altLang="zh-CN" sz="2400"/>
+              <a:t>Manhattan Distance</a:t>
+            </a:r>
+            <a:r>
+              <a:rPr lang="zh-CN" altLang="en-US" sz="2400"/>
+              <a:t>）</a:t>
+            </a:r>
             <a:endParaRPr lang="en-US" altLang="zh-CN" sz="2400"/>
           </a:p>
-        </p:txBody>
-      </p:sp>
-      <p:pic>
-        <p:nvPicPr>
-          <p:cNvPr id="5" name="图片 4">
-            <a:extLst>
-              <a:ext uri="{FF2B5EF4-FFF2-40B4-BE49-F238E27FC236}">
-                <a16:creationId xmlns:a16="http://schemas.microsoft.com/office/drawing/2014/main" id="{C68AEB3C-8412-4185-A2C3-CA5E2DF94458}"/>
-              </a:ext>
-            </a:extLst>
-          </p:cNvPr>
-          <p:cNvPicPr>
-            <a:picLocks noChangeAspect="1"/>
-          </p:cNvPicPr>
-          <p:nvPr/>
-        </p:nvPicPr>
-        <p:blipFill>
-          <a:blip r:embed="rId2">
-            <a:extLst>
-              <a:ext uri="{28A0092B-C50C-407E-A947-70E740481C1C}">
-                <a14:useLocalDpi xmlns:a14="http://schemas.microsoft.com/office/drawing/2010/main" val="0"/>
-              </a:ext>
-            </a:extLst>
-          </a:blip>
-          <a:stretch>
-            <a:fillRect/>
-          </a:stretch>
-        </p:blipFill>
-        <p:spPr>
-          <a:xfrm>
-            <a:off x="5149742" y="3214260"/>
-            <a:ext cx="3594100" cy="3594100"/>
-          </a:xfrm>
-          <a:prstGeom prst="rect">
-            <a:avLst/>
-          </a:prstGeom>
-        </p:spPr>
-      </p:pic>
+          <a:p>
+            <a:r>
+              <a:rPr lang="zh-CN" altLang="en-US" sz="2400"/>
+              <a:t>切比雪夫距离（</a:t>
+            </a:r>
+            <a:r>
+              <a:rPr lang="en-US" altLang="zh-CN" sz="2400"/>
+              <a:t>Chebyshev Distance</a:t>
+            </a:r>
+            <a:r>
+              <a:rPr lang="zh-CN" altLang="en-US" sz="2400"/>
+              <a:t>）</a:t>
+            </a:r>
+            <a:endParaRPr lang="en-US" altLang="zh-CN" sz="2400"/>
+          </a:p>
+          <a:p>
+            <a:r>
+              <a:rPr lang="zh-CN" altLang="en-US" sz="2400"/>
+              <a:t>闵可夫斯基距离</a:t>
+            </a:r>
+            <a:r>
+              <a:rPr lang="en-US" altLang="zh-CN" sz="2400"/>
+              <a:t>(Minkowski Distance</a:t>
+            </a:r>
+            <a:r>
+              <a:rPr lang="zh-CN" altLang="en-US" sz="2400"/>
+              <a:t>）</a:t>
+            </a:r>
+            <a:endParaRPr lang="en-US" altLang="zh-CN" sz="2400"/>
+          </a:p>
+          <a:p>
+            <a:r>
+              <a:rPr lang="zh-CN" altLang="en-US" sz="2400"/>
+              <a:t>马氏距离（</a:t>
+            </a:r>
+            <a:r>
+              <a:rPr lang="en-US" altLang="zh-CN" sz="2400"/>
+              <a:t>Mahalanobis Distance</a:t>
+            </a:r>
+            <a:r>
+              <a:rPr lang="zh-CN" altLang="en-US" sz="2400"/>
+              <a:t>）</a:t>
+            </a:r>
+            <a:endParaRPr lang="en-US" altLang="zh-CN" sz="2400"/>
+          </a:p>
+          <a:p>
+            <a:r>
+              <a:rPr lang="zh-CN" altLang="en-US" sz="2400"/>
+              <a:t>海明距离（</a:t>
+            </a:r>
+            <a:r>
+              <a:rPr lang="en-US" altLang="zh-CN" sz="2400"/>
+              <a:t>Hamming Distance</a:t>
+            </a:r>
+            <a:r>
+              <a:rPr lang="zh-CN" altLang="en-US" sz="2400"/>
+              <a:t>）</a:t>
+            </a:r>
+            <a:endParaRPr lang="en-US" altLang="zh-CN" sz="2400"/>
+          </a:p>
+          <a:p>
+            <a:r>
+              <a:rPr lang="zh-CN" altLang="en-US" sz="2400"/>
+              <a:t>余弦相似度（</a:t>
+            </a:r>
+            <a:r>
+              <a:rPr lang="en-US" altLang="zh-CN" sz="2400"/>
+              <a:t>Cosine Similarity</a:t>
+            </a:r>
+            <a:r>
+              <a:rPr lang="zh-CN" altLang="en-US" sz="2400"/>
+              <a:t>）</a:t>
+            </a:r>
+            <a:endParaRPr lang="en-US" altLang="zh-CN" sz="2400"/>
+          </a:p>
+        </p:txBody>
+      </p:sp>
     </p:spTree>
     <p:extLst>
       <p:ext uri="{BB962C8B-B14F-4D97-AF65-F5344CB8AC3E}">
-        <p14:creationId xmlns:p14="http://schemas.microsoft.com/office/powerpoint/2010/main" val="2461284643"/>
+        <p14:creationId xmlns:p14="http://schemas.microsoft.com/office/powerpoint/2010/main" val="1626670963"/>
       </p:ext>
     </p:extLst>
   </p:cSld>
@@ -10398,7 +13431,7 @@
           <p:cNvPr id="2" name="标题 1">
             <a:extLst>
               <a:ext uri="{FF2B5EF4-FFF2-40B4-BE49-F238E27FC236}">
-                <a16:creationId xmlns:a16="http://schemas.microsoft.com/office/drawing/2014/main" id="{7B5BCE15-EEE1-42DD-8BC7-4472ABE72279}"/>
+                <a16:creationId xmlns:a16="http://schemas.microsoft.com/office/drawing/2014/main" id="{92FF38E3-4ACD-4E7D-9F1E-6BE8D007DECC}"/>
               </a:ext>
             </a:extLst>
           </p:cNvPr>
@@ -10416,7 +13449,7 @@
           <a:p>
             <a:r>
               <a:rPr lang="zh-CN" altLang="en-US"/>
-              <a:t>切比雪夫距离</a:t>
+              <a:t>欧几里得距离</a:t>
             </a:r>
           </a:p>
         </p:txBody>
@@ -10426,7 +13459,7 @@
           <p:cNvPr id="3" name="内容占位符 2">
             <a:extLst>
               <a:ext uri="{FF2B5EF4-FFF2-40B4-BE49-F238E27FC236}">
-                <a16:creationId xmlns:a16="http://schemas.microsoft.com/office/drawing/2014/main" id="{A6E5BF95-4583-41DC-9666-4A5EC4CB06A4}"/>
+                <a16:creationId xmlns:a16="http://schemas.microsoft.com/office/drawing/2014/main" id="{7F8B5A17-6EAE-44A5-AC91-B6F8EC4DAED0}"/>
               </a:ext>
             </a:extLst>
           </p:cNvPr>
@@ -10439,123 +13472,80 @@
         </p:nvSpPr>
         <p:spPr/>
         <p:txBody>
-          <a:bodyPr/>
+          <a:bodyPr>
+            <a:normAutofit/>
+          </a:bodyPr>
           <a:lstStyle/>
           <a:p>
             <a:r>
               <a:rPr lang="en-US" altLang="zh-CN" sz="3600"/>
-              <a:t>d(x,y)=max(|x - y|)</a:t>
-            </a:r>
-          </a:p>
-          <a:p>
-            <a:endParaRPr lang="en-US" altLang="zh-CN"/>
+              <a:t>d(x,y)=</a:t>
+            </a:r>
+            <a:r>
+              <a:rPr lang="es-ES" altLang="zh-CN" sz="3600"/>
+              <a:t>sqrt(sum((x - y)^2))</a:t>
+            </a:r>
+          </a:p>
+          <a:p>
+            <a:endParaRPr lang="es-ES" altLang="zh-CN" sz="2400"/>
           </a:p>
           <a:p>
             <a:r>
               <a:rPr lang="zh-CN" altLang="en-US" sz="2400"/>
-              <a:t>“格”线性回归 </a:t>
-            </a:r>
+              <a:t>最常用的距离</a:t>
+            </a:r>
+            <a:endParaRPr lang="en-US" altLang="zh-CN" sz="2400"/>
+          </a:p>
+          <a:p>
+            <a:endParaRPr lang="en-US" altLang="zh-CN" sz="2400"/>
+          </a:p>
+          <a:p>
+            <a:r>
+              <a:rPr lang="zh-CN" altLang="en-US" sz="2400"/>
+              <a:t>使用之前要先对数据进行标准化</a:t>
+            </a:r>
+            <a:endParaRPr lang="en-US" altLang="zh-CN" sz="2400"/>
+          </a:p>
+          <a:p>
             <a:r>
               <a:rPr lang="en-US" altLang="zh-CN" sz="2400"/>
-              <a:t>=&gt; “</a:t>
+              <a:t>X</a:t>
             </a:r>
             <a:r>
               <a:rPr lang="zh-CN" altLang="en-US" sz="2400"/>
-              <a:t>姚明回归</a:t>
+              <a:t>标化</a:t>
             </a:r>
             <a:r>
               <a:rPr lang="en-US" altLang="zh-CN" sz="2400"/>
-              <a:t>”</a:t>
-            </a:r>
-          </a:p>
-          <a:p>
-            <a:endParaRPr lang="en-US" altLang="zh-CN" sz="2400"/>
-          </a:p>
-          <a:p>
+              <a:t>=</a:t>
+            </a:r>
+            <a:r>
+              <a:rPr lang="zh-CN" altLang="en-US" sz="2400"/>
+              <a:t>（</a:t>
+            </a:r>
             <a:r>
               <a:rPr lang="en-US" altLang="zh-CN" sz="2400"/>
-              <a:t>Y=max(w1*x1+b1,w2*x2+b2,…,wn*xn+bn)</a:t>
-            </a:r>
-          </a:p>
-          <a:p>
-            <a:endParaRPr lang="en-US" altLang="zh-CN" sz="2400"/>
-          </a:p>
-          <a:p>
+              <a:t>X-</a:t>
+            </a:r>
             <a:r>
               <a:rPr lang="zh-CN" altLang="en-US" sz="2400"/>
-              <a:t>谁承担责任</a:t>
+              <a:t>均值）</a:t>
             </a:r>
             <a:r>
               <a:rPr lang="en-US" altLang="zh-CN" sz="2400"/>
-              <a:t>?</a:t>
+              <a:t>/</a:t>
             </a:r>
             <a:r>
               <a:rPr lang="zh-CN" altLang="en-US" sz="2400"/>
-              <a:t>姚明</a:t>
-            </a:r>
-            <a:r>
-              <a:rPr lang="en-US" altLang="zh-CN" sz="2400"/>
-              <a:t>:</a:t>
-            </a:r>
-            <a:r>
-              <a:rPr lang="zh-CN" altLang="en-US" sz="2400">
-                <a:solidFill>
-                  <a:srgbClr val="FF0000"/>
-                </a:solidFill>
-              </a:rPr>
-              <a:t>我</a:t>
-            </a:r>
-            <a:r>
-              <a:rPr lang="en-US" altLang="zh-CN" sz="2400">
-                <a:solidFill>
-                  <a:srgbClr val="FF0000"/>
-                </a:solidFill>
-              </a:rPr>
-              <a:t>!</a:t>
-            </a:r>
-          </a:p>
-        </p:txBody>
-      </p:sp>
-      <p:pic>
-        <p:nvPicPr>
-          <p:cNvPr id="6" name="图片 5">
-            <a:extLst>
-              <a:ext uri="{FF2B5EF4-FFF2-40B4-BE49-F238E27FC236}">
-                <a16:creationId xmlns:a16="http://schemas.microsoft.com/office/drawing/2014/main" id="{9D8BC41F-65E1-43E3-82F0-BCED585754EB}"/>
-              </a:ext>
-            </a:extLst>
-          </p:cNvPr>
-          <p:cNvPicPr>
-            <a:picLocks noChangeAspect="1"/>
-          </p:cNvPicPr>
-          <p:nvPr/>
-        </p:nvPicPr>
-        <p:blipFill>
-          <a:blip r:embed="rId2">
-            <a:extLst>
-              <a:ext uri="{28A0092B-C50C-407E-A947-70E740481C1C}">
-                <a14:useLocalDpi xmlns:a14="http://schemas.microsoft.com/office/drawing/2010/main" val="0"/>
-              </a:ext>
-            </a:extLst>
-          </a:blip>
-          <a:stretch>
-            <a:fillRect/>
-          </a:stretch>
-        </p:blipFill>
-        <p:spPr>
-          <a:xfrm>
-            <a:off x="6934420" y="3854217"/>
-            <a:ext cx="5175416" cy="2911171"/>
-          </a:xfrm>
-          <a:prstGeom prst="rect">
-            <a:avLst/>
-          </a:prstGeom>
-        </p:spPr>
-      </p:pic>
+              <a:t>标准差</a:t>
+            </a:r>
+          </a:p>
+        </p:txBody>
+      </p:sp>
     </p:spTree>
     <p:extLst>
       <p:ext uri="{BB962C8B-B14F-4D97-AF65-F5344CB8AC3E}">
-        <p14:creationId xmlns:p14="http://schemas.microsoft.com/office/powerpoint/2010/main" val="1350275564"/>
+        <p14:creationId xmlns:p14="http://schemas.microsoft.com/office/powerpoint/2010/main" val="271432871"/>
       </p:ext>
     </p:extLst>
   </p:cSld>
